--- a/schemas.pptx
+++ b/schemas.pptx
@@ -7,6 +7,8 @@
   <p:sldIdLst>
     <p:sldId id="256" r:id="rId2"/>
     <p:sldId id="257" r:id="rId3"/>
+    <p:sldId id="258" r:id="rId4"/>
+    <p:sldId id="259" r:id="rId5"/>
   </p:sldIdLst>
   <p:sldSz cx="9144000" cy="6858000" type="screen4x3"/>
   <p:notesSz cx="6858000" cy="9144000"/>
@@ -3173,7 +3175,7 @@
           <p:cNvPr id="4" name="Group 3">
             <a:extLst>
               <a:ext uri="{FF2B5EF4-FFF2-40B4-BE49-F238E27FC236}">
-                <a16:creationId xmlns:lc="http://schemas.openxmlformats.org/drawingml/2006/lockedCanvas" xmlns:a16="http://schemas.microsoft.com/office/drawing/2014/main" xmlns="" id="{558F2DE3-40EF-4DFE-B531-D76F501029D2}"/>
+                <a16:creationId xmlns="" xmlns:a16="http://schemas.microsoft.com/office/drawing/2014/main" xmlns:lc="http://schemas.openxmlformats.org/drawingml/2006/lockedCanvas" id="{558F2DE3-40EF-4DFE-B531-D76F501029D2}"/>
               </a:ext>
             </a:extLst>
           </p:cNvPr>
@@ -3193,7 +3195,7 @@
             <p:cNvPr id="5" name="Rectangle 4">
               <a:extLst>
                 <a:ext uri="{FF2B5EF4-FFF2-40B4-BE49-F238E27FC236}">
-                  <a16:creationId xmlns:lc="http://schemas.openxmlformats.org/drawingml/2006/lockedCanvas" xmlns:a16="http://schemas.microsoft.com/office/drawing/2014/main" xmlns="" id="{77F64BD2-2286-4412-A375-6114E13FFE17}"/>
+                  <a16:creationId xmlns="" xmlns:a16="http://schemas.microsoft.com/office/drawing/2014/main" xmlns:lc="http://schemas.openxmlformats.org/drawingml/2006/lockedCanvas" id="{77F64BD2-2286-4412-A375-6114E13FFE17}"/>
                 </a:ext>
               </a:extLst>
             </p:cNvPr>
@@ -3351,7 +3353,7 @@
             <p:cNvPr id="6" name="Picture 5" descr="C:\Users\TH9628\Desktop\openid-icon-250x250.png">
               <a:extLst>
                 <a:ext uri="{FF2B5EF4-FFF2-40B4-BE49-F238E27FC236}">
-                  <a16:creationId xmlns:lc="http://schemas.openxmlformats.org/drawingml/2006/lockedCanvas" xmlns:a16="http://schemas.microsoft.com/office/drawing/2014/main" xmlns="" id="{615F20A6-119B-45DA-8BB2-F92B9C42AF8A}"/>
+                  <a16:creationId xmlns="" xmlns:a16="http://schemas.microsoft.com/office/drawing/2014/main" xmlns:lc="http://schemas.openxmlformats.org/drawingml/2006/lockedCanvas" id="{615F20A6-119B-45DA-8BB2-F92B9C42AF8A}"/>
                 </a:ext>
               </a:extLst>
             </p:cNvPr>
@@ -3391,7 +3393,7 @@
           <p:cNvPr id="7" name="Rectangle 6">
             <a:extLst>
               <a:ext uri="{FF2B5EF4-FFF2-40B4-BE49-F238E27FC236}">
-                <a16:creationId xmlns="" xmlns:a16="http://schemas.microsoft.com/office/drawing/2014/main" id="{3835F5FC-E7BE-4604-A923-87E02B8BF0CE}"/>
+                <a16:creationId xmlns:a16="http://schemas.microsoft.com/office/drawing/2014/main" xmlns="" id="{3835F5FC-E7BE-4604-A923-87E02B8BF0CE}"/>
               </a:ext>
             </a:extLst>
           </p:cNvPr>
@@ -3493,7 +3495,7 @@
           <p:cNvPr id="9" name="Rectangle 8">
             <a:extLst>
               <a:ext uri="{FF2B5EF4-FFF2-40B4-BE49-F238E27FC236}">
-                <a16:creationId xmlns="" xmlns:a16="http://schemas.microsoft.com/office/drawing/2014/main" id="{3835F5FC-E7BE-4604-A923-87E02B8BF0CE}"/>
+                <a16:creationId xmlns:a16="http://schemas.microsoft.com/office/drawing/2014/main" xmlns="" id="{3835F5FC-E7BE-4604-A923-87E02B8BF0CE}"/>
               </a:ext>
             </a:extLst>
           </p:cNvPr>
@@ -3590,7 +3592,7 @@
           <p:cNvPr id="12" name="TextBox 11">
             <a:extLst>
               <a:ext uri="{FF2B5EF4-FFF2-40B4-BE49-F238E27FC236}">
-                <a16:creationId xmlns="" xmlns:a16="http://schemas.microsoft.com/office/drawing/2014/main" id="{A487E570-40E8-45D0-BB55-48C4C1478062}"/>
+                <a16:creationId xmlns:a16="http://schemas.microsoft.com/office/drawing/2014/main" xmlns="" id="{A487E570-40E8-45D0-BB55-48C4C1478062}"/>
               </a:ext>
             </a:extLst>
           </p:cNvPr>
@@ -3666,7 +3668,7 @@
           <p:cNvPr id="15" name="TextBox 14">
             <a:extLst>
               <a:ext uri="{FF2B5EF4-FFF2-40B4-BE49-F238E27FC236}">
-                <a16:creationId xmlns="" xmlns:a16="http://schemas.microsoft.com/office/drawing/2014/main" id="{A487E570-40E8-45D0-BB55-48C4C1478062}"/>
+                <a16:creationId xmlns:a16="http://schemas.microsoft.com/office/drawing/2014/main" xmlns="" id="{A487E570-40E8-45D0-BB55-48C4C1478062}"/>
               </a:ext>
             </a:extLst>
           </p:cNvPr>
@@ -3742,7 +3744,7 @@
           <p:cNvPr id="16" name="TextBox 15">
             <a:extLst>
               <a:ext uri="{FF2B5EF4-FFF2-40B4-BE49-F238E27FC236}">
-                <a16:creationId xmlns="" xmlns:a16="http://schemas.microsoft.com/office/drawing/2014/main" id="{A487E570-40E8-45D0-BB55-48C4C1478062}"/>
+                <a16:creationId xmlns:a16="http://schemas.microsoft.com/office/drawing/2014/main" xmlns="" id="{A487E570-40E8-45D0-BB55-48C4C1478062}"/>
               </a:ext>
             </a:extLst>
           </p:cNvPr>
@@ -3830,7 +3832,7 @@
           <p:cNvPr id="20" name="Flowchart: Connector 19">
             <a:extLst>
               <a:ext uri="{FF2B5EF4-FFF2-40B4-BE49-F238E27FC236}">
-                <a16:creationId xmlns="" xmlns:a16="http://schemas.microsoft.com/office/drawing/2014/main" id="{AB66528D-8577-4D76-8BDB-4C297C2C910F}"/>
+                <a16:creationId xmlns:a16="http://schemas.microsoft.com/office/drawing/2014/main" xmlns="" id="{AB66528D-8577-4D76-8BDB-4C297C2C910F}"/>
               </a:ext>
             </a:extLst>
           </p:cNvPr>
@@ -3984,7 +3986,7 @@
           <p:cNvPr id="21" name="Flowchart: Connector 20">
             <a:extLst>
               <a:ext uri="{FF2B5EF4-FFF2-40B4-BE49-F238E27FC236}">
-                <a16:creationId xmlns="" xmlns:a16="http://schemas.microsoft.com/office/drawing/2014/main" id="{AB66528D-8577-4D76-8BDB-4C297C2C910F}"/>
+                <a16:creationId xmlns:a16="http://schemas.microsoft.com/office/drawing/2014/main" xmlns="" id="{AB66528D-8577-4D76-8BDB-4C297C2C910F}"/>
               </a:ext>
             </a:extLst>
           </p:cNvPr>
@@ -4138,7 +4140,7 @@
           <p:cNvPr id="22" name="Flowchart: Connector 21">
             <a:extLst>
               <a:ext uri="{FF2B5EF4-FFF2-40B4-BE49-F238E27FC236}">
-                <a16:creationId xmlns="" xmlns:a16="http://schemas.microsoft.com/office/drawing/2014/main" id="{AB66528D-8577-4D76-8BDB-4C297C2C910F}"/>
+                <a16:creationId xmlns:a16="http://schemas.microsoft.com/office/drawing/2014/main" xmlns="" id="{AB66528D-8577-4D76-8BDB-4C297C2C910F}"/>
               </a:ext>
             </a:extLst>
           </p:cNvPr>
@@ -4291,6 +4293,2338 @@
     <p:extLst>
       <p:ext uri="{BB962C8B-B14F-4D97-AF65-F5344CB8AC3E}">
         <p14:creationId xmlns:p14="http://schemas.microsoft.com/office/powerpoint/2010/main" val="1038084579"/>
+      </p:ext>
+    </p:extLst>
+  </p:cSld>
+  <p:clrMapOvr>
+    <a:masterClrMapping/>
+  </p:clrMapOvr>
+</p:sld>
+</file>
+
+<file path=ppt/slides/slide3.xml><?xml version="1.0" encoding="utf-8"?>
+<p:sld xmlns:a="http://schemas.openxmlformats.org/drawingml/2006/main" xmlns:r="http://schemas.openxmlformats.org/officeDocument/2006/relationships" xmlns:p="http://schemas.openxmlformats.org/presentationml/2006/main">
+  <p:cSld>
+    <p:spTree>
+      <p:nvGrpSpPr>
+        <p:cNvPr id="1" name=""/>
+        <p:cNvGrpSpPr/>
+        <p:nvPr/>
+      </p:nvGrpSpPr>
+      <p:grpSpPr>
+        <a:xfrm>
+          <a:off x="0" y="0"/>
+          <a:ext cx="0" cy="0"/>
+          <a:chOff x="0" y="0"/>
+          <a:chExt cx="0" cy="0"/>
+        </a:xfrm>
+      </p:grpSpPr>
+      <p:grpSp>
+        <p:nvGrpSpPr>
+          <p:cNvPr id="4" name="Group 3">
+            <a:extLst>
+              <a:ext uri="{FF2B5EF4-FFF2-40B4-BE49-F238E27FC236}">
+                <a16:creationId xmlns="" xmlns:a16="http://schemas.microsoft.com/office/drawing/2014/main" xmlns:lc="http://schemas.openxmlformats.org/drawingml/2006/lockedCanvas" id="{558F2DE3-40EF-4DFE-B531-D76F501029D2}"/>
+              </a:ext>
+            </a:extLst>
+          </p:cNvPr>
+          <p:cNvGrpSpPr/>
+          <p:nvPr/>
+        </p:nvGrpSpPr>
+        <p:grpSpPr>
+          <a:xfrm>
+            <a:off x="4058923" y="1048667"/>
+            <a:ext cx="1228725" cy="1099185"/>
+            <a:chOff x="3957637" y="2879407"/>
+            <a:chExt cx="1228725" cy="1099185"/>
+          </a:xfrm>
+        </p:grpSpPr>
+        <p:sp>
+          <p:nvSpPr>
+            <p:cNvPr id="5" name="Rectangle 4">
+              <a:extLst>
+                <a:ext uri="{FF2B5EF4-FFF2-40B4-BE49-F238E27FC236}">
+                  <a16:creationId xmlns="" xmlns:a16="http://schemas.microsoft.com/office/drawing/2014/main" xmlns:lc="http://schemas.openxmlformats.org/drawingml/2006/lockedCanvas" id="{77F64BD2-2286-4412-A375-6114E13FFE17}"/>
+                </a:ext>
+              </a:extLst>
+            </p:cNvPr>
+            <p:cNvSpPr/>
+            <p:nvPr/>
+          </p:nvSpPr>
+          <p:spPr>
+            <a:xfrm>
+              <a:off x="3957637" y="2879407"/>
+              <a:ext cx="1228725" cy="1099185"/>
+            </a:xfrm>
+            <a:prstGeom prst="rect">
+              <a:avLst/>
+            </a:prstGeom>
+            <a:noFill/>
+            <a:ln>
+              <a:solidFill>
+                <a:schemeClr val="tx1"/>
+              </a:solidFill>
+            </a:ln>
+          </p:spPr>
+          <p:style>
+            <a:lnRef idx="2">
+              <a:schemeClr val="accent1">
+                <a:shade val="50000"/>
+              </a:schemeClr>
+            </a:lnRef>
+            <a:fillRef idx="1">
+              <a:schemeClr val="accent1"/>
+            </a:fillRef>
+            <a:effectRef idx="0">
+              <a:schemeClr val="accent1"/>
+            </a:effectRef>
+            <a:fontRef idx="minor">
+              <a:schemeClr val="lt1"/>
+            </a:fontRef>
+          </p:style>
+          <p:txBody>
+            <a:bodyPr rot="0" spcFirstLastPara="0" vert="horz" wrap="square" lIns="91440" tIns="45720" rIns="91440" bIns="45720" numCol="1" spcCol="0" rtlCol="0" fromWordArt="0" anchor="b" anchorCtr="0" forceAA="0" compatLnSpc="1">
+              <a:prstTxWarp prst="textNoShape">
+                <a:avLst/>
+              </a:prstTxWarp>
+              <a:noAutofit/>
+            </a:bodyPr>
+            <a:lstStyle>
+              <a:defPPr>
+                <a:defRPr lang="de-DE"/>
+              </a:defPPr>
+              <a:lvl1pPr marL="0" algn="l" defTabSz="914400" rtl="0" eaLnBrk="1" latinLnBrk="0" hangingPunct="1">
+                <a:defRPr sz="1800" kern="1200">
+                  <a:solidFill>
+                    <a:schemeClr val="lt1"/>
+                  </a:solidFill>
+                  <a:latin typeface="+mn-lt"/>
+                  <a:ea typeface="+mn-ea"/>
+                  <a:cs typeface="+mn-cs"/>
+                </a:defRPr>
+              </a:lvl1pPr>
+              <a:lvl2pPr marL="457200" algn="l" defTabSz="914400" rtl="0" eaLnBrk="1" latinLnBrk="0" hangingPunct="1">
+                <a:defRPr sz="1800" kern="1200">
+                  <a:solidFill>
+                    <a:schemeClr val="lt1"/>
+                  </a:solidFill>
+                  <a:latin typeface="+mn-lt"/>
+                  <a:ea typeface="+mn-ea"/>
+                  <a:cs typeface="+mn-cs"/>
+                </a:defRPr>
+              </a:lvl2pPr>
+              <a:lvl3pPr marL="914400" algn="l" defTabSz="914400" rtl="0" eaLnBrk="1" latinLnBrk="0" hangingPunct="1">
+                <a:defRPr sz="1800" kern="1200">
+                  <a:solidFill>
+                    <a:schemeClr val="lt1"/>
+                  </a:solidFill>
+                  <a:latin typeface="+mn-lt"/>
+                  <a:ea typeface="+mn-ea"/>
+                  <a:cs typeface="+mn-cs"/>
+                </a:defRPr>
+              </a:lvl3pPr>
+              <a:lvl4pPr marL="1371600" algn="l" defTabSz="914400" rtl="0" eaLnBrk="1" latinLnBrk="0" hangingPunct="1">
+                <a:defRPr sz="1800" kern="1200">
+                  <a:solidFill>
+                    <a:schemeClr val="lt1"/>
+                  </a:solidFill>
+                  <a:latin typeface="+mn-lt"/>
+                  <a:ea typeface="+mn-ea"/>
+                  <a:cs typeface="+mn-cs"/>
+                </a:defRPr>
+              </a:lvl4pPr>
+              <a:lvl5pPr marL="1828800" algn="l" defTabSz="914400" rtl="0" eaLnBrk="1" latinLnBrk="0" hangingPunct="1">
+                <a:defRPr sz="1800" kern="1200">
+                  <a:solidFill>
+                    <a:schemeClr val="lt1"/>
+                  </a:solidFill>
+                  <a:latin typeface="+mn-lt"/>
+                  <a:ea typeface="+mn-ea"/>
+                  <a:cs typeface="+mn-cs"/>
+                </a:defRPr>
+              </a:lvl5pPr>
+              <a:lvl6pPr marL="2286000" algn="l" defTabSz="914400" rtl="0" eaLnBrk="1" latinLnBrk="0" hangingPunct="1">
+                <a:defRPr sz="1800" kern="1200">
+                  <a:solidFill>
+                    <a:schemeClr val="lt1"/>
+                  </a:solidFill>
+                  <a:latin typeface="+mn-lt"/>
+                  <a:ea typeface="+mn-ea"/>
+                  <a:cs typeface="+mn-cs"/>
+                </a:defRPr>
+              </a:lvl6pPr>
+              <a:lvl7pPr marL="2743200" algn="l" defTabSz="914400" rtl="0" eaLnBrk="1" latinLnBrk="0" hangingPunct="1">
+                <a:defRPr sz="1800" kern="1200">
+                  <a:solidFill>
+                    <a:schemeClr val="lt1"/>
+                  </a:solidFill>
+                  <a:latin typeface="+mn-lt"/>
+                  <a:ea typeface="+mn-ea"/>
+                  <a:cs typeface="+mn-cs"/>
+                </a:defRPr>
+              </a:lvl7pPr>
+              <a:lvl8pPr marL="3200400" algn="l" defTabSz="914400" rtl="0" eaLnBrk="1" latinLnBrk="0" hangingPunct="1">
+                <a:defRPr sz="1800" kern="1200">
+                  <a:solidFill>
+                    <a:schemeClr val="lt1"/>
+                  </a:solidFill>
+                  <a:latin typeface="+mn-lt"/>
+                  <a:ea typeface="+mn-ea"/>
+                  <a:cs typeface="+mn-cs"/>
+                </a:defRPr>
+              </a:lvl8pPr>
+              <a:lvl9pPr marL="3657600" algn="l" defTabSz="914400" rtl="0" eaLnBrk="1" latinLnBrk="0" hangingPunct="1">
+                <a:defRPr sz="1800" kern="1200">
+                  <a:solidFill>
+                    <a:schemeClr val="lt1"/>
+                  </a:solidFill>
+                  <a:latin typeface="+mn-lt"/>
+                  <a:ea typeface="+mn-ea"/>
+                  <a:cs typeface="+mn-cs"/>
+                </a:defRPr>
+              </a:lvl9pPr>
+            </a:lstStyle>
+            <a:p>
+              <a:pPr algn="ctr"/>
+              <a:r>
+                <a:rPr lang="en-US" sz="1600" dirty="0">
+                  <a:solidFill>
+                    <a:schemeClr val="tx1"/>
+                  </a:solidFill>
+                </a:rPr>
+                <a:t>Id Server</a:t>
+              </a:r>
+            </a:p>
+          </p:txBody>
+        </p:sp>
+        <p:pic>
+          <p:nvPicPr>
+            <p:cNvPr id="6" name="Picture 5" descr="C:\Users\TH9628\Desktop\openid-icon-250x250.png">
+              <a:extLst>
+                <a:ext uri="{FF2B5EF4-FFF2-40B4-BE49-F238E27FC236}">
+                  <a16:creationId xmlns="" xmlns:a16="http://schemas.microsoft.com/office/drawing/2014/main" xmlns:lc="http://schemas.openxmlformats.org/drawingml/2006/lockedCanvas" id="{615F20A6-119B-45DA-8BB2-F92B9C42AF8A}"/>
+                </a:ext>
+              </a:extLst>
+            </p:cNvPr>
+            <p:cNvPicPr/>
+            <p:nvPr/>
+          </p:nvPicPr>
+          <p:blipFill>
+            <a:blip r:embed="rId2" cstate="print">
+              <a:extLst>
+                <a:ext uri="{28A0092B-C50C-407E-A947-70E740481C1C}">
+                  <a14:useLocalDpi xmlns:a14="http://schemas.microsoft.com/office/drawing/2010/main" val="0"/>
+                </a:ext>
+              </a:extLst>
+            </a:blip>
+            <a:srcRect/>
+            <a:stretch>
+              <a:fillRect/>
+            </a:stretch>
+          </p:blipFill>
+          <p:spPr bwMode="auto">
+            <a:xfrm>
+              <a:off x="4306748" y="3095431"/>
+              <a:ext cx="514985" cy="514985"/>
+            </a:xfrm>
+            <a:prstGeom prst="rect">
+              <a:avLst/>
+            </a:prstGeom>
+            <a:noFill/>
+            <a:ln>
+              <a:noFill/>
+            </a:ln>
+          </p:spPr>
+        </p:pic>
+      </p:grpSp>
+      <p:pic>
+        <p:nvPicPr>
+          <p:cNvPr id="7" name="Picture 4" descr="Image associÃ©e"/>
+          <p:cNvPicPr>
+            <a:picLocks noChangeAspect="1" noChangeArrowheads="1"/>
+          </p:cNvPicPr>
+          <p:nvPr/>
+        </p:nvPicPr>
+        <p:blipFill>
+          <a:blip r:embed="rId3" cstate="print">
+            <a:extLst>
+              <a:ext uri="{28A0092B-C50C-407E-A947-70E740481C1C}">
+                <a14:useLocalDpi xmlns:a14="http://schemas.microsoft.com/office/drawing/2010/main" val="0"/>
+              </a:ext>
+            </a:extLst>
+          </a:blip>
+          <a:srcRect/>
+          <a:stretch>
+            <a:fillRect/>
+          </a:stretch>
+        </p:blipFill>
+        <p:spPr bwMode="auto">
+          <a:xfrm>
+            <a:off x="1608700" y="5040734"/>
+            <a:ext cx="1384753" cy="1384753"/>
+          </a:xfrm>
+          <a:prstGeom prst="rect">
+            <a:avLst/>
+          </a:prstGeom>
+          <a:noFill/>
+          <a:extLst>
+            <a:ext uri="{909E8E84-426E-40DD-AFC4-6F175D3DCCD1}">
+              <a14:hiddenFill xmlns:a14="http://schemas.microsoft.com/office/drawing/2010/main">
+                <a:solidFill>
+                  <a:srgbClr val="FFFFFF"/>
+                </a:solidFill>
+              </a14:hiddenFill>
+            </a:ext>
+          </a:extLst>
+        </p:spPr>
+      </p:pic>
+      <p:sp>
+        <p:nvSpPr>
+          <p:cNvPr id="8" name="Rectangle 7">
+            <a:extLst>
+              <a:ext uri="{FF2B5EF4-FFF2-40B4-BE49-F238E27FC236}">
+                <a16:creationId xmlns:a16="http://schemas.microsoft.com/office/drawing/2014/main" xmlns="" id="{3835F5FC-E7BE-4604-A923-87E02B8BF0CE}"/>
+              </a:ext>
+            </a:extLst>
+          </p:cNvPr>
+          <p:cNvSpPr/>
+          <p:nvPr/>
+        </p:nvSpPr>
+        <p:spPr>
+          <a:xfrm>
+            <a:off x="3283771" y="5934764"/>
+            <a:ext cx="2779033" cy="490723"/>
+          </a:xfrm>
+          <a:prstGeom prst="rect">
+            <a:avLst/>
+          </a:prstGeom>
+          <a:ln>
+            <a:solidFill>
+              <a:schemeClr val="tx1"/>
+            </a:solidFill>
+          </a:ln>
+        </p:spPr>
+        <p:style>
+          <a:lnRef idx="2">
+            <a:schemeClr val="accent1"/>
+          </a:lnRef>
+          <a:fillRef idx="1">
+            <a:schemeClr val="lt1"/>
+          </a:fillRef>
+          <a:effectRef idx="0">
+            <a:schemeClr val="accent1"/>
+          </a:effectRef>
+          <a:fontRef idx="minor">
+            <a:schemeClr val="dk1"/>
+          </a:fontRef>
+        </p:style>
+        <p:txBody>
+          <a:bodyPr rtlCol="0" anchor="ctr"/>
+          <a:lstStyle/>
+          <a:p>
+            <a:pPr algn="ctr"/>
+            <a:r>
+              <a:rPr lang="fr-BE" sz="1400" dirty="0" smtClean="0">
+                <a:solidFill>
+                  <a:schemeClr val="tx1"/>
+                </a:solidFill>
+              </a:rPr>
+              <a:t>REACT.JS</a:t>
+            </a:r>
+            <a:endParaRPr lang="en-US" sz="1400" dirty="0">
+              <a:solidFill>
+                <a:schemeClr val="tx1"/>
+              </a:solidFill>
+            </a:endParaRPr>
+          </a:p>
+        </p:txBody>
+      </p:sp>
+      <p:sp>
+        <p:nvSpPr>
+          <p:cNvPr id="9" name="Rectangle 8">
+            <a:extLst>
+              <a:ext uri="{FF2B5EF4-FFF2-40B4-BE49-F238E27FC236}">
+                <a16:creationId xmlns:a16="http://schemas.microsoft.com/office/drawing/2014/main" xmlns="" id="{3835F5FC-E7BE-4604-A923-87E02B8BF0CE}"/>
+              </a:ext>
+            </a:extLst>
+          </p:cNvPr>
+          <p:cNvSpPr/>
+          <p:nvPr/>
+        </p:nvSpPr>
+        <p:spPr>
+          <a:xfrm>
+            <a:off x="3283770" y="4869160"/>
+            <a:ext cx="2779033" cy="490723"/>
+          </a:xfrm>
+          <a:prstGeom prst="rect">
+            <a:avLst/>
+          </a:prstGeom>
+          <a:ln>
+            <a:solidFill>
+              <a:schemeClr val="tx1"/>
+            </a:solidFill>
+          </a:ln>
+        </p:spPr>
+        <p:style>
+          <a:lnRef idx="2">
+            <a:schemeClr val="accent1"/>
+          </a:lnRef>
+          <a:fillRef idx="1">
+            <a:schemeClr val="lt1"/>
+          </a:fillRef>
+          <a:effectRef idx="0">
+            <a:schemeClr val="accent1"/>
+          </a:effectRef>
+          <a:fontRef idx="minor">
+            <a:schemeClr val="dk1"/>
+          </a:fontRef>
+        </p:style>
+        <p:txBody>
+          <a:bodyPr rtlCol="0" anchor="ctr"/>
+          <a:lstStyle/>
+          <a:p>
+            <a:pPr algn="ctr"/>
+            <a:r>
+              <a:rPr lang="fr-BE" sz="1400" dirty="0" smtClean="0">
+                <a:solidFill>
+                  <a:schemeClr val="tx1"/>
+                </a:solidFill>
+              </a:rPr>
+              <a:t>ASP.NET CORE</a:t>
+            </a:r>
+            <a:endParaRPr lang="en-US" sz="1400" dirty="0">
+              <a:solidFill>
+                <a:schemeClr val="tx1"/>
+              </a:solidFill>
+            </a:endParaRPr>
+          </a:p>
+        </p:txBody>
+      </p:sp>
+      <p:cxnSp>
+        <p:nvCxnSpPr>
+          <p:cNvPr id="17" name="Elbow Connector 16"/>
+          <p:cNvCxnSpPr>
+            <a:stCxn id="5" idx="1"/>
+            <a:endCxn id="8" idx="1"/>
+          </p:cNvCxnSpPr>
+          <p:nvPr/>
+        </p:nvCxnSpPr>
+        <p:spPr>
+          <a:xfrm rot="10800000" flipV="1">
+            <a:off x="3283771" y="1598260"/>
+            <a:ext cx="775152" cy="4581866"/>
+          </a:xfrm>
+          <a:prstGeom prst="bentConnector3">
+            <a:avLst>
+              <a:gd name="adj1" fmla="val 129491"/>
+            </a:avLst>
+          </a:prstGeom>
+          <a:ln>
+            <a:solidFill>
+              <a:schemeClr val="tx1"/>
+            </a:solidFill>
+            <a:headEnd type="arrow"/>
+            <a:tailEnd type="arrow"/>
+          </a:ln>
+        </p:spPr>
+        <p:style>
+          <a:lnRef idx="1">
+            <a:schemeClr val="accent1"/>
+          </a:lnRef>
+          <a:fillRef idx="0">
+            <a:schemeClr val="accent1"/>
+          </a:fillRef>
+          <a:effectRef idx="0">
+            <a:schemeClr val="accent1"/>
+          </a:effectRef>
+          <a:fontRef idx="minor">
+            <a:schemeClr val="tx1"/>
+          </a:fontRef>
+        </p:style>
+      </p:cxnSp>
+      <p:sp>
+        <p:nvSpPr>
+          <p:cNvPr id="13" name="Flowchart: Connector 12">
+            <a:extLst>
+              <a:ext uri="{FF2B5EF4-FFF2-40B4-BE49-F238E27FC236}">
+                <a16:creationId xmlns:a16="http://schemas.microsoft.com/office/drawing/2014/main" xmlns="" id="{AB66528D-8577-4D76-8BDB-4C297C2C910F}"/>
+              </a:ext>
+            </a:extLst>
+          </p:cNvPr>
+          <p:cNvSpPr>
+            <a:spLocks noChangeAspect="1"/>
+          </p:cNvSpPr>
+          <p:nvPr/>
+        </p:nvSpPr>
+        <p:spPr>
+          <a:xfrm>
+            <a:off x="2978458" y="3801825"/>
+            <a:ext cx="174736" cy="174736"/>
+          </a:xfrm>
+          <a:prstGeom prst="flowChartConnector">
+            <a:avLst/>
+          </a:prstGeom>
+          <a:solidFill>
+            <a:schemeClr val="tx1"/>
+          </a:solidFill>
+          <a:ln>
+            <a:solidFill>
+              <a:schemeClr val="tx1"/>
+            </a:solidFill>
+          </a:ln>
+        </p:spPr>
+        <p:style>
+          <a:lnRef idx="2">
+            <a:schemeClr val="accent1">
+              <a:shade val="50000"/>
+            </a:schemeClr>
+          </a:lnRef>
+          <a:fillRef idx="1">
+            <a:schemeClr val="accent1"/>
+          </a:fillRef>
+          <a:effectRef idx="0">
+            <a:schemeClr val="accent1"/>
+          </a:effectRef>
+          <a:fontRef idx="minor">
+            <a:schemeClr val="lt1"/>
+          </a:fontRef>
+        </p:style>
+        <p:txBody>
+          <a:bodyPr rtlCol="0" anchor="ctr"/>
+          <a:lstStyle>
+            <a:defPPr>
+              <a:defRPr lang="en-US"/>
+            </a:defPPr>
+            <a:lvl1pPr marL="0" algn="l" defTabSz="914400" rtl="0" eaLnBrk="1" latinLnBrk="0" hangingPunct="1">
+              <a:defRPr sz="1800" kern="1200">
+                <a:solidFill>
+                  <a:schemeClr val="lt1"/>
+                </a:solidFill>
+                <a:latin typeface="+mn-lt"/>
+                <a:ea typeface="+mn-ea"/>
+                <a:cs typeface="+mn-cs"/>
+              </a:defRPr>
+            </a:lvl1pPr>
+            <a:lvl2pPr marL="457200" algn="l" defTabSz="914400" rtl="0" eaLnBrk="1" latinLnBrk="0" hangingPunct="1">
+              <a:defRPr sz="1800" kern="1200">
+                <a:solidFill>
+                  <a:schemeClr val="lt1"/>
+                </a:solidFill>
+                <a:latin typeface="+mn-lt"/>
+                <a:ea typeface="+mn-ea"/>
+                <a:cs typeface="+mn-cs"/>
+              </a:defRPr>
+            </a:lvl2pPr>
+            <a:lvl3pPr marL="914400" algn="l" defTabSz="914400" rtl="0" eaLnBrk="1" latinLnBrk="0" hangingPunct="1">
+              <a:defRPr sz="1800" kern="1200">
+                <a:solidFill>
+                  <a:schemeClr val="lt1"/>
+                </a:solidFill>
+                <a:latin typeface="+mn-lt"/>
+                <a:ea typeface="+mn-ea"/>
+                <a:cs typeface="+mn-cs"/>
+              </a:defRPr>
+            </a:lvl3pPr>
+            <a:lvl4pPr marL="1371600" algn="l" defTabSz="914400" rtl="0" eaLnBrk="1" latinLnBrk="0" hangingPunct="1">
+              <a:defRPr sz="1800" kern="1200">
+                <a:solidFill>
+                  <a:schemeClr val="lt1"/>
+                </a:solidFill>
+                <a:latin typeface="+mn-lt"/>
+                <a:ea typeface="+mn-ea"/>
+                <a:cs typeface="+mn-cs"/>
+              </a:defRPr>
+            </a:lvl4pPr>
+            <a:lvl5pPr marL="1828800" algn="l" defTabSz="914400" rtl="0" eaLnBrk="1" latinLnBrk="0" hangingPunct="1">
+              <a:defRPr sz="1800" kern="1200">
+                <a:solidFill>
+                  <a:schemeClr val="lt1"/>
+                </a:solidFill>
+                <a:latin typeface="+mn-lt"/>
+                <a:ea typeface="+mn-ea"/>
+                <a:cs typeface="+mn-cs"/>
+              </a:defRPr>
+            </a:lvl5pPr>
+            <a:lvl6pPr marL="2286000" algn="l" defTabSz="914400" rtl="0" eaLnBrk="1" latinLnBrk="0" hangingPunct="1">
+              <a:defRPr sz="1800" kern="1200">
+                <a:solidFill>
+                  <a:schemeClr val="lt1"/>
+                </a:solidFill>
+                <a:latin typeface="+mn-lt"/>
+                <a:ea typeface="+mn-ea"/>
+                <a:cs typeface="+mn-cs"/>
+              </a:defRPr>
+            </a:lvl6pPr>
+            <a:lvl7pPr marL="2743200" algn="l" defTabSz="914400" rtl="0" eaLnBrk="1" latinLnBrk="0" hangingPunct="1">
+              <a:defRPr sz="1800" kern="1200">
+                <a:solidFill>
+                  <a:schemeClr val="lt1"/>
+                </a:solidFill>
+                <a:latin typeface="+mn-lt"/>
+                <a:ea typeface="+mn-ea"/>
+                <a:cs typeface="+mn-cs"/>
+              </a:defRPr>
+            </a:lvl7pPr>
+            <a:lvl8pPr marL="3200400" algn="l" defTabSz="914400" rtl="0" eaLnBrk="1" latinLnBrk="0" hangingPunct="1">
+              <a:defRPr sz="1800" kern="1200">
+                <a:solidFill>
+                  <a:schemeClr val="lt1"/>
+                </a:solidFill>
+                <a:latin typeface="+mn-lt"/>
+                <a:ea typeface="+mn-ea"/>
+                <a:cs typeface="+mn-cs"/>
+              </a:defRPr>
+            </a:lvl8pPr>
+            <a:lvl9pPr marL="3657600" algn="l" defTabSz="914400" rtl="0" eaLnBrk="1" latinLnBrk="0" hangingPunct="1">
+              <a:defRPr sz="1800" kern="1200">
+                <a:solidFill>
+                  <a:schemeClr val="lt1"/>
+                </a:solidFill>
+                <a:latin typeface="+mn-lt"/>
+                <a:ea typeface="+mn-ea"/>
+                <a:cs typeface="+mn-cs"/>
+              </a:defRPr>
+            </a:lvl9pPr>
+          </a:lstStyle>
+          <a:p>
+            <a:pPr algn="ctr"/>
+            <a:r>
+              <a:rPr lang="fr-BE" sz="1200" b="1" dirty="0"/>
+              <a:t>1</a:t>
+            </a:r>
+            <a:endParaRPr lang="en-US" b="1" dirty="0"/>
+          </a:p>
+        </p:txBody>
+      </p:sp>
+      <p:sp>
+        <p:nvSpPr>
+          <p:cNvPr id="19" name="TextBox 18">
+            <a:extLst>
+              <a:ext uri="{FF2B5EF4-FFF2-40B4-BE49-F238E27FC236}">
+                <a16:creationId xmlns:a16="http://schemas.microsoft.com/office/drawing/2014/main" xmlns="" id="{A487E570-40E8-45D0-BB55-48C4C1478062}"/>
+              </a:ext>
+            </a:extLst>
+          </p:cNvPr>
+          <p:cNvSpPr txBox="1"/>
+          <p:nvPr/>
+        </p:nvSpPr>
+        <p:spPr>
+          <a:xfrm>
+            <a:off x="1763688" y="3404137"/>
+            <a:ext cx="1229765" cy="769441"/>
+          </a:xfrm>
+          <a:prstGeom prst="rect">
+            <a:avLst/>
+          </a:prstGeom>
+          <a:noFill/>
+        </p:spPr>
+        <p:txBody>
+          <a:bodyPr wrap="square" rtlCol="0">
+            <a:spAutoFit/>
+          </a:bodyPr>
+          <a:lstStyle/>
+          <a:p>
+            <a:r>
+              <a:rPr lang="fr-BE" sz="1100" dirty="0" err="1" smtClean="0"/>
+              <a:t>Redirects</a:t>
+            </a:r>
+            <a:r>
+              <a:rPr lang="fr-BE" sz="1100" dirty="0" smtClean="0"/>
+              <a:t> the user-agent to the </a:t>
+            </a:r>
+            <a:r>
+              <a:rPr lang="fr-BE" sz="1100" dirty="0" err="1" smtClean="0"/>
+              <a:t>authorization</a:t>
+            </a:r>
+            <a:r>
+              <a:rPr lang="fr-BE" sz="1100" dirty="0" smtClean="0"/>
+              <a:t> </a:t>
+            </a:r>
+            <a:r>
+              <a:rPr lang="fr-BE" sz="1100" dirty="0" err="1" smtClean="0"/>
+              <a:t>endpoint</a:t>
+            </a:r>
+            <a:endParaRPr lang="en-US" sz="1100" dirty="0"/>
+          </a:p>
+        </p:txBody>
+      </p:sp>
+      <p:cxnSp>
+        <p:nvCxnSpPr>
+          <p:cNvPr id="21" name="Elbow Connector 20"/>
+          <p:cNvCxnSpPr>
+            <a:stCxn id="8" idx="0"/>
+            <a:endCxn id="8" idx="1"/>
+          </p:cNvCxnSpPr>
+          <p:nvPr/>
+        </p:nvCxnSpPr>
+        <p:spPr>
+          <a:xfrm rot="16200000" flipH="1" flipV="1">
+            <a:off x="3855849" y="5362686"/>
+            <a:ext cx="245362" cy="1389517"/>
+          </a:xfrm>
+          <a:prstGeom prst="bentConnector4">
+            <a:avLst>
+              <a:gd name="adj1" fmla="val -93168"/>
+              <a:gd name="adj2" fmla="val 109930"/>
+            </a:avLst>
+          </a:prstGeom>
+          <a:ln>
+            <a:solidFill>
+              <a:schemeClr val="tx1"/>
+            </a:solidFill>
+            <a:tailEnd type="arrow"/>
+          </a:ln>
+        </p:spPr>
+        <p:style>
+          <a:lnRef idx="1">
+            <a:schemeClr val="accent1"/>
+          </a:lnRef>
+          <a:fillRef idx="0">
+            <a:schemeClr val="accent1"/>
+          </a:fillRef>
+          <a:effectRef idx="0">
+            <a:schemeClr val="accent1"/>
+          </a:effectRef>
+          <a:fontRef idx="minor">
+            <a:schemeClr val="tx1"/>
+          </a:fontRef>
+        </p:style>
+      </p:cxnSp>
+      <p:sp>
+        <p:nvSpPr>
+          <p:cNvPr id="22" name="Flowchart: Connector 21">
+            <a:extLst>
+              <a:ext uri="{FF2B5EF4-FFF2-40B4-BE49-F238E27FC236}">
+                <a16:creationId xmlns:a16="http://schemas.microsoft.com/office/drawing/2014/main" xmlns="" id="{AB66528D-8577-4D76-8BDB-4C297C2C910F}"/>
+              </a:ext>
+            </a:extLst>
+          </p:cNvPr>
+          <p:cNvSpPr>
+            <a:spLocks noChangeAspect="1"/>
+          </p:cNvSpPr>
+          <p:nvPr/>
+        </p:nvSpPr>
+        <p:spPr>
+          <a:xfrm>
+            <a:off x="3891162" y="5645742"/>
+            <a:ext cx="174736" cy="174736"/>
+          </a:xfrm>
+          <a:prstGeom prst="flowChartConnector">
+            <a:avLst/>
+          </a:prstGeom>
+          <a:solidFill>
+            <a:schemeClr val="tx1"/>
+          </a:solidFill>
+          <a:ln>
+            <a:solidFill>
+              <a:schemeClr val="tx1"/>
+            </a:solidFill>
+          </a:ln>
+        </p:spPr>
+        <p:style>
+          <a:lnRef idx="2">
+            <a:schemeClr val="accent1">
+              <a:shade val="50000"/>
+            </a:schemeClr>
+          </a:lnRef>
+          <a:fillRef idx="1">
+            <a:schemeClr val="accent1"/>
+          </a:fillRef>
+          <a:effectRef idx="0">
+            <a:schemeClr val="accent1"/>
+          </a:effectRef>
+          <a:fontRef idx="minor">
+            <a:schemeClr val="lt1"/>
+          </a:fontRef>
+        </p:style>
+        <p:txBody>
+          <a:bodyPr rtlCol="0" anchor="ctr"/>
+          <a:lstStyle>
+            <a:defPPr>
+              <a:defRPr lang="en-US"/>
+            </a:defPPr>
+            <a:lvl1pPr marL="0" algn="l" defTabSz="914400" rtl="0" eaLnBrk="1" latinLnBrk="0" hangingPunct="1">
+              <a:defRPr sz="1800" kern="1200">
+                <a:solidFill>
+                  <a:schemeClr val="lt1"/>
+                </a:solidFill>
+                <a:latin typeface="+mn-lt"/>
+                <a:ea typeface="+mn-ea"/>
+                <a:cs typeface="+mn-cs"/>
+              </a:defRPr>
+            </a:lvl1pPr>
+            <a:lvl2pPr marL="457200" algn="l" defTabSz="914400" rtl="0" eaLnBrk="1" latinLnBrk="0" hangingPunct="1">
+              <a:defRPr sz="1800" kern="1200">
+                <a:solidFill>
+                  <a:schemeClr val="lt1"/>
+                </a:solidFill>
+                <a:latin typeface="+mn-lt"/>
+                <a:ea typeface="+mn-ea"/>
+                <a:cs typeface="+mn-cs"/>
+              </a:defRPr>
+            </a:lvl2pPr>
+            <a:lvl3pPr marL="914400" algn="l" defTabSz="914400" rtl="0" eaLnBrk="1" latinLnBrk="0" hangingPunct="1">
+              <a:defRPr sz="1800" kern="1200">
+                <a:solidFill>
+                  <a:schemeClr val="lt1"/>
+                </a:solidFill>
+                <a:latin typeface="+mn-lt"/>
+                <a:ea typeface="+mn-ea"/>
+                <a:cs typeface="+mn-cs"/>
+              </a:defRPr>
+            </a:lvl3pPr>
+            <a:lvl4pPr marL="1371600" algn="l" defTabSz="914400" rtl="0" eaLnBrk="1" latinLnBrk="0" hangingPunct="1">
+              <a:defRPr sz="1800" kern="1200">
+                <a:solidFill>
+                  <a:schemeClr val="lt1"/>
+                </a:solidFill>
+                <a:latin typeface="+mn-lt"/>
+                <a:ea typeface="+mn-ea"/>
+                <a:cs typeface="+mn-cs"/>
+              </a:defRPr>
+            </a:lvl4pPr>
+            <a:lvl5pPr marL="1828800" algn="l" defTabSz="914400" rtl="0" eaLnBrk="1" latinLnBrk="0" hangingPunct="1">
+              <a:defRPr sz="1800" kern="1200">
+                <a:solidFill>
+                  <a:schemeClr val="lt1"/>
+                </a:solidFill>
+                <a:latin typeface="+mn-lt"/>
+                <a:ea typeface="+mn-ea"/>
+                <a:cs typeface="+mn-cs"/>
+              </a:defRPr>
+            </a:lvl5pPr>
+            <a:lvl6pPr marL="2286000" algn="l" defTabSz="914400" rtl="0" eaLnBrk="1" latinLnBrk="0" hangingPunct="1">
+              <a:defRPr sz="1800" kern="1200">
+                <a:solidFill>
+                  <a:schemeClr val="lt1"/>
+                </a:solidFill>
+                <a:latin typeface="+mn-lt"/>
+                <a:ea typeface="+mn-ea"/>
+                <a:cs typeface="+mn-cs"/>
+              </a:defRPr>
+            </a:lvl6pPr>
+            <a:lvl7pPr marL="2743200" algn="l" defTabSz="914400" rtl="0" eaLnBrk="1" latinLnBrk="0" hangingPunct="1">
+              <a:defRPr sz="1800" kern="1200">
+                <a:solidFill>
+                  <a:schemeClr val="lt1"/>
+                </a:solidFill>
+                <a:latin typeface="+mn-lt"/>
+                <a:ea typeface="+mn-ea"/>
+                <a:cs typeface="+mn-cs"/>
+              </a:defRPr>
+            </a:lvl7pPr>
+            <a:lvl8pPr marL="3200400" algn="l" defTabSz="914400" rtl="0" eaLnBrk="1" latinLnBrk="0" hangingPunct="1">
+              <a:defRPr sz="1800" kern="1200">
+                <a:solidFill>
+                  <a:schemeClr val="lt1"/>
+                </a:solidFill>
+                <a:latin typeface="+mn-lt"/>
+                <a:ea typeface="+mn-ea"/>
+                <a:cs typeface="+mn-cs"/>
+              </a:defRPr>
+            </a:lvl8pPr>
+            <a:lvl9pPr marL="3657600" algn="l" defTabSz="914400" rtl="0" eaLnBrk="1" latinLnBrk="0" hangingPunct="1">
+              <a:defRPr sz="1800" kern="1200">
+                <a:solidFill>
+                  <a:schemeClr val="lt1"/>
+                </a:solidFill>
+                <a:latin typeface="+mn-lt"/>
+                <a:ea typeface="+mn-ea"/>
+                <a:cs typeface="+mn-cs"/>
+              </a:defRPr>
+            </a:lvl9pPr>
+          </a:lstStyle>
+          <a:p>
+            <a:pPr algn="ctr"/>
+            <a:r>
+              <a:rPr lang="fr-BE" sz="1200" b="1" dirty="0"/>
+              <a:t>2</a:t>
+            </a:r>
+            <a:endParaRPr lang="en-US" b="1" dirty="0"/>
+          </a:p>
+        </p:txBody>
+      </p:sp>
+      <p:sp>
+        <p:nvSpPr>
+          <p:cNvPr id="23" name="TextBox 22">
+            <a:extLst>
+              <a:ext uri="{FF2B5EF4-FFF2-40B4-BE49-F238E27FC236}">
+                <a16:creationId xmlns:a16="http://schemas.microsoft.com/office/drawing/2014/main" xmlns="" id="{A487E570-40E8-45D0-BB55-48C4C1478062}"/>
+              </a:ext>
+            </a:extLst>
+          </p:cNvPr>
+          <p:cNvSpPr txBox="1"/>
+          <p:nvPr/>
+        </p:nvSpPr>
+        <p:spPr>
+          <a:xfrm>
+            <a:off x="4058916" y="5430298"/>
+            <a:ext cx="1625483" cy="430887"/>
+          </a:xfrm>
+          <a:prstGeom prst="rect">
+            <a:avLst/>
+          </a:prstGeom>
+          <a:noFill/>
+        </p:spPr>
+        <p:txBody>
+          <a:bodyPr wrap="square" rtlCol="0">
+            <a:spAutoFit/>
+          </a:bodyPr>
+          <a:lstStyle/>
+          <a:p>
+            <a:r>
+              <a:rPr lang="fr-BE" sz="1100" dirty="0" err="1" smtClean="0"/>
+              <a:t>Submit</a:t>
+            </a:r>
+            <a:r>
+              <a:rPr lang="fr-BE" sz="1100" dirty="0" smtClean="0"/>
+              <a:t> the </a:t>
+            </a:r>
+            <a:r>
+              <a:rPr lang="fr-BE" sz="1100" dirty="0" err="1" smtClean="0"/>
+              <a:t>credentials</a:t>
+            </a:r>
+            <a:r>
+              <a:rPr lang="fr-BE" sz="1100" dirty="0" smtClean="0"/>
+              <a:t> or use an </a:t>
+            </a:r>
+            <a:r>
+              <a:rPr lang="fr-BE" sz="1100" dirty="0" err="1" smtClean="0"/>
+              <a:t>external</a:t>
+            </a:r>
+            <a:r>
+              <a:rPr lang="fr-BE" sz="1100" dirty="0" smtClean="0"/>
+              <a:t> </a:t>
+            </a:r>
+            <a:r>
+              <a:rPr lang="fr-BE" sz="1100" dirty="0" err="1" smtClean="0"/>
+              <a:t>account</a:t>
+            </a:r>
+            <a:endParaRPr lang="en-US" sz="1100" dirty="0"/>
+          </a:p>
+        </p:txBody>
+      </p:sp>
+      <p:cxnSp>
+        <p:nvCxnSpPr>
+          <p:cNvPr id="25" name="Elbow Connector 24"/>
+          <p:cNvCxnSpPr>
+            <a:stCxn id="5" idx="3"/>
+            <a:endCxn id="8" idx="3"/>
+          </p:cNvCxnSpPr>
+          <p:nvPr/>
+        </p:nvCxnSpPr>
+        <p:spPr>
+          <a:xfrm>
+            <a:off x="5287648" y="1598260"/>
+            <a:ext cx="775156" cy="4581866"/>
+          </a:xfrm>
+          <a:prstGeom prst="bentConnector3">
+            <a:avLst>
+              <a:gd name="adj1" fmla="val 129491"/>
+            </a:avLst>
+          </a:prstGeom>
+          <a:ln>
+            <a:solidFill>
+              <a:schemeClr val="tx1"/>
+            </a:solidFill>
+            <a:tailEnd type="arrow"/>
+          </a:ln>
+        </p:spPr>
+        <p:style>
+          <a:lnRef idx="1">
+            <a:schemeClr val="accent1"/>
+          </a:lnRef>
+          <a:fillRef idx="0">
+            <a:schemeClr val="accent1"/>
+          </a:fillRef>
+          <a:effectRef idx="0">
+            <a:schemeClr val="accent1"/>
+          </a:effectRef>
+          <a:fontRef idx="minor">
+            <a:schemeClr val="tx1"/>
+          </a:fontRef>
+        </p:style>
+      </p:cxnSp>
+      <p:sp>
+        <p:nvSpPr>
+          <p:cNvPr id="29" name="Flowchart: Connector 28">
+            <a:extLst>
+              <a:ext uri="{FF2B5EF4-FFF2-40B4-BE49-F238E27FC236}">
+                <a16:creationId xmlns:a16="http://schemas.microsoft.com/office/drawing/2014/main" xmlns="" id="{AB66528D-8577-4D76-8BDB-4C297C2C910F}"/>
+              </a:ext>
+            </a:extLst>
+          </p:cNvPr>
+          <p:cNvSpPr>
+            <a:spLocks noChangeAspect="1"/>
+          </p:cNvSpPr>
+          <p:nvPr/>
+        </p:nvSpPr>
+        <p:spPr>
+          <a:xfrm>
+            <a:off x="6197464" y="4018522"/>
+            <a:ext cx="174736" cy="174736"/>
+          </a:xfrm>
+          <a:prstGeom prst="flowChartConnector">
+            <a:avLst/>
+          </a:prstGeom>
+          <a:solidFill>
+            <a:schemeClr val="tx1"/>
+          </a:solidFill>
+          <a:ln>
+            <a:solidFill>
+              <a:schemeClr val="tx1"/>
+            </a:solidFill>
+          </a:ln>
+        </p:spPr>
+        <p:style>
+          <a:lnRef idx="2">
+            <a:schemeClr val="accent1">
+              <a:shade val="50000"/>
+            </a:schemeClr>
+          </a:lnRef>
+          <a:fillRef idx="1">
+            <a:schemeClr val="accent1"/>
+          </a:fillRef>
+          <a:effectRef idx="0">
+            <a:schemeClr val="accent1"/>
+          </a:effectRef>
+          <a:fontRef idx="minor">
+            <a:schemeClr val="lt1"/>
+          </a:fontRef>
+        </p:style>
+        <p:txBody>
+          <a:bodyPr rtlCol="0" anchor="ctr"/>
+          <a:lstStyle>
+            <a:defPPr>
+              <a:defRPr lang="en-US"/>
+            </a:defPPr>
+            <a:lvl1pPr marL="0" algn="l" defTabSz="914400" rtl="0" eaLnBrk="1" latinLnBrk="0" hangingPunct="1">
+              <a:defRPr sz="1800" kern="1200">
+                <a:solidFill>
+                  <a:schemeClr val="lt1"/>
+                </a:solidFill>
+                <a:latin typeface="+mn-lt"/>
+                <a:ea typeface="+mn-ea"/>
+                <a:cs typeface="+mn-cs"/>
+              </a:defRPr>
+            </a:lvl1pPr>
+            <a:lvl2pPr marL="457200" algn="l" defTabSz="914400" rtl="0" eaLnBrk="1" latinLnBrk="0" hangingPunct="1">
+              <a:defRPr sz="1800" kern="1200">
+                <a:solidFill>
+                  <a:schemeClr val="lt1"/>
+                </a:solidFill>
+                <a:latin typeface="+mn-lt"/>
+                <a:ea typeface="+mn-ea"/>
+                <a:cs typeface="+mn-cs"/>
+              </a:defRPr>
+            </a:lvl2pPr>
+            <a:lvl3pPr marL="914400" algn="l" defTabSz="914400" rtl="0" eaLnBrk="1" latinLnBrk="0" hangingPunct="1">
+              <a:defRPr sz="1800" kern="1200">
+                <a:solidFill>
+                  <a:schemeClr val="lt1"/>
+                </a:solidFill>
+                <a:latin typeface="+mn-lt"/>
+                <a:ea typeface="+mn-ea"/>
+                <a:cs typeface="+mn-cs"/>
+              </a:defRPr>
+            </a:lvl3pPr>
+            <a:lvl4pPr marL="1371600" algn="l" defTabSz="914400" rtl="0" eaLnBrk="1" latinLnBrk="0" hangingPunct="1">
+              <a:defRPr sz="1800" kern="1200">
+                <a:solidFill>
+                  <a:schemeClr val="lt1"/>
+                </a:solidFill>
+                <a:latin typeface="+mn-lt"/>
+                <a:ea typeface="+mn-ea"/>
+                <a:cs typeface="+mn-cs"/>
+              </a:defRPr>
+            </a:lvl4pPr>
+            <a:lvl5pPr marL="1828800" algn="l" defTabSz="914400" rtl="0" eaLnBrk="1" latinLnBrk="0" hangingPunct="1">
+              <a:defRPr sz="1800" kern="1200">
+                <a:solidFill>
+                  <a:schemeClr val="lt1"/>
+                </a:solidFill>
+                <a:latin typeface="+mn-lt"/>
+                <a:ea typeface="+mn-ea"/>
+                <a:cs typeface="+mn-cs"/>
+              </a:defRPr>
+            </a:lvl5pPr>
+            <a:lvl6pPr marL="2286000" algn="l" defTabSz="914400" rtl="0" eaLnBrk="1" latinLnBrk="0" hangingPunct="1">
+              <a:defRPr sz="1800" kern="1200">
+                <a:solidFill>
+                  <a:schemeClr val="lt1"/>
+                </a:solidFill>
+                <a:latin typeface="+mn-lt"/>
+                <a:ea typeface="+mn-ea"/>
+                <a:cs typeface="+mn-cs"/>
+              </a:defRPr>
+            </a:lvl6pPr>
+            <a:lvl7pPr marL="2743200" algn="l" defTabSz="914400" rtl="0" eaLnBrk="1" latinLnBrk="0" hangingPunct="1">
+              <a:defRPr sz="1800" kern="1200">
+                <a:solidFill>
+                  <a:schemeClr val="lt1"/>
+                </a:solidFill>
+                <a:latin typeface="+mn-lt"/>
+                <a:ea typeface="+mn-ea"/>
+                <a:cs typeface="+mn-cs"/>
+              </a:defRPr>
+            </a:lvl7pPr>
+            <a:lvl8pPr marL="3200400" algn="l" defTabSz="914400" rtl="0" eaLnBrk="1" latinLnBrk="0" hangingPunct="1">
+              <a:defRPr sz="1800" kern="1200">
+                <a:solidFill>
+                  <a:schemeClr val="lt1"/>
+                </a:solidFill>
+                <a:latin typeface="+mn-lt"/>
+                <a:ea typeface="+mn-ea"/>
+                <a:cs typeface="+mn-cs"/>
+              </a:defRPr>
+            </a:lvl8pPr>
+            <a:lvl9pPr marL="3657600" algn="l" defTabSz="914400" rtl="0" eaLnBrk="1" latinLnBrk="0" hangingPunct="1">
+              <a:defRPr sz="1800" kern="1200">
+                <a:solidFill>
+                  <a:schemeClr val="lt1"/>
+                </a:solidFill>
+                <a:latin typeface="+mn-lt"/>
+                <a:ea typeface="+mn-ea"/>
+                <a:cs typeface="+mn-cs"/>
+              </a:defRPr>
+            </a:lvl9pPr>
+          </a:lstStyle>
+          <a:p>
+            <a:pPr algn="ctr"/>
+            <a:r>
+              <a:rPr lang="fr-BE" sz="1200" b="1" dirty="0"/>
+              <a:t>3</a:t>
+            </a:r>
+            <a:endParaRPr lang="en-US" b="1" dirty="0"/>
+          </a:p>
+        </p:txBody>
+      </p:sp>
+      <p:sp>
+        <p:nvSpPr>
+          <p:cNvPr id="35" name="TextBox 34">
+            <a:extLst>
+              <a:ext uri="{FF2B5EF4-FFF2-40B4-BE49-F238E27FC236}">
+                <a16:creationId xmlns:a16="http://schemas.microsoft.com/office/drawing/2014/main" xmlns="" id="{A487E570-40E8-45D0-BB55-48C4C1478062}"/>
+              </a:ext>
+            </a:extLst>
+          </p:cNvPr>
+          <p:cNvSpPr txBox="1"/>
+          <p:nvPr/>
+        </p:nvSpPr>
+        <p:spPr>
+          <a:xfrm>
+            <a:off x="6372200" y="3975085"/>
+            <a:ext cx="1625483" cy="261610"/>
+          </a:xfrm>
+          <a:prstGeom prst="rect">
+            <a:avLst/>
+          </a:prstGeom>
+          <a:noFill/>
+        </p:spPr>
+        <p:txBody>
+          <a:bodyPr wrap="square" rtlCol="0">
+            <a:spAutoFit/>
+          </a:bodyPr>
+          <a:lstStyle/>
+          <a:p>
+            <a:r>
+              <a:rPr lang="fr-BE" sz="1100" dirty="0" err="1" smtClean="0"/>
+              <a:t>Returns</a:t>
+            </a:r>
+            <a:r>
+              <a:rPr lang="fr-BE" sz="1100" dirty="0" smtClean="0"/>
+              <a:t> an </a:t>
+            </a:r>
+            <a:r>
+              <a:rPr lang="fr-BE" sz="1100" dirty="0" err="1" smtClean="0"/>
+              <a:t>access</a:t>
+            </a:r>
+            <a:r>
+              <a:rPr lang="fr-BE" sz="1100" dirty="0" smtClean="0"/>
+              <a:t> </a:t>
+            </a:r>
+            <a:r>
+              <a:rPr lang="fr-BE" sz="1100" dirty="0" err="1" smtClean="0"/>
+              <a:t>token</a:t>
+            </a:r>
+            <a:endParaRPr lang="en-US" sz="1100" dirty="0"/>
+          </a:p>
+        </p:txBody>
+      </p:sp>
+    </p:spTree>
+    <p:extLst>
+      <p:ext uri="{BB962C8B-B14F-4D97-AF65-F5344CB8AC3E}">
+        <p14:creationId xmlns:p14="http://schemas.microsoft.com/office/powerpoint/2010/main" val="3145413213"/>
+      </p:ext>
+    </p:extLst>
+  </p:cSld>
+  <p:clrMapOvr>
+    <a:masterClrMapping/>
+  </p:clrMapOvr>
+</p:sld>
+</file>
+
+<file path=ppt/slides/slide4.xml><?xml version="1.0" encoding="utf-8"?>
+<p:sld xmlns:a="http://schemas.openxmlformats.org/drawingml/2006/main" xmlns:r="http://schemas.openxmlformats.org/officeDocument/2006/relationships" xmlns:p="http://schemas.openxmlformats.org/presentationml/2006/main">
+  <p:cSld>
+    <p:spTree>
+      <p:nvGrpSpPr>
+        <p:cNvPr id="1" name=""/>
+        <p:cNvGrpSpPr/>
+        <p:nvPr/>
+      </p:nvGrpSpPr>
+      <p:grpSpPr>
+        <a:xfrm>
+          <a:off x="0" y="0"/>
+          <a:ext cx="0" cy="0"/>
+          <a:chOff x="0" y="0"/>
+          <a:chExt cx="0" cy="0"/>
+        </a:xfrm>
+      </p:grpSpPr>
+      <p:grpSp>
+        <p:nvGrpSpPr>
+          <p:cNvPr id="4" name="Group 3">
+            <a:extLst>
+              <a:ext uri="{FF2B5EF4-FFF2-40B4-BE49-F238E27FC236}">
+                <a16:creationId xmlns="" xmlns:a16="http://schemas.microsoft.com/office/drawing/2014/main" xmlns:lc="http://schemas.openxmlformats.org/drawingml/2006/lockedCanvas" id="{558F2DE3-40EF-4DFE-B531-D76F501029D2}"/>
+              </a:ext>
+            </a:extLst>
+          </p:cNvPr>
+          <p:cNvGrpSpPr/>
+          <p:nvPr/>
+        </p:nvGrpSpPr>
+        <p:grpSpPr>
+          <a:xfrm>
+            <a:off x="4058923" y="1048667"/>
+            <a:ext cx="1228725" cy="1099185"/>
+            <a:chOff x="3957637" y="2879407"/>
+            <a:chExt cx="1228725" cy="1099185"/>
+          </a:xfrm>
+        </p:grpSpPr>
+        <p:sp>
+          <p:nvSpPr>
+            <p:cNvPr id="5" name="Rectangle 4">
+              <a:extLst>
+                <a:ext uri="{FF2B5EF4-FFF2-40B4-BE49-F238E27FC236}">
+                  <a16:creationId xmlns="" xmlns:a16="http://schemas.microsoft.com/office/drawing/2014/main" xmlns:lc="http://schemas.openxmlformats.org/drawingml/2006/lockedCanvas" id="{77F64BD2-2286-4412-A375-6114E13FFE17}"/>
+                </a:ext>
+              </a:extLst>
+            </p:cNvPr>
+            <p:cNvSpPr/>
+            <p:nvPr/>
+          </p:nvSpPr>
+          <p:spPr>
+            <a:xfrm>
+              <a:off x="3957637" y="2879407"/>
+              <a:ext cx="1228725" cy="1099185"/>
+            </a:xfrm>
+            <a:prstGeom prst="rect">
+              <a:avLst/>
+            </a:prstGeom>
+            <a:noFill/>
+            <a:ln>
+              <a:solidFill>
+                <a:schemeClr val="tx1"/>
+              </a:solidFill>
+            </a:ln>
+          </p:spPr>
+          <p:style>
+            <a:lnRef idx="2">
+              <a:schemeClr val="accent1">
+                <a:shade val="50000"/>
+              </a:schemeClr>
+            </a:lnRef>
+            <a:fillRef idx="1">
+              <a:schemeClr val="accent1"/>
+            </a:fillRef>
+            <a:effectRef idx="0">
+              <a:schemeClr val="accent1"/>
+            </a:effectRef>
+            <a:fontRef idx="minor">
+              <a:schemeClr val="lt1"/>
+            </a:fontRef>
+          </p:style>
+          <p:txBody>
+            <a:bodyPr rot="0" spcFirstLastPara="0" vert="horz" wrap="square" lIns="91440" tIns="45720" rIns="91440" bIns="45720" numCol="1" spcCol="0" rtlCol="0" fromWordArt="0" anchor="b" anchorCtr="0" forceAA="0" compatLnSpc="1">
+              <a:prstTxWarp prst="textNoShape">
+                <a:avLst/>
+              </a:prstTxWarp>
+              <a:noAutofit/>
+            </a:bodyPr>
+            <a:lstStyle>
+              <a:defPPr>
+                <a:defRPr lang="de-DE"/>
+              </a:defPPr>
+              <a:lvl1pPr marL="0" algn="l" defTabSz="914400" rtl="0" eaLnBrk="1" latinLnBrk="0" hangingPunct="1">
+                <a:defRPr sz="1800" kern="1200">
+                  <a:solidFill>
+                    <a:schemeClr val="lt1"/>
+                  </a:solidFill>
+                  <a:latin typeface="+mn-lt"/>
+                  <a:ea typeface="+mn-ea"/>
+                  <a:cs typeface="+mn-cs"/>
+                </a:defRPr>
+              </a:lvl1pPr>
+              <a:lvl2pPr marL="457200" algn="l" defTabSz="914400" rtl="0" eaLnBrk="1" latinLnBrk="0" hangingPunct="1">
+                <a:defRPr sz="1800" kern="1200">
+                  <a:solidFill>
+                    <a:schemeClr val="lt1"/>
+                  </a:solidFill>
+                  <a:latin typeface="+mn-lt"/>
+                  <a:ea typeface="+mn-ea"/>
+                  <a:cs typeface="+mn-cs"/>
+                </a:defRPr>
+              </a:lvl2pPr>
+              <a:lvl3pPr marL="914400" algn="l" defTabSz="914400" rtl="0" eaLnBrk="1" latinLnBrk="0" hangingPunct="1">
+                <a:defRPr sz="1800" kern="1200">
+                  <a:solidFill>
+                    <a:schemeClr val="lt1"/>
+                  </a:solidFill>
+                  <a:latin typeface="+mn-lt"/>
+                  <a:ea typeface="+mn-ea"/>
+                  <a:cs typeface="+mn-cs"/>
+                </a:defRPr>
+              </a:lvl3pPr>
+              <a:lvl4pPr marL="1371600" algn="l" defTabSz="914400" rtl="0" eaLnBrk="1" latinLnBrk="0" hangingPunct="1">
+                <a:defRPr sz="1800" kern="1200">
+                  <a:solidFill>
+                    <a:schemeClr val="lt1"/>
+                  </a:solidFill>
+                  <a:latin typeface="+mn-lt"/>
+                  <a:ea typeface="+mn-ea"/>
+                  <a:cs typeface="+mn-cs"/>
+                </a:defRPr>
+              </a:lvl4pPr>
+              <a:lvl5pPr marL="1828800" algn="l" defTabSz="914400" rtl="0" eaLnBrk="1" latinLnBrk="0" hangingPunct="1">
+                <a:defRPr sz="1800" kern="1200">
+                  <a:solidFill>
+                    <a:schemeClr val="lt1"/>
+                  </a:solidFill>
+                  <a:latin typeface="+mn-lt"/>
+                  <a:ea typeface="+mn-ea"/>
+                  <a:cs typeface="+mn-cs"/>
+                </a:defRPr>
+              </a:lvl5pPr>
+              <a:lvl6pPr marL="2286000" algn="l" defTabSz="914400" rtl="0" eaLnBrk="1" latinLnBrk="0" hangingPunct="1">
+                <a:defRPr sz="1800" kern="1200">
+                  <a:solidFill>
+                    <a:schemeClr val="lt1"/>
+                  </a:solidFill>
+                  <a:latin typeface="+mn-lt"/>
+                  <a:ea typeface="+mn-ea"/>
+                  <a:cs typeface="+mn-cs"/>
+                </a:defRPr>
+              </a:lvl6pPr>
+              <a:lvl7pPr marL="2743200" algn="l" defTabSz="914400" rtl="0" eaLnBrk="1" latinLnBrk="0" hangingPunct="1">
+                <a:defRPr sz="1800" kern="1200">
+                  <a:solidFill>
+                    <a:schemeClr val="lt1"/>
+                  </a:solidFill>
+                  <a:latin typeface="+mn-lt"/>
+                  <a:ea typeface="+mn-ea"/>
+                  <a:cs typeface="+mn-cs"/>
+                </a:defRPr>
+              </a:lvl7pPr>
+              <a:lvl8pPr marL="3200400" algn="l" defTabSz="914400" rtl="0" eaLnBrk="1" latinLnBrk="0" hangingPunct="1">
+                <a:defRPr sz="1800" kern="1200">
+                  <a:solidFill>
+                    <a:schemeClr val="lt1"/>
+                  </a:solidFill>
+                  <a:latin typeface="+mn-lt"/>
+                  <a:ea typeface="+mn-ea"/>
+                  <a:cs typeface="+mn-cs"/>
+                </a:defRPr>
+              </a:lvl8pPr>
+              <a:lvl9pPr marL="3657600" algn="l" defTabSz="914400" rtl="0" eaLnBrk="1" latinLnBrk="0" hangingPunct="1">
+                <a:defRPr sz="1800" kern="1200">
+                  <a:solidFill>
+                    <a:schemeClr val="lt1"/>
+                  </a:solidFill>
+                  <a:latin typeface="+mn-lt"/>
+                  <a:ea typeface="+mn-ea"/>
+                  <a:cs typeface="+mn-cs"/>
+                </a:defRPr>
+              </a:lvl9pPr>
+            </a:lstStyle>
+            <a:p>
+              <a:pPr algn="ctr"/>
+              <a:r>
+                <a:rPr lang="en-US" sz="1600" dirty="0">
+                  <a:solidFill>
+                    <a:schemeClr val="tx1"/>
+                  </a:solidFill>
+                </a:rPr>
+                <a:t>Id Server</a:t>
+              </a:r>
+            </a:p>
+          </p:txBody>
+        </p:sp>
+        <p:pic>
+          <p:nvPicPr>
+            <p:cNvPr id="6" name="Picture 5" descr="C:\Users\TH9628\Desktop\openid-icon-250x250.png">
+              <a:extLst>
+                <a:ext uri="{FF2B5EF4-FFF2-40B4-BE49-F238E27FC236}">
+                  <a16:creationId xmlns="" xmlns:a16="http://schemas.microsoft.com/office/drawing/2014/main" xmlns:lc="http://schemas.openxmlformats.org/drawingml/2006/lockedCanvas" id="{615F20A6-119B-45DA-8BB2-F92B9C42AF8A}"/>
+                </a:ext>
+              </a:extLst>
+            </p:cNvPr>
+            <p:cNvPicPr/>
+            <p:nvPr/>
+          </p:nvPicPr>
+          <p:blipFill>
+            <a:blip r:embed="rId2" cstate="print">
+              <a:extLst>
+                <a:ext uri="{28A0092B-C50C-407E-A947-70E740481C1C}">
+                  <a14:useLocalDpi xmlns:a14="http://schemas.microsoft.com/office/drawing/2010/main" val="0"/>
+                </a:ext>
+              </a:extLst>
+            </a:blip>
+            <a:srcRect/>
+            <a:stretch>
+              <a:fillRect/>
+            </a:stretch>
+          </p:blipFill>
+          <p:spPr bwMode="auto">
+            <a:xfrm>
+              <a:off x="4306748" y="3095431"/>
+              <a:ext cx="514985" cy="514985"/>
+            </a:xfrm>
+            <a:prstGeom prst="rect">
+              <a:avLst/>
+            </a:prstGeom>
+            <a:noFill/>
+            <a:ln>
+              <a:noFill/>
+            </a:ln>
+          </p:spPr>
+        </p:pic>
+      </p:grpSp>
+      <p:pic>
+        <p:nvPicPr>
+          <p:cNvPr id="7" name="Picture 4" descr="Image associÃ©e"/>
+          <p:cNvPicPr>
+            <a:picLocks noChangeAspect="1" noChangeArrowheads="1"/>
+          </p:cNvPicPr>
+          <p:nvPr/>
+        </p:nvPicPr>
+        <p:blipFill>
+          <a:blip r:embed="rId3" cstate="print">
+            <a:extLst>
+              <a:ext uri="{28A0092B-C50C-407E-A947-70E740481C1C}">
+                <a14:useLocalDpi xmlns:a14="http://schemas.microsoft.com/office/drawing/2010/main" val="0"/>
+              </a:ext>
+            </a:extLst>
+          </a:blip>
+          <a:srcRect/>
+          <a:stretch>
+            <a:fillRect/>
+          </a:stretch>
+        </p:blipFill>
+        <p:spPr bwMode="auto">
+          <a:xfrm>
+            <a:off x="1608700" y="5040734"/>
+            <a:ext cx="1384753" cy="1384753"/>
+          </a:xfrm>
+          <a:prstGeom prst="rect">
+            <a:avLst/>
+          </a:prstGeom>
+          <a:noFill/>
+          <a:extLst>
+            <a:ext uri="{909E8E84-426E-40DD-AFC4-6F175D3DCCD1}">
+              <a14:hiddenFill xmlns:a14="http://schemas.microsoft.com/office/drawing/2010/main">
+                <a:solidFill>
+                  <a:srgbClr val="FFFFFF"/>
+                </a:solidFill>
+              </a14:hiddenFill>
+            </a:ext>
+          </a:extLst>
+        </p:spPr>
+      </p:pic>
+      <p:sp>
+        <p:nvSpPr>
+          <p:cNvPr id="8" name="Rectangle 7">
+            <a:extLst>
+              <a:ext uri="{FF2B5EF4-FFF2-40B4-BE49-F238E27FC236}">
+                <a16:creationId xmlns:a16="http://schemas.microsoft.com/office/drawing/2014/main" xmlns="" id="{3835F5FC-E7BE-4604-A923-87E02B8BF0CE}"/>
+              </a:ext>
+            </a:extLst>
+          </p:cNvPr>
+          <p:cNvSpPr/>
+          <p:nvPr/>
+        </p:nvSpPr>
+        <p:spPr>
+          <a:xfrm>
+            <a:off x="3283771" y="5934764"/>
+            <a:ext cx="2779033" cy="490723"/>
+          </a:xfrm>
+          <a:prstGeom prst="rect">
+            <a:avLst/>
+          </a:prstGeom>
+          <a:ln>
+            <a:solidFill>
+              <a:schemeClr val="tx1"/>
+            </a:solidFill>
+          </a:ln>
+        </p:spPr>
+        <p:style>
+          <a:lnRef idx="2">
+            <a:schemeClr val="accent1"/>
+          </a:lnRef>
+          <a:fillRef idx="1">
+            <a:schemeClr val="lt1"/>
+          </a:fillRef>
+          <a:effectRef idx="0">
+            <a:schemeClr val="accent1"/>
+          </a:effectRef>
+          <a:fontRef idx="minor">
+            <a:schemeClr val="dk1"/>
+          </a:fontRef>
+        </p:style>
+        <p:txBody>
+          <a:bodyPr rtlCol="0" anchor="ctr"/>
+          <a:lstStyle/>
+          <a:p>
+            <a:pPr algn="ctr"/>
+            <a:r>
+              <a:rPr lang="fr-BE" sz="1400" dirty="0" smtClean="0">
+                <a:solidFill>
+                  <a:schemeClr val="tx1"/>
+                </a:solidFill>
+              </a:rPr>
+              <a:t>REACT.JS</a:t>
+            </a:r>
+            <a:endParaRPr lang="en-US" sz="1400" dirty="0">
+              <a:solidFill>
+                <a:schemeClr val="tx1"/>
+              </a:solidFill>
+            </a:endParaRPr>
+          </a:p>
+        </p:txBody>
+      </p:sp>
+      <p:sp>
+        <p:nvSpPr>
+          <p:cNvPr id="9" name="Rectangle 8">
+            <a:extLst>
+              <a:ext uri="{FF2B5EF4-FFF2-40B4-BE49-F238E27FC236}">
+                <a16:creationId xmlns:a16="http://schemas.microsoft.com/office/drawing/2014/main" xmlns="" id="{3835F5FC-E7BE-4604-A923-87E02B8BF0CE}"/>
+              </a:ext>
+            </a:extLst>
+          </p:cNvPr>
+          <p:cNvSpPr/>
+          <p:nvPr/>
+        </p:nvSpPr>
+        <p:spPr>
+          <a:xfrm>
+            <a:off x="3283770" y="4869160"/>
+            <a:ext cx="2779033" cy="490723"/>
+          </a:xfrm>
+          <a:prstGeom prst="rect">
+            <a:avLst/>
+          </a:prstGeom>
+          <a:ln>
+            <a:solidFill>
+              <a:schemeClr val="tx1"/>
+            </a:solidFill>
+          </a:ln>
+        </p:spPr>
+        <p:style>
+          <a:lnRef idx="2">
+            <a:schemeClr val="accent1"/>
+          </a:lnRef>
+          <a:fillRef idx="1">
+            <a:schemeClr val="lt1"/>
+          </a:fillRef>
+          <a:effectRef idx="0">
+            <a:schemeClr val="accent1"/>
+          </a:effectRef>
+          <a:fontRef idx="minor">
+            <a:schemeClr val="dk1"/>
+          </a:fontRef>
+        </p:style>
+        <p:txBody>
+          <a:bodyPr rtlCol="0" anchor="ctr"/>
+          <a:lstStyle/>
+          <a:p>
+            <a:pPr algn="ctr"/>
+            <a:r>
+              <a:rPr lang="fr-BE" sz="1400" dirty="0" smtClean="0">
+                <a:solidFill>
+                  <a:schemeClr val="tx1"/>
+                </a:solidFill>
+              </a:rPr>
+              <a:t>ASP.NET CORE</a:t>
+            </a:r>
+            <a:endParaRPr lang="en-US" sz="1400" dirty="0">
+              <a:solidFill>
+                <a:schemeClr val="tx1"/>
+              </a:solidFill>
+            </a:endParaRPr>
+          </a:p>
+        </p:txBody>
+      </p:sp>
+      <p:cxnSp>
+        <p:nvCxnSpPr>
+          <p:cNvPr id="10" name="Elbow Connector 9"/>
+          <p:cNvCxnSpPr>
+            <a:stCxn id="5" idx="1"/>
+            <a:endCxn id="8" idx="1"/>
+          </p:cNvCxnSpPr>
+          <p:nvPr/>
+        </p:nvCxnSpPr>
+        <p:spPr>
+          <a:xfrm rot="10800000" flipV="1">
+            <a:off x="3283771" y="1598260"/>
+            <a:ext cx="775152" cy="4581866"/>
+          </a:xfrm>
+          <a:prstGeom prst="bentConnector3">
+            <a:avLst>
+              <a:gd name="adj1" fmla="val 129491"/>
+            </a:avLst>
+          </a:prstGeom>
+          <a:ln>
+            <a:solidFill>
+              <a:schemeClr val="tx1"/>
+            </a:solidFill>
+            <a:headEnd type="arrow"/>
+            <a:tailEnd type="arrow"/>
+          </a:ln>
+        </p:spPr>
+        <p:style>
+          <a:lnRef idx="1">
+            <a:schemeClr val="accent1"/>
+          </a:lnRef>
+          <a:fillRef idx="0">
+            <a:schemeClr val="accent1"/>
+          </a:fillRef>
+          <a:effectRef idx="0">
+            <a:schemeClr val="accent1"/>
+          </a:effectRef>
+          <a:fontRef idx="minor">
+            <a:schemeClr val="tx1"/>
+          </a:fontRef>
+        </p:style>
+      </p:cxnSp>
+      <p:sp>
+        <p:nvSpPr>
+          <p:cNvPr id="11" name="Flowchart: Connector 10">
+            <a:extLst>
+              <a:ext uri="{FF2B5EF4-FFF2-40B4-BE49-F238E27FC236}">
+                <a16:creationId xmlns:a16="http://schemas.microsoft.com/office/drawing/2014/main" xmlns="" id="{AB66528D-8577-4D76-8BDB-4C297C2C910F}"/>
+              </a:ext>
+            </a:extLst>
+          </p:cNvPr>
+          <p:cNvSpPr>
+            <a:spLocks noChangeAspect="1"/>
+          </p:cNvSpPr>
+          <p:nvPr/>
+        </p:nvSpPr>
+        <p:spPr>
+          <a:xfrm>
+            <a:off x="2978458" y="3801825"/>
+            <a:ext cx="174736" cy="174736"/>
+          </a:xfrm>
+          <a:prstGeom prst="flowChartConnector">
+            <a:avLst/>
+          </a:prstGeom>
+          <a:solidFill>
+            <a:schemeClr val="tx1"/>
+          </a:solidFill>
+          <a:ln>
+            <a:solidFill>
+              <a:schemeClr val="tx1"/>
+            </a:solidFill>
+          </a:ln>
+        </p:spPr>
+        <p:style>
+          <a:lnRef idx="2">
+            <a:schemeClr val="accent1">
+              <a:shade val="50000"/>
+            </a:schemeClr>
+          </a:lnRef>
+          <a:fillRef idx="1">
+            <a:schemeClr val="accent1"/>
+          </a:fillRef>
+          <a:effectRef idx="0">
+            <a:schemeClr val="accent1"/>
+          </a:effectRef>
+          <a:fontRef idx="minor">
+            <a:schemeClr val="lt1"/>
+          </a:fontRef>
+        </p:style>
+        <p:txBody>
+          <a:bodyPr rtlCol="0" anchor="ctr"/>
+          <a:lstStyle>
+            <a:defPPr>
+              <a:defRPr lang="en-US"/>
+            </a:defPPr>
+            <a:lvl1pPr marL="0" algn="l" defTabSz="914400" rtl="0" eaLnBrk="1" latinLnBrk="0" hangingPunct="1">
+              <a:defRPr sz="1800" kern="1200">
+                <a:solidFill>
+                  <a:schemeClr val="lt1"/>
+                </a:solidFill>
+                <a:latin typeface="+mn-lt"/>
+                <a:ea typeface="+mn-ea"/>
+                <a:cs typeface="+mn-cs"/>
+              </a:defRPr>
+            </a:lvl1pPr>
+            <a:lvl2pPr marL="457200" algn="l" defTabSz="914400" rtl="0" eaLnBrk="1" latinLnBrk="0" hangingPunct="1">
+              <a:defRPr sz="1800" kern="1200">
+                <a:solidFill>
+                  <a:schemeClr val="lt1"/>
+                </a:solidFill>
+                <a:latin typeface="+mn-lt"/>
+                <a:ea typeface="+mn-ea"/>
+                <a:cs typeface="+mn-cs"/>
+              </a:defRPr>
+            </a:lvl2pPr>
+            <a:lvl3pPr marL="914400" algn="l" defTabSz="914400" rtl="0" eaLnBrk="1" latinLnBrk="0" hangingPunct="1">
+              <a:defRPr sz="1800" kern="1200">
+                <a:solidFill>
+                  <a:schemeClr val="lt1"/>
+                </a:solidFill>
+                <a:latin typeface="+mn-lt"/>
+                <a:ea typeface="+mn-ea"/>
+                <a:cs typeface="+mn-cs"/>
+              </a:defRPr>
+            </a:lvl3pPr>
+            <a:lvl4pPr marL="1371600" algn="l" defTabSz="914400" rtl="0" eaLnBrk="1" latinLnBrk="0" hangingPunct="1">
+              <a:defRPr sz="1800" kern="1200">
+                <a:solidFill>
+                  <a:schemeClr val="lt1"/>
+                </a:solidFill>
+                <a:latin typeface="+mn-lt"/>
+                <a:ea typeface="+mn-ea"/>
+                <a:cs typeface="+mn-cs"/>
+              </a:defRPr>
+            </a:lvl4pPr>
+            <a:lvl5pPr marL="1828800" algn="l" defTabSz="914400" rtl="0" eaLnBrk="1" latinLnBrk="0" hangingPunct="1">
+              <a:defRPr sz="1800" kern="1200">
+                <a:solidFill>
+                  <a:schemeClr val="lt1"/>
+                </a:solidFill>
+                <a:latin typeface="+mn-lt"/>
+                <a:ea typeface="+mn-ea"/>
+                <a:cs typeface="+mn-cs"/>
+              </a:defRPr>
+            </a:lvl5pPr>
+            <a:lvl6pPr marL="2286000" algn="l" defTabSz="914400" rtl="0" eaLnBrk="1" latinLnBrk="0" hangingPunct="1">
+              <a:defRPr sz="1800" kern="1200">
+                <a:solidFill>
+                  <a:schemeClr val="lt1"/>
+                </a:solidFill>
+                <a:latin typeface="+mn-lt"/>
+                <a:ea typeface="+mn-ea"/>
+                <a:cs typeface="+mn-cs"/>
+              </a:defRPr>
+            </a:lvl6pPr>
+            <a:lvl7pPr marL="2743200" algn="l" defTabSz="914400" rtl="0" eaLnBrk="1" latinLnBrk="0" hangingPunct="1">
+              <a:defRPr sz="1800" kern="1200">
+                <a:solidFill>
+                  <a:schemeClr val="lt1"/>
+                </a:solidFill>
+                <a:latin typeface="+mn-lt"/>
+                <a:ea typeface="+mn-ea"/>
+                <a:cs typeface="+mn-cs"/>
+              </a:defRPr>
+            </a:lvl7pPr>
+            <a:lvl8pPr marL="3200400" algn="l" defTabSz="914400" rtl="0" eaLnBrk="1" latinLnBrk="0" hangingPunct="1">
+              <a:defRPr sz="1800" kern="1200">
+                <a:solidFill>
+                  <a:schemeClr val="lt1"/>
+                </a:solidFill>
+                <a:latin typeface="+mn-lt"/>
+                <a:ea typeface="+mn-ea"/>
+                <a:cs typeface="+mn-cs"/>
+              </a:defRPr>
+            </a:lvl8pPr>
+            <a:lvl9pPr marL="3657600" algn="l" defTabSz="914400" rtl="0" eaLnBrk="1" latinLnBrk="0" hangingPunct="1">
+              <a:defRPr sz="1800" kern="1200">
+                <a:solidFill>
+                  <a:schemeClr val="lt1"/>
+                </a:solidFill>
+                <a:latin typeface="+mn-lt"/>
+                <a:ea typeface="+mn-ea"/>
+                <a:cs typeface="+mn-cs"/>
+              </a:defRPr>
+            </a:lvl9pPr>
+          </a:lstStyle>
+          <a:p>
+            <a:pPr algn="ctr"/>
+            <a:r>
+              <a:rPr lang="fr-BE" sz="1200" b="1" dirty="0"/>
+              <a:t>1</a:t>
+            </a:r>
+            <a:endParaRPr lang="en-US" b="1" dirty="0"/>
+          </a:p>
+        </p:txBody>
+      </p:sp>
+      <p:sp>
+        <p:nvSpPr>
+          <p:cNvPr id="12" name="TextBox 11">
+            <a:extLst>
+              <a:ext uri="{FF2B5EF4-FFF2-40B4-BE49-F238E27FC236}">
+                <a16:creationId xmlns:a16="http://schemas.microsoft.com/office/drawing/2014/main" xmlns="" id="{A487E570-40E8-45D0-BB55-48C4C1478062}"/>
+              </a:ext>
+            </a:extLst>
+          </p:cNvPr>
+          <p:cNvSpPr txBox="1"/>
+          <p:nvPr/>
+        </p:nvSpPr>
+        <p:spPr>
+          <a:xfrm>
+            <a:off x="1763688" y="3404137"/>
+            <a:ext cx="1229765" cy="769441"/>
+          </a:xfrm>
+          <a:prstGeom prst="rect">
+            <a:avLst/>
+          </a:prstGeom>
+          <a:noFill/>
+        </p:spPr>
+        <p:txBody>
+          <a:bodyPr wrap="square" rtlCol="0">
+            <a:spAutoFit/>
+          </a:bodyPr>
+          <a:lstStyle/>
+          <a:p>
+            <a:r>
+              <a:rPr lang="fr-BE" sz="1100" dirty="0" err="1" smtClean="0"/>
+              <a:t>Redirects</a:t>
+            </a:r>
+            <a:r>
+              <a:rPr lang="fr-BE" sz="1100" dirty="0" smtClean="0"/>
+              <a:t> the user-agent to the </a:t>
+            </a:r>
+            <a:r>
+              <a:rPr lang="fr-BE" sz="1100" dirty="0" err="1" smtClean="0"/>
+              <a:t>authorization</a:t>
+            </a:r>
+            <a:r>
+              <a:rPr lang="fr-BE" sz="1100" dirty="0" smtClean="0"/>
+              <a:t> </a:t>
+            </a:r>
+            <a:r>
+              <a:rPr lang="fr-BE" sz="1100" dirty="0" err="1" smtClean="0"/>
+              <a:t>endpoint</a:t>
+            </a:r>
+            <a:endParaRPr lang="en-US" sz="1100" dirty="0"/>
+          </a:p>
+        </p:txBody>
+      </p:sp>
+      <p:cxnSp>
+        <p:nvCxnSpPr>
+          <p:cNvPr id="13" name="Elbow Connector 12"/>
+          <p:cNvCxnSpPr>
+            <a:stCxn id="8" idx="0"/>
+            <a:endCxn id="8" idx="1"/>
+          </p:cNvCxnSpPr>
+          <p:nvPr/>
+        </p:nvCxnSpPr>
+        <p:spPr>
+          <a:xfrm rot="16200000" flipH="1" flipV="1">
+            <a:off x="3855849" y="5362686"/>
+            <a:ext cx="245362" cy="1389517"/>
+          </a:xfrm>
+          <a:prstGeom prst="bentConnector4">
+            <a:avLst>
+              <a:gd name="adj1" fmla="val -93168"/>
+              <a:gd name="adj2" fmla="val 109930"/>
+            </a:avLst>
+          </a:prstGeom>
+          <a:ln>
+            <a:solidFill>
+              <a:schemeClr val="tx1"/>
+            </a:solidFill>
+            <a:tailEnd type="arrow"/>
+          </a:ln>
+        </p:spPr>
+        <p:style>
+          <a:lnRef idx="1">
+            <a:schemeClr val="accent1"/>
+          </a:lnRef>
+          <a:fillRef idx="0">
+            <a:schemeClr val="accent1"/>
+          </a:fillRef>
+          <a:effectRef idx="0">
+            <a:schemeClr val="accent1"/>
+          </a:effectRef>
+          <a:fontRef idx="minor">
+            <a:schemeClr val="tx1"/>
+          </a:fontRef>
+        </p:style>
+      </p:cxnSp>
+      <p:sp>
+        <p:nvSpPr>
+          <p:cNvPr id="14" name="Flowchart: Connector 13">
+            <a:extLst>
+              <a:ext uri="{FF2B5EF4-FFF2-40B4-BE49-F238E27FC236}">
+                <a16:creationId xmlns:a16="http://schemas.microsoft.com/office/drawing/2014/main" xmlns="" id="{AB66528D-8577-4D76-8BDB-4C297C2C910F}"/>
+              </a:ext>
+            </a:extLst>
+          </p:cNvPr>
+          <p:cNvSpPr>
+            <a:spLocks noChangeAspect="1"/>
+          </p:cNvSpPr>
+          <p:nvPr/>
+        </p:nvSpPr>
+        <p:spPr>
+          <a:xfrm>
+            <a:off x="3891162" y="5645742"/>
+            <a:ext cx="174736" cy="174736"/>
+          </a:xfrm>
+          <a:prstGeom prst="flowChartConnector">
+            <a:avLst/>
+          </a:prstGeom>
+          <a:solidFill>
+            <a:schemeClr val="tx1"/>
+          </a:solidFill>
+          <a:ln>
+            <a:solidFill>
+              <a:schemeClr val="tx1"/>
+            </a:solidFill>
+          </a:ln>
+        </p:spPr>
+        <p:style>
+          <a:lnRef idx="2">
+            <a:schemeClr val="accent1">
+              <a:shade val="50000"/>
+            </a:schemeClr>
+          </a:lnRef>
+          <a:fillRef idx="1">
+            <a:schemeClr val="accent1"/>
+          </a:fillRef>
+          <a:effectRef idx="0">
+            <a:schemeClr val="accent1"/>
+          </a:effectRef>
+          <a:fontRef idx="minor">
+            <a:schemeClr val="lt1"/>
+          </a:fontRef>
+        </p:style>
+        <p:txBody>
+          <a:bodyPr rtlCol="0" anchor="ctr"/>
+          <a:lstStyle>
+            <a:defPPr>
+              <a:defRPr lang="en-US"/>
+            </a:defPPr>
+            <a:lvl1pPr marL="0" algn="l" defTabSz="914400" rtl="0" eaLnBrk="1" latinLnBrk="0" hangingPunct="1">
+              <a:defRPr sz="1800" kern="1200">
+                <a:solidFill>
+                  <a:schemeClr val="lt1"/>
+                </a:solidFill>
+                <a:latin typeface="+mn-lt"/>
+                <a:ea typeface="+mn-ea"/>
+                <a:cs typeface="+mn-cs"/>
+              </a:defRPr>
+            </a:lvl1pPr>
+            <a:lvl2pPr marL="457200" algn="l" defTabSz="914400" rtl="0" eaLnBrk="1" latinLnBrk="0" hangingPunct="1">
+              <a:defRPr sz="1800" kern="1200">
+                <a:solidFill>
+                  <a:schemeClr val="lt1"/>
+                </a:solidFill>
+                <a:latin typeface="+mn-lt"/>
+                <a:ea typeface="+mn-ea"/>
+                <a:cs typeface="+mn-cs"/>
+              </a:defRPr>
+            </a:lvl2pPr>
+            <a:lvl3pPr marL="914400" algn="l" defTabSz="914400" rtl="0" eaLnBrk="1" latinLnBrk="0" hangingPunct="1">
+              <a:defRPr sz="1800" kern="1200">
+                <a:solidFill>
+                  <a:schemeClr val="lt1"/>
+                </a:solidFill>
+                <a:latin typeface="+mn-lt"/>
+                <a:ea typeface="+mn-ea"/>
+                <a:cs typeface="+mn-cs"/>
+              </a:defRPr>
+            </a:lvl3pPr>
+            <a:lvl4pPr marL="1371600" algn="l" defTabSz="914400" rtl="0" eaLnBrk="1" latinLnBrk="0" hangingPunct="1">
+              <a:defRPr sz="1800" kern="1200">
+                <a:solidFill>
+                  <a:schemeClr val="lt1"/>
+                </a:solidFill>
+                <a:latin typeface="+mn-lt"/>
+                <a:ea typeface="+mn-ea"/>
+                <a:cs typeface="+mn-cs"/>
+              </a:defRPr>
+            </a:lvl4pPr>
+            <a:lvl5pPr marL="1828800" algn="l" defTabSz="914400" rtl="0" eaLnBrk="1" latinLnBrk="0" hangingPunct="1">
+              <a:defRPr sz="1800" kern="1200">
+                <a:solidFill>
+                  <a:schemeClr val="lt1"/>
+                </a:solidFill>
+                <a:latin typeface="+mn-lt"/>
+                <a:ea typeface="+mn-ea"/>
+                <a:cs typeface="+mn-cs"/>
+              </a:defRPr>
+            </a:lvl5pPr>
+            <a:lvl6pPr marL="2286000" algn="l" defTabSz="914400" rtl="0" eaLnBrk="1" latinLnBrk="0" hangingPunct="1">
+              <a:defRPr sz="1800" kern="1200">
+                <a:solidFill>
+                  <a:schemeClr val="lt1"/>
+                </a:solidFill>
+                <a:latin typeface="+mn-lt"/>
+                <a:ea typeface="+mn-ea"/>
+                <a:cs typeface="+mn-cs"/>
+              </a:defRPr>
+            </a:lvl6pPr>
+            <a:lvl7pPr marL="2743200" algn="l" defTabSz="914400" rtl="0" eaLnBrk="1" latinLnBrk="0" hangingPunct="1">
+              <a:defRPr sz="1800" kern="1200">
+                <a:solidFill>
+                  <a:schemeClr val="lt1"/>
+                </a:solidFill>
+                <a:latin typeface="+mn-lt"/>
+                <a:ea typeface="+mn-ea"/>
+                <a:cs typeface="+mn-cs"/>
+              </a:defRPr>
+            </a:lvl7pPr>
+            <a:lvl8pPr marL="3200400" algn="l" defTabSz="914400" rtl="0" eaLnBrk="1" latinLnBrk="0" hangingPunct="1">
+              <a:defRPr sz="1800" kern="1200">
+                <a:solidFill>
+                  <a:schemeClr val="lt1"/>
+                </a:solidFill>
+                <a:latin typeface="+mn-lt"/>
+                <a:ea typeface="+mn-ea"/>
+                <a:cs typeface="+mn-cs"/>
+              </a:defRPr>
+            </a:lvl8pPr>
+            <a:lvl9pPr marL="3657600" algn="l" defTabSz="914400" rtl="0" eaLnBrk="1" latinLnBrk="0" hangingPunct="1">
+              <a:defRPr sz="1800" kern="1200">
+                <a:solidFill>
+                  <a:schemeClr val="lt1"/>
+                </a:solidFill>
+                <a:latin typeface="+mn-lt"/>
+                <a:ea typeface="+mn-ea"/>
+                <a:cs typeface="+mn-cs"/>
+              </a:defRPr>
+            </a:lvl9pPr>
+          </a:lstStyle>
+          <a:p>
+            <a:pPr algn="ctr"/>
+            <a:r>
+              <a:rPr lang="fr-BE" sz="1200" b="1" dirty="0"/>
+              <a:t>2</a:t>
+            </a:r>
+            <a:endParaRPr lang="en-US" b="1" dirty="0"/>
+          </a:p>
+        </p:txBody>
+      </p:sp>
+      <p:sp>
+        <p:nvSpPr>
+          <p:cNvPr id="15" name="TextBox 14">
+            <a:extLst>
+              <a:ext uri="{FF2B5EF4-FFF2-40B4-BE49-F238E27FC236}">
+                <a16:creationId xmlns:a16="http://schemas.microsoft.com/office/drawing/2014/main" xmlns="" id="{A487E570-40E8-45D0-BB55-48C4C1478062}"/>
+              </a:ext>
+            </a:extLst>
+          </p:cNvPr>
+          <p:cNvSpPr txBox="1"/>
+          <p:nvPr/>
+        </p:nvSpPr>
+        <p:spPr>
+          <a:xfrm>
+            <a:off x="4058916" y="5430298"/>
+            <a:ext cx="1625483" cy="430887"/>
+          </a:xfrm>
+          <a:prstGeom prst="rect">
+            <a:avLst/>
+          </a:prstGeom>
+          <a:noFill/>
+        </p:spPr>
+        <p:txBody>
+          <a:bodyPr wrap="square" rtlCol="0">
+            <a:spAutoFit/>
+          </a:bodyPr>
+          <a:lstStyle/>
+          <a:p>
+            <a:r>
+              <a:rPr lang="fr-BE" sz="1100" dirty="0" err="1" smtClean="0"/>
+              <a:t>Submit</a:t>
+            </a:r>
+            <a:r>
+              <a:rPr lang="fr-BE" sz="1100" dirty="0" smtClean="0"/>
+              <a:t> the </a:t>
+            </a:r>
+            <a:r>
+              <a:rPr lang="fr-BE" sz="1100" dirty="0" err="1" smtClean="0"/>
+              <a:t>credentials</a:t>
+            </a:r>
+            <a:r>
+              <a:rPr lang="fr-BE" sz="1100" dirty="0" smtClean="0"/>
+              <a:t> or use an </a:t>
+            </a:r>
+            <a:r>
+              <a:rPr lang="fr-BE" sz="1100" dirty="0" err="1" smtClean="0"/>
+              <a:t>external</a:t>
+            </a:r>
+            <a:r>
+              <a:rPr lang="fr-BE" sz="1100" dirty="0" smtClean="0"/>
+              <a:t> </a:t>
+            </a:r>
+            <a:r>
+              <a:rPr lang="fr-BE" sz="1100" dirty="0" err="1" smtClean="0"/>
+              <a:t>account</a:t>
+            </a:r>
+            <a:endParaRPr lang="en-US" sz="1100" dirty="0"/>
+          </a:p>
+        </p:txBody>
+      </p:sp>
+      <p:cxnSp>
+        <p:nvCxnSpPr>
+          <p:cNvPr id="16" name="Elbow Connector 15"/>
+          <p:cNvCxnSpPr>
+            <a:stCxn id="5" idx="3"/>
+            <a:endCxn id="8" idx="3"/>
+          </p:cNvCxnSpPr>
+          <p:nvPr/>
+        </p:nvCxnSpPr>
+        <p:spPr>
+          <a:xfrm>
+            <a:off x="5287648" y="1598260"/>
+            <a:ext cx="775156" cy="4581866"/>
+          </a:xfrm>
+          <a:prstGeom prst="bentConnector3">
+            <a:avLst>
+              <a:gd name="adj1" fmla="val 129491"/>
+            </a:avLst>
+          </a:prstGeom>
+          <a:ln>
+            <a:solidFill>
+              <a:schemeClr val="tx1"/>
+            </a:solidFill>
+            <a:tailEnd type="arrow"/>
+          </a:ln>
+        </p:spPr>
+        <p:style>
+          <a:lnRef idx="1">
+            <a:schemeClr val="accent1"/>
+          </a:lnRef>
+          <a:fillRef idx="0">
+            <a:schemeClr val="accent1"/>
+          </a:fillRef>
+          <a:effectRef idx="0">
+            <a:schemeClr val="accent1"/>
+          </a:effectRef>
+          <a:fontRef idx="minor">
+            <a:schemeClr val="tx1"/>
+          </a:fontRef>
+        </p:style>
+      </p:cxnSp>
+      <p:sp>
+        <p:nvSpPr>
+          <p:cNvPr id="17" name="Flowchart: Connector 16">
+            <a:extLst>
+              <a:ext uri="{FF2B5EF4-FFF2-40B4-BE49-F238E27FC236}">
+                <a16:creationId xmlns:a16="http://schemas.microsoft.com/office/drawing/2014/main" xmlns="" id="{AB66528D-8577-4D76-8BDB-4C297C2C910F}"/>
+              </a:ext>
+            </a:extLst>
+          </p:cNvPr>
+          <p:cNvSpPr>
+            <a:spLocks noChangeAspect="1"/>
+          </p:cNvSpPr>
+          <p:nvPr/>
+        </p:nvSpPr>
+        <p:spPr>
+          <a:xfrm>
+            <a:off x="6197464" y="4018522"/>
+            <a:ext cx="174736" cy="174736"/>
+          </a:xfrm>
+          <a:prstGeom prst="flowChartConnector">
+            <a:avLst/>
+          </a:prstGeom>
+          <a:solidFill>
+            <a:schemeClr val="tx1"/>
+          </a:solidFill>
+          <a:ln>
+            <a:solidFill>
+              <a:schemeClr val="tx1"/>
+            </a:solidFill>
+          </a:ln>
+        </p:spPr>
+        <p:style>
+          <a:lnRef idx="2">
+            <a:schemeClr val="accent1">
+              <a:shade val="50000"/>
+            </a:schemeClr>
+          </a:lnRef>
+          <a:fillRef idx="1">
+            <a:schemeClr val="accent1"/>
+          </a:fillRef>
+          <a:effectRef idx="0">
+            <a:schemeClr val="accent1"/>
+          </a:effectRef>
+          <a:fontRef idx="minor">
+            <a:schemeClr val="lt1"/>
+          </a:fontRef>
+        </p:style>
+        <p:txBody>
+          <a:bodyPr rtlCol="0" anchor="ctr"/>
+          <a:lstStyle>
+            <a:defPPr>
+              <a:defRPr lang="en-US"/>
+            </a:defPPr>
+            <a:lvl1pPr marL="0" algn="l" defTabSz="914400" rtl="0" eaLnBrk="1" latinLnBrk="0" hangingPunct="1">
+              <a:defRPr sz="1800" kern="1200">
+                <a:solidFill>
+                  <a:schemeClr val="lt1"/>
+                </a:solidFill>
+                <a:latin typeface="+mn-lt"/>
+                <a:ea typeface="+mn-ea"/>
+                <a:cs typeface="+mn-cs"/>
+              </a:defRPr>
+            </a:lvl1pPr>
+            <a:lvl2pPr marL="457200" algn="l" defTabSz="914400" rtl="0" eaLnBrk="1" latinLnBrk="0" hangingPunct="1">
+              <a:defRPr sz="1800" kern="1200">
+                <a:solidFill>
+                  <a:schemeClr val="lt1"/>
+                </a:solidFill>
+                <a:latin typeface="+mn-lt"/>
+                <a:ea typeface="+mn-ea"/>
+                <a:cs typeface="+mn-cs"/>
+              </a:defRPr>
+            </a:lvl2pPr>
+            <a:lvl3pPr marL="914400" algn="l" defTabSz="914400" rtl="0" eaLnBrk="1" latinLnBrk="0" hangingPunct="1">
+              <a:defRPr sz="1800" kern="1200">
+                <a:solidFill>
+                  <a:schemeClr val="lt1"/>
+                </a:solidFill>
+                <a:latin typeface="+mn-lt"/>
+                <a:ea typeface="+mn-ea"/>
+                <a:cs typeface="+mn-cs"/>
+              </a:defRPr>
+            </a:lvl3pPr>
+            <a:lvl4pPr marL="1371600" algn="l" defTabSz="914400" rtl="0" eaLnBrk="1" latinLnBrk="0" hangingPunct="1">
+              <a:defRPr sz="1800" kern="1200">
+                <a:solidFill>
+                  <a:schemeClr val="lt1"/>
+                </a:solidFill>
+                <a:latin typeface="+mn-lt"/>
+                <a:ea typeface="+mn-ea"/>
+                <a:cs typeface="+mn-cs"/>
+              </a:defRPr>
+            </a:lvl4pPr>
+            <a:lvl5pPr marL="1828800" algn="l" defTabSz="914400" rtl="0" eaLnBrk="1" latinLnBrk="0" hangingPunct="1">
+              <a:defRPr sz="1800" kern="1200">
+                <a:solidFill>
+                  <a:schemeClr val="lt1"/>
+                </a:solidFill>
+                <a:latin typeface="+mn-lt"/>
+                <a:ea typeface="+mn-ea"/>
+                <a:cs typeface="+mn-cs"/>
+              </a:defRPr>
+            </a:lvl5pPr>
+            <a:lvl6pPr marL="2286000" algn="l" defTabSz="914400" rtl="0" eaLnBrk="1" latinLnBrk="0" hangingPunct="1">
+              <a:defRPr sz="1800" kern="1200">
+                <a:solidFill>
+                  <a:schemeClr val="lt1"/>
+                </a:solidFill>
+                <a:latin typeface="+mn-lt"/>
+                <a:ea typeface="+mn-ea"/>
+                <a:cs typeface="+mn-cs"/>
+              </a:defRPr>
+            </a:lvl6pPr>
+            <a:lvl7pPr marL="2743200" algn="l" defTabSz="914400" rtl="0" eaLnBrk="1" latinLnBrk="0" hangingPunct="1">
+              <a:defRPr sz="1800" kern="1200">
+                <a:solidFill>
+                  <a:schemeClr val="lt1"/>
+                </a:solidFill>
+                <a:latin typeface="+mn-lt"/>
+                <a:ea typeface="+mn-ea"/>
+                <a:cs typeface="+mn-cs"/>
+              </a:defRPr>
+            </a:lvl7pPr>
+            <a:lvl8pPr marL="3200400" algn="l" defTabSz="914400" rtl="0" eaLnBrk="1" latinLnBrk="0" hangingPunct="1">
+              <a:defRPr sz="1800" kern="1200">
+                <a:solidFill>
+                  <a:schemeClr val="lt1"/>
+                </a:solidFill>
+                <a:latin typeface="+mn-lt"/>
+                <a:ea typeface="+mn-ea"/>
+                <a:cs typeface="+mn-cs"/>
+              </a:defRPr>
+            </a:lvl8pPr>
+            <a:lvl9pPr marL="3657600" algn="l" defTabSz="914400" rtl="0" eaLnBrk="1" latinLnBrk="0" hangingPunct="1">
+              <a:defRPr sz="1800" kern="1200">
+                <a:solidFill>
+                  <a:schemeClr val="lt1"/>
+                </a:solidFill>
+                <a:latin typeface="+mn-lt"/>
+                <a:ea typeface="+mn-ea"/>
+                <a:cs typeface="+mn-cs"/>
+              </a:defRPr>
+            </a:lvl9pPr>
+          </a:lstStyle>
+          <a:p>
+            <a:pPr algn="ctr"/>
+            <a:r>
+              <a:rPr lang="fr-BE" sz="1200" b="1" dirty="0"/>
+              <a:t>3</a:t>
+            </a:r>
+            <a:endParaRPr lang="en-US" b="1" dirty="0"/>
+          </a:p>
+        </p:txBody>
+      </p:sp>
+      <p:sp>
+        <p:nvSpPr>
+          <p:cNvPr id="18" name="TextBox 17">
+            <a:extLst>
+              <a:ext uri="{FF2B5EF4-FFF2-40B4-BE49-F238E27FC236}">
+                <a16:creationId xmlns:a16="http://schemas.microsoft.com/office/drawing/2014/main" xmlns="" id="{A487E570-40E8-45D0-BB55-48C4C1478062}"/>
+              </a:ext>
+            </a:extLst>
+          </p:cNvPr>
+          <p:cNvSpPr txBox="1"/>
+          <p:nvPr/>
+        </p:nvSpPr>
+        <p:spPr>
+          <a:xfrm>
+            <a:off x="6372200" y="3975085"/>
+            <a:ext cx="1625483" cy="430887"/>
+          </a:xfrm>
+          <a:prstGeom prst="rect">
+            <a:avLst/>
+          </a:prstGeom>
+          <a:noFill/>
+        </p:spPr>
+        <p:txBody>
+          <a:bodyPr wrap="square" rtlCol="0">
+            <a:spAutoFit/>
+          </a:bodyPr>
+          <a:lstStyle/>
+          <a:p>
+            <a:r>
+              <a:rPr lang="fr-BE" sz="1100" dirty="0" err="1" smtClean="0"/>
+              <a:t>Returns</a:t>
+            </a:r>
+            <a:r>
+              <a:rPr lang="fr-BE" sz="1100" dirty="0" smtClean="0"/>
+              <a:t> an </a:t>
+            </a:r>
+            <a:r>
+              <a:rPr lang="fr-BE" sz="1100" dirty="0" err="1" smtClean="0"/>
+              <a:t>access</a:t>
+            </a:r>
+            <a:r>
+              <a:rPr lang="fr-BE" sz="1100" dirty="0" smtClean="0"/>
+              <a:t> </a:t>
+            </a:r>
+            <a:r>
+              <a:rPr lang="fr-BE" sz="1100" dirty="0" err="1" smtClean="0"/>
+              <a:t>token</a:t>
+            </a:r>
+            <a:r>
+              <a:rPr lang="fr-BE" sz="1100" dirty="0" smtClean="0"/>
+              <a:t> and the </a:t>
+            </a:r>
+            <a:r>
+              <a:rPr lang="fr-BE" sz="1100" dirty="0" err="1" smtClean="0"/>
+              <a:t>session_state</a:t>
+            </a:r>
+            <a:endParaRPr lang="en-US" sz="1100" dirty="0"/>
+          </a:p>
+        </p:txBody>
+      </p:sp>
+    </p:spTree>
+    <p:extLst>
+      <p:ext uri="{BB962C8B-B14F-4D97-AF65-F5344CB8AC3E}">
+        <p14:creationId xmlns:p14="http://schemas.microsoft.com/office/powerpoint/2010/main" val="2794431374"/>
       </p:ext>
     </p:extLst>
   </p:cSld>

--- a/schemas.pptx
+++ b/schemas.pptx
@@ -9,6 +9,8 @@
     <p:sldId id="257" r:id="rId3"/>
     <p:sldId id="258" r:id="rId4"/>
     <p:sldId id="259" r:id="rId5"/>
+    <p:sldId id="260" r:id="rId6"/>
+    <p:sldId id="261" r:id="rId7"/>
   </p:sldIdLst>
   <p:sldSz cx="9144000" cy="6858000" type="screen4x3"/>
   <p:notesSz cx="6858000" cy="9144000"/>
@@ -107,6 +109,22 @@
       </a:defRPr>
     </a:lvl9pPr>
   </p:defaultTextStyle>
+  <p:extLst>
+    <p:ext uri="{EFAFB233-063F-42B5-8137-9DF3F51BA10A}">
+      <p15:sldGuideLst xmlns:p15="http://schemas.microsoft.com/office/powerpoint/2012/main">
+        <p15:guide id="1" orient="horz" pos="2160">
+          <p15:clr>
+            <a:srgbClr val="A4A3A4"/>
+          </p15:clr>
+        </p15:guide>
+        <p15:guide id="2" pos="2880">
+          <p15:clr>
+            <a:srgbClr val="A4A3A4"/>
+          </p15:clr>
+        </p15:guide>
+      </p15:sldGuideLst>
+    </p:ext>
+  </p:extLst>
 </p:presentation>
 </file>
 
@@ -148,10 +166,9 @@
           <a:lstStyle/>
           <a:p>
             <a:r>
-              <a:rPr lang="en-US" smtClean="0"/>
+              <a:rPr lang="en-US"/>
               <a:t>Click to edit Master title style</a:t>
             </a:r>
-            <a:endParaRPr lang="en-US"/>
           </a:p>
         </p:txBody>
       </p:sp>
@@ -267,10 +284,9 @@
           </a:lstStyle>
           <a:p>
             <a:r>
-              <a:rPr lang="en-US" smtClean="0"/>
+              <a:rPr lang="en-US"/>
               <a:t>Click to edit Master subtitle style</a:t>
             </a:r>
-            <a:endParaRPr lang="en-US"/>
           </a:p>
         </p:txBody>
       </p:sp>
@@ -291,7 +307,7 @@
           <a:p>
             <a:fld id="{5E979E62-8A79-4040-9CC4-3585F7DC20D6}" type="datetimeFigureOut">
               <a:rPr lang="en-US" smtClean="0"/>
-              <a:t>6/25/2018</a:t>
+              <a:t>6/26/2018</a:t>
             </a:fld>
             <a:endParaRPr lang="en-US"/>
           </a:p>
@@ -333,7 +349,7 @@
           <a:p>
             <a:fld id="{18FC6CDE-ECE0-4D94-9513-7AEE92DA20B5}" type="slidenum">
               <a:rPr lang="en-US" smtClean="0"/>
-              <a:t>‹#›</a:t>
+              <a:t>‹N°›</a:t>
             </a:fld>
             <a:endParaRPr lang="en-US"/>
           </a:p>
@@ -385,10 +401,9 @@
           <a:lstStyle/>
           <a:p>
             <a:r>
-              <a:rPr lang="en-US" smtClean="0"/>
+              <a:rPr lang="en-US"/>
               <a:t>Click to edit Master title style</a:t>
             </a:r>
-            <a:endParaRPr lang="en-US"/>
           </a:p>
         </p:txBody>
       </p:sp>
@@ -409,38 +424,37 @@
           <a:p>
             <a:pPr lvl="0"/>
             <a:r>
-              <a:rPr lang="en-US" smtClean="0"/>
+              <a:rPr lang="en-US"/>
               <a:t>Click to edit Master text styles</a:t>
             </a:r>
           </a:p>
           <a:p>
             <a:pPr lvl="1"/>
             <a:r>
-              <a:rPr lang="en-US" smtClean="0"/>
+              <a:rPr lang="en-US"/>
               <a:t>Second level</a:t>
             </a:r>
           </a:p>
           <a:p>
             <a:pPr lvl="2"/>
             <a:r>
-              <a:rPr lang="en-US" smtClean="0"/>
+              <a:rPr lang="en-US"/>
               <a:t>Third level</a:t>
             </a:r>
           </a:p>
           <a:p>
             <a:pPr lvl="3"/>
             <a:r>
-              <a:rPr lang="en-US" smtClean="0"/>
+              <a:rPr lang="en-US"/>
               <a:t>Fourth level</a:t>
             </a:r>
           </a:p>
           <a:p>
             <a:pPr lvl="4"/>
             <a:r>
-              <a:rPr lang="en-US" smtClean="0"/>
+              <a:rPr lang="en-US"/>
               <a:t>Fifth level</a:t>
             </a:r>
-            <a:endParaRPr lang="en-US"/>
           </a:p>
         </p:txBody>
       </p:sp>
@@ -461,7 +475,7 @@
           <a:p>
             <a:fld id="{5E979E62-8A79-4040-9CC4-3585F7DC20D6}" type="datetimeFigureOut">
               <a:rPr lang="en-US" smtClean="0"/>
-              <a:t>6/25/2018</a:t>
+              <a:t>6/26/2018</a:t>
             </a:fld>
             <a:endParaRPr lang="en-US"/>
           </a:p>
@@ -503,7 +517,7 @@
           <a:p>
             <a:fld id="{18FC6CDE-ECE0-4D94-9513-7AEE92DA20B5}" type="slidenum">
               <a:rPr lang="en-US" smtClean="0"/>
-              <a:t>‹#›</a:t>
+              <a:t>‹N°›</a:t>
             </a:fld>
             <a:endParaRPr lang="en-US"/>
           </a:p>
@@ -560,10 +574,9 @@
           <a:lstStyle/>
           <a:p>
             <a:r>
-              <a:rPr lang="en-US" smtClean="0"/>
+              <a:rPr lang="en-US"/>
               <a:t>Click to edit Master title style</a:t>
             </a:r>
-            <a:endParaRPr lang="en-US"/>
           </a:p>
         </p:txBody>
       </p:sp>
@@ -589,38 +602,37 @@
           <a:p>
             <a:pPr lvl="0"/>
             <a:r>
-              <a:rPr lang="en-US" smtClean="0"/>
+              <a:rPr lang="en-US"/>
               <a:t>Click to edit Master text styles</a:t>
             </a:r>
           </a:p>
           <a:p>
             <a:pPr lvl="1"/>
             <a:r>
-              <a:rPr lang="en-US" smtClean="0"/>
+              <a:rPr lang="en-US"/>
               <a:t>Second level</a:t>
             </a:r>
           </a:p>
           <a:p>
             <a:pPr lvl="2"/>
             <a:r>
-              <a:rPr lang="en-US" smtClean="0"/>
+              <a:rPr lang="en-US"/>
               <a:t>Third level</a:t>
             </a:r>
           </a:p>
           <a:p>
             <a:pPr lvl="3"/>
             <a:r>
-              <a:rPr lang="en-US" smtClean="0"/>
+              <a:rPr lang="en-US"/>
               <a:t>Fourth level</a:t>
             </a:r>
           </a:p>
           <a:p>
             <a:pPr lvl="4"/>
             <a:r>
-              <a:rPr lang="en-US" smtClean="0"/>
+              <a:rPr lang="en-US"/>
               <a:t>Fifth level</a:t>
             </a:r>
-            <a:endParaRPr lang="en-US"/>
           </a:p>
         </p:txBody>
       </p:sp>
@@ -641,7 +653,7 @@
           <a:p>
             <a:fld id="{5E979E62-8A79-4040-9CC4-3585F7DC20D6}" type="datetimeFigureOut">
               <a:rPr lang="en-US" smtClean="0"/>
-              <a:t>6/25/2018</a:t>
+              <a:t>6/26/2018</a:t>
             </a:fld>
             <a:endParaRPr lang="en-US"/>
           </a:p>
@@ -683,7 +695,7 @@
           <a:p>
             <a:fld id="{18FC6CDE-ECE0-4D94-9513-7AEE92DA20B5}" type="slidenum">
               <a:rPr lang="en-US" smtClean="0"/>
-              <a:t>‹#›</a:t>
+              <a:t>‹N°›</a:t>
             </a:fld>
             <a:endParaRPr lang="en-US"/>
           </a:p>
@@ -735,10 +747,9 @@
           <a:lstStyle/>
           <a:p>
             <a:r>
-              <a:rPr lang="en-US" smtClean="0"/>
+              <a:rPr lang="en-US"/>
               <a:t>Click to edit Master title style</a:t>
             </a:r>
-            <a:endParaRPr lang="en-US"/>
           </a:p>
         </p:txBody>
       </p:sp>
@@ -759,38 +770,37 @@
           <a:p>
             <a:pPr lvl="0"/>
             <a:r>
-              <a:rPr lang="en-US" smtClean="0"/>
+              <a:rPr lang="en-US"/>
               <a:t>Click to edit Master text styles</a:t>
             </a:r>
           </a:p>
           <a:p>
             <a:pPr lvl="1"/>
             <a:r>
-              <a:rPr lang="en-US" smtClean="0"/>
+              <a:rPr lang="en-US"/>
               <a:t>Second level</a:t>
             </a:r>
           </a:p>
           <a:p>
             <a:pPr lvl="2"/>
             <a:r>
-              <a:rPr lang="en-US" smtClean="0"/>
+              <a:rPr lang="en-US"/>
               <a:t>Third level</a:t>
             </a:r>
           </a:p>
           <a:p>
             <a:pPr lvl="3"/>
             <a:r>
-              <a:rPr lang="en-US" smtClean="0"/>
+              <a:rPr lang="en-US"/>
               <a:t>Fourth level</a:t>
             </a:r>
           </a:p>
           <a:p>
             <a:pPr lvl="4"/>
             <a:r>
-              <a:rPr lang="en-US" smtClean="0"/>
+              <a:rPr lang="en-US"/>
               <a:t>Fifth level</a:t>
             </a:r>
-            <a:endParaRPr lang="en-US"/>
           </a:p>
         </p:txBody>
       </p:sp>
@@ -811,7 +821,7 @@
           <a:p>
             <a:fld id="{5E979E62-8A79-4040-9CC4-3585F7DC20D6}" type="datetimeFigureOut">
               <a:rPr lang="en-US" smtClean="0"/>
-              <a:t>6/25/2018</a:t>
+              <a:t>6/26/2018</a:t>
             </a:fld>
             <a:endParaRPr lang="en-US"/>
           </a:p>
@@ -853,7 +863,7 @@
           <a:p>
             <a:fld id="{18FC6CDE-ECE0-4D94-9513-7AEE92DA20B5}" type="slidenum">
               <a:rPr lang="en-US" smtClean="0"/>
-              <a:t>‹#›</a:t>
+              <a:t>‹N°›</a:t>
             </a:fld>
             <a:endParaRPr lang="en-US"/>
           </a:p>
@@ -914,10 +924,9 @@
           </a:lstStyle>
           <a:p>
             <a:r>
-              <a:rPr lang="en-US" smtClean="0"/>
+              <a:rPr lang="en-US"/>
               <a:t>Click to edit Master title style</a:t>
             </a:r>
-            <a:endParaRPr lang="en-US"/>
           </a:p>
         </p:txBody>
       </p:sp>
@@ -1034,7 +1043,7 @@
           <a:p>
             <a:pPr lvl="0"/>
             <a:r>
-              <a:rPr lang="en-US" smtClean="0"/>
+              <a:rPr lang="en-US"/>
               <a:t>Click to edit Master text styles</a:t>
             </a:r>
           </a:p>
@@ -1057,7 +1066,7 @@
           <a:p>
             <a:fld id="{5E979E62-8A79-4040-9CC4-3585F7DC20D6}" type="datetimeFigureOut">
               <a:rPr lang="en-US" smtClean="0"/>
-              <a:t>6/25/2018</a:t>
+              <a:t>6/26/2018</a:t>
             </a:fld>
             <a:endParaRPr lang="en-US"/>
           </a:p>
@@ -1099,7 +1108,7 @@
           <a:p>
             <a:fld id="{18FC6CDE-ECE0-4D94-9513-7AEE92DA20B5}" type="slidenum">
               <a:rPr lang="en-US" smtClean="0"/>
-              <a:t>‹#›</a:t>
+              <a:t>‹N°›</a:t>
             </a:fld>
             <a:endParaRPr lang="en-US"/>
           </a:p>
@@ -1151,10 +1160,9 @@
           <a:lstStyle/>
           <a:p>
             <a:r>
-              <a:rPr lang="en-US" smtClean="0"/>
+              <a:rPr lang="en-US"/>
               <a:t>Click to edit Master title style</a:t>
             </a:r>
-            <a:endParaRPr lang="en-US"/>
           </a:p>
         </p:txBody>
       </p:sp>
@@ -1208,38 +1216,37 @@
           <a:p>
             <a:pPr lvl="0"/>
             <a:r>
-              <a:rPr lang="en-US" smtClean="0"/>
+              <a:rPr lang="en-US"/>
               <a:t>Click to edit Master text styles</a:t>
             </a:r>
           </a:p>
           <a:p>
             <a:pPr lvl="1"/>
             <a:r>
-              <a:rPr lang="en-US" smtClean="0"/>
+              <a:rPr lang="en-US"/>
               <a:t>Second level</a:t>
             </a:r>
           </a:p>
           <a:p>
             <a:pPr lvl="2"/>
             <a:r>
-              <a:rPr lang="en-US" smtClean="0"/>
+              <a:rPr lang="en-US"/>
               <a:t>Third level</a:t>
             </a:r>
           </a:p>
           <a:p>
             <a:pPr lvl="3"/>
             <a:r>
-              <a:rPr lang="en-US" smtClean="0"/>
+              <a:rPr lang="en-US"/>
               <a:t>Fourth level</a:t>
             </a:r>
           </a:p>
           <a:p>
             <a:pPr lvl="4"/>
             <a:r>
-              <a:rPr lang="en-US" smtClean="0"/>
+              <a:rPr lang="en-US"/>
               <a:t>Fifth level</a:t>
             </a:r>
-            <a:endParaRPr lang="en-US"/>
           </a:p>
         </p:txBody>
       </p:sp>
@@ -1293,38 +1300,37 @@
           <a:p>
             <a:pPr lvl="0"/>
             <a:r>
-              <a:rPr lang="en-US" smtClean="0"/>
+              <a:rPr lang="en-US"/>
               <a:t>Click to edit Master text styles</a:t>
             </a:r>
           </a:p>
           <a:p>
             <a:pPr lvl="1"/>
             <a:r>
-              <a:rPr lang="en-US" smtClean="0"/>
+              <a:rPr lang="en-US"/>
               <a:t>Second level</a:t>
             </a:r>
           </a:p>
           <a:p>
             <a:pPr lvl="2"/>
             <a:r>
-              <a:rPr lang="en-US" smtClean="0"/>
+              <a:rPr lang="en-US"/>
               <a:t>Third level</a:t>
             </a:r>
           </a:p>
           <a:p>
             <a:pPr lvl="3"/>
             <a:r>
-              <a:rPr lang="en-US" smtClean="0"/>
+              <a:rPr lang="en-US"/>
               <a:t>Fourth level</a:t>
             </a:r>
           </a:p>
           <a:p>
             <a:pPr lvl="4"/>
             <a:r>
-              <a:rPr lang="en-US" smtClean="0"/>
+              <a:rPr lang="en-US"/>
               <a:t>Fifth level</a:t>
             </a:r>
-            <a:endParaRPr lang="en-US"/>
           </a:p>
         </p:txBody>
       </p:sp>
@@ -1345,7 +1351,7 @@
           <a:p>
             <a:fld id="{5E979E62-8A79-4040-9CC4-3585F7DC20D6}" type="datetimeFigureOut">
               <a:rPr lang="en-US" smtClean="0"/>
-              <a:t>6/25/2018</a:t>
+              <a:t>6/26/2018</a:t>
             </a:fld>
             <a:endParaRPr lang="en-US"/>
           </a:p>
@@ -1387,7 +1393,7 @@
           <a:p>
             <a:fld id="{18FC6CDE-ECE0-4D94-9513-7AEE92DA20B5}" type="slidenum">
               <a:rPr lang="en-US" smtClean="0"/>
-              <a:t>‹#›</a:t>
+              <a:t>‹N°›</a:t>
             </a:fld>
             <a:endParaRPr lang="en-US"/>
           </a:p>
@@ -1443,10 +1449,9 @@
           </a:lstStyle>
           <a:p>
             <a:r>
-              <a:rPr lang="en-US" smtClean="0"/>
+              <a:rPr lang="en-US"/>
               <a:t>Click to edit Master title style</a:t>
             </a:r>
-            <a:endParaRPr lang="en-US"/>
           </a:p>
         </p:txBody>
       </p:sp>
@@ -1509,7 +1514,7 @@
           <a:p>
             <a:pPr lvl="0"/>
             <a:r>
-              <a:rPr lang="en-US" smtClean="0"/>
+              <a:rPr lang="en-US"/>
               <a:t>Click to edit Master text styles</a:t>
             </a:r>
           </a:p>
@@ -1565,38 +1570,37 @@
           <a:p>
             <a:pPr lvl="0"/>
             <a:r>
-              <a:rPr lang="en-US" smtClean="0"/>
+              <a:rPr lang="en-US"/>
               <a:t>Click to edit Master text styles</a:t>
             </a:r>
           </a:p>
           <a:p>
             <a:pPr lvl="1"/>
             <a:r>
-              <a:rPr lang="en-US" smtClean="0"/>
+              <a:rPr lang="en-US"/>
               <a:t>Second level</a:t>
             </a:r>
           </a:p>
           <a:p>
             <a:pPr lvl="2"/>
             <a:r>
-              <a:rPr lang="en-US" smtClean="0"/>
+              <a:rPr lang="en-US"/>
               <a:t>Third level</a:t>
             </a:r>
           </a:p>
           <a:p>
             <a:pPr lvl="3"/>
             <a:r>
-              <a:rPr lang="en-US" smtClean="0"/>
+              <a:rPr lang="en-US"/>
               <a:t>Fourth level</a:t>
             </a:r>
           </a:p>
           <a:p>
             <a:pPr lvl="4"/>
             <a:r>
-              <a:rPr lang="en-US" smtClean="0"/>
+              <a:rPr lang="en-US"/>
               <a:t>Fifth level</a:t>
             </a:r>
-            <a:endParaRPr lang="en-US"/>
           </a:p>
         </p:txBody>
       </p:sp>
@@ -1659,7 +1663,7 @@
           <a:p>
             <a:pPr lvl="0"/>
             <a:r>
-              <a:rPr lang="en-US" smtClean="0"/>
+              <a:rPr lang="en-US"/>
               <a:t>Click to edit Master text styles</a:t>
             </a:r>
           </a:p>
@@ -1715,38 +1719,37 @@
           <a:p>
             <a:pPr lvl="0"/>
             <a:r>
-              <a:rPr lang="en-US" smtClean="0"/>
+              <a:rPr lang="en-US"/>
               <a:t>Click to edit Master text styles</a:t>
             </a:r>
           </a:p>
           <a:p>
             <a:pPr lvl="1"/>
             <a:r>
-              <a:rPr lang="en-US" smtClean="0"/>
+              <a:rPr lang="en-US"/>
               <a:t>Second level</a:t>
             </a:r>
           </a:p>
           <a:p>
             <a:pPr lvl="2"/>
             <a:r>
-              <a:rPr lang="en-US" smtClean="0"/>
+              <a:rPr lang="en-US"/>
               <a:t>Third level</a:t>
             </a:r>
           </a:p>
           <a:p>
             <a:pPr lvl="3"/>
             <a:r>
-              <a:rPr lang="en-US" smtClean="0"/>
+              <a:rPr lang="en-US"/>
               <a:t>Fourth level</a:t>
             </a:r>
           </a:p>
           <a:p>
             <a:pPr lvl="4"/>
             <a:r>
-              <a:rPr lang="en-US" smtClean="0"/>
+              <a:rPr lang="en-US"/>
               <a:t>Fifth level</a:t>
             </a:r>
-            <a:endParaRPr lang="en-US"/>
           </a:p>
         </p:txBody>
       </p:sp>
@@ -1767,7 +1770,7 @@
           <a:p>
             <a:fld id="{5E979E62-8A79-4040-9CC4-3585F7DC20D6}" type="datetimeFigureOut">
               <a:rPr lang="en-US" smtClean="0"/>
-              <a:t>6/25/2018</a:t>
+              <a:t>6/26/2018</a:t>
             </a:fld>
             <a:endParaRPr lang="en-US"/>
           </a:p>
@@ -1809,7 +1812,7 @@
           <a:p>
             <a:fld id="{18FC6CDE-ECE0-4D94-9513-7AEE92DA20B5}" type="slidenum">
               <a:rPr lang="en-US" smtClean="0"/>
-              <a:t>‹#›</a:t>
+              <a:t>‹N°›</a:t>
             </a:fld>
             <a:endParaRPr lang="en-US"/>
           </a:p>
@@ -1861,10 +1864,9 @@
           <a:lstStyle/>
           <a:p>
             <a:r>
-              <a:rPr lang="en-US" smtClean="0"/>
+              <a:rPr lang="en-US"/>
               <a:t>Click to edit Master title style</a:t>
             </a:r>
-            <a:endParaRPr lang="en-US"/>
           </a:p>
         </p:txBody>
       </p:sp>
@@ -1885,7 +1887,7 @@
           <a:p>
             <a:fld id="{5E979E62-8A79-4040-9CC4-3585F7DC20D6}" type="datetimeFigureOut">
               <a:rPr lang="en-US" smtClean="0"/>
-              <a:t>6/25/2018</a:t>
+              <a:t>6/26/2018</a:t>
             </a:fld>
             <a:endParaRPr lang="en-US"/>
           </a:p>
@@ -1927,7 +1929,7 @@
           <a:p>
             <a:fld id="{18FC6CDE-ECE0-4D94-9513-7AEE92DA20B5}" type="slidenum">
               <a:rPr lang="en-US" smtClean="0"/>
-              <a:t>‹#›</a:t>
+              <a:t>‹N°›</a:t>
             </a:fld>
             <a:endParaRPr lang="en-US"/>
           </a:p>
@@ -1980,7 +1982,7 @@
           <a:p>
             <a:fld id="{5E979E62-8A79-4040-9CC4-3585F7DC20D6}" type="datetimeFigureOut">
               <a:rPr lang="en-US" smtClean="0"/>
-              <a:t>6/25/2018</a:t>
+              <a:t>6/26/2018</a:t>
             </a:fld>
             <a:endParaRPr lang="en-US"/>
           </a:p>
@@ -2022,7 +2024,7 @@
           <a:p>
             <a:fld id="{18FC6CDE-ECE0-4D94-9513-7AEE92DA20B5}" type="slidenum">
               <a:rPr lang="en-US" smtClean="0"/>
-              <a:t>‹#›</a:t>
+              <a:t>‹N°›</a:t>
             </a:fld>
             <a:endParaRPr lang="en-US"/>
           </a:p>
@@ -2083,10 +2085,9 @@
           </a:lstStyle>
           <a:p>
             <a:r>
-              <a:rPr lang="en-US" smtClean="0"/>
+              <a:rPr lang="en-US"/>
               <a:t>Click to edit Master title style</a:t>
             </a:r>
-            <a:endParaRPr lang="en-US"/>
           </a:p>
         </p:txBody>
       </p:sp>
@@ -2140,38 +2141,37 @@
           <a:p>
             <a:pPr lvl="0"/>
             <a:r>
-              <a:rPr lang="en-US" smtClean="0"/>
+              <a:rPr lang="en-US"/>
               <a:t>Click to edit Master text styles</a:t>
             </a:r>
           </a:p>
           <a:p>
             <a:pPr lvl="1"/>
             <a:r>
-              <a:rPr lang="en-US" smtClean="0"/>
+              <a:rPr lang="en-US"/>
               <a:t>Second level</a:t>
             </a:r>
           </a:p>
           <a:p>
             <a:pPr lvl="2"/>
             <a:r>
-              <a:rPr lang="en-US" smtClean="0"/>
+              <a:rPr lang="en-US"/>
               <a:t>Third level</a:t>
             </a:r>
           </a:p>
           <a:p>
             <a:pPr lvl="3"/>
             <a:r>
-              <a:rPr lang="en-US" smtClean="0"/>
+              <a:rPr lang="en-US"/>
               <a:t>Fourth level</a:t>
             </a:r>
           </a:p>
           <a:p>
             <a:pPr lvl="4"/>
             <a:r>
-              <a:rPr lang="en-US" smtClean="0"/>
+              <a:rPr lang="en-US"/>
               <a:t>Fifth level</a:t>
             </a:r>
-            <a:endParaRPr lang="en-US"/>
           </a:p>
         </p:txBody>
       </p:sp>
@@ -2234,7 +2234,7 @@
           <a:p>
             <a:pPr lvl="0"/>
             <a:r>
-              <a:rPr lang="en-US" smtClean="0"/>
+              <a:rPr lang="en-US"/>
               <a:t>Click to edit Master text styles</a:t>
             </a:r>
           </a:p>
@@ -2257,7 +2257,7 @@
           <a:p>
             <a:fld id="{5E979E62-8A79-4040-9CC4-3585F7DC20D6}" type="datetimeFigureOut">
               <a:rPr lang="en-US" smtClean="0"/>
-              <a:t>6/25/2018</a:t>
+              <a:t>6/26/2018</a:t>
             </a:fld>
             <a:endParaRPr lang="en-US"/>
           </a:p>
@@ -2299,7 +2299,7 @@
           <a:p>
             <a:fld id="{18FC6CDE-ECE0-4D94-9513-7AEE92DA20B5}" type="slidenum">
               <a:rPr lang="en-US" smtClean="0"/>
-              <a:t>‹#›</a:t>
+              <a:t>‹N°›</a:t>
             </a:fld>
             <a:endParaRPr lang="en-US"/>
           </a:p>
@@ -2360,10 +2360,9 @@
           </a:lstStyle>
           <a:p>
             <a:r>
-              <a:rPr lang="en-US" smtClean="0"/>
+              <a:rPr lang="en-US"/>
               <a:t>Click to edit Master title style</a:t>
             </a:r>
-            <a:endParaRPr lang="en-US"/>
           </a:p>
         </p:txBody>
       </p:sp>
@@ -2487,7 +2486,7 @@
           <a:p>
             <a:pPr lvl="0"/>
             <a:r>
-              <a:rPr lang="en-US" smtClean="0"/>
+              <a:rPr lang="en-US"/>
               <a:t>Click to edit Master text styles</a:t>
             </a:r>
           </a:p>
@@ -2510,7 +2509,7 @@
           <a:p>
             <a:fld id="{5E979E62-8A79-4040-9CC4-3585F7DC20D6}" type="datetimeFigureOut">
               <a:rPr lang="en-US" smtClean="0"/>
-              <a:t>6/25/2018</a:t>
+              <a:t>6/26/2018</a:t>
             </a:fld>
             <a:endParaRPr lang="en-US"/>
           </a:p>
@@ -2552,7 +2551,7 @@
           <a:p>
             <a:fld id="{18FC6CDE-ECE0-4D94-9513-7AEE92DA20B5}" type="slidenum">
               <a:rPr lang="en-US" smtClean="0"/>
-              <a:t>‹#›</a:t>
+              <a:t>‹N°›</a:t>
             </a:fld>
             <a:endParaRPr lang="en-US"/>
           </a:p>
@@ -2619,10 +2618,9 @@
           <a:lstStyle/>
           <a:p>
             <a:r>
-              <a:rPr lang="en-US" smtClean="0"/>
+              <a:rPr lang="en-US"/>
               <a:t>Click to edit Master title style</a:t>
             </a:r>
-            <a:endParaRPr lang="en-US"/>
           </a:p>
         </p:txBody>
       </p:sp>
@@ -2653,38 +2651,37 @@
           <a:p>
             <a:pPr lvl="0"/>
             <a:r>
-              <a:rPr lang="en-US" smtClean="0"/>
+              <a:rPr lang="en-US"/>
               <a:t>Click to edit Master text styles</a:t>
             </a:r>
           </a:p>
           <a:p>
             <a:pPr lvl="1"/>
             <a:r>
-              <a:rPr lang="en-US" smtClean="0"/>
+              <a:rPr lang="en-US"/>
               <a:t>Second level</a:t>
             </a:r>
           </a:p>
           <a:p>
             <a:pPr lvl="2"/>
             <a:r>
-              <a:rPr lang="en-US" smtClean="0"/>
+              <a:rPr lang="en-US"/>
               <a:t>Third level</a:t>
             </a:r>
           </a:p>
           <a:p>
             <a:pPr lvl="3"/>
             <a:r>
-              <a:rPr lang="en-US" smtClean="0"/>
+              <a:rPr lang="en-US"/>
               <a:t>Fourth level</a:t>
             </a:r>
           </a:p>
           <a:p>
             <a:pPr lvl="4"/>
             <a:r>
-              <a:rPr lang="en-US" smtClean="0"/>
+              <a:rPr lang="en-US"/>
               <a:t>Fifth level</a:t>
             </a:r>
-            <a:endParaRPr lang="en-US"/>
           </a:p>
         </p:txBody>
       </p:sp>
@@ -2723,7 +2720,7 @@
           <a:p>
             <a:fld id="{5E979E62-8A79-4040-9CC4-3585F7DC20D6}" type="datetimeFigureOut">
               <a:rPr lang="en-US" smtClean="0"/>
-              <a:t>6/25/2018</a:t>
+              <a:t>6/26/2018</a:t>
             </a:fld>
             <a:endParaRPr lang="en-US"/>
           </a:p>
@@ -2801,7 +2798,7 @@
           <a:p>
             <a:fld id="{18FC6CDE-ECE0-4D94-9513-7AEE92DA20B5}" type="slidenum">
               <a:rPr lang="en-US" smtClean="0"/>
-              <a:t>‹#›</a:t>
+              <a:t>‹N°›</a:t>
             </a:fld>
             <a:endParaRPr lang="en-US"/>
           </a:p>
@@ -3114,7 +3111,7 @@
           <a:lstStyle/>
           <a:p>
             <a:r>
-              <a:rPr lang="fr-BE" dirty="0" smtClean="0"/>
+              <a:rPr lang="fr-BE" dirty="0"/>
               <a:t>OPENID</a:t>
             </a:r>
             <a:endParaRPr lang="en-US" dirty="0"/>
@@ -3175,7 +3172,7 @@
           <p:cNvPr id="4" name="Group 3">
             <a:extLst>
               <a:ext uri="{FF2B5EF4-FFF2-40B4-BE49-F238E27FC236}">
-                <a16:creationId xmlns="" xmlns:a16="http://schemas.microsoft.com/office/drawing/2014/main" xmlns:lc="http://schemas.openxmlformats.org/drawingml/2006/lockedCanvas" id="{558F2DE3-40EF-4DFE-B531-D76F501029D2}"/>
+                <a16:creationId xmlns:a16="http://schemas.microsoft.com/office/drawing/2014/main" id="{558F2DE3-40EF-4DFE-B531-D76F501029D2}"/>
               </a:ext>
             </a:extLst>
           </p:cNvPr>
@@ -3195,7 +3192,7 @@
             <p:cNvPr id="5" name="Rectangle 4">
               <a:extLst>
                 <a:ext uri="{FF2B5EF4-FFF2-40B4-BE49-F238E27FC236}">
-                  <a16:creationId xmlns="" xmlns:a16="http://schemas.microsoft.com/office/drawing/2014/main" xmlns:lc="http://schemas.openxmlformats.org/drawingml/2006/lockedCanvas" id="{77F64BD2-2286-4412-A375-6114E13FFE17}"/>
+                  <a16:creationId xmlns:a16="http://schemas.microsoft.com/office/drawing/2014/main" id="{77F64BD2-2286-4412-A375-6114E13FFE17}"/>
                 </a:ext>
               </a:extLst>
             </p:cNvPr>
@@ -3353,7 +3350,7 @@
             <p:cNvPr id="6" name="Picture 5" descr="C:\Users\TH9628\Desktop\openid-icon-250x250.png">
               <a:extLst>
                 <a:ext uri="{FF2B5EF4-FFF2-40B4-BE49-F238E27FC236}">
-                  <a16:creationId xmlns="" xmlns:a16="http://schemas.microsoft.com/office/drawing/2014/main" xmlns:lc="http://schemas.openxmlformats.org/drawingml/2006/lockedCanvas" id="{615F20A6-119B-45DA-8BB2-F92B9C42AF8A}"/>
+                  <a16:creationId xmlns:a16="http://schemas.microsoft.com/office/drawing/2014/main" id="{615F20A6-119B-45DA-8BB2-F92B9C42AF8A}"/>
                 </a:ext>
               </a:extLst>
             </p:cNvPr>
@@ -3393,7 +3390,7 @@
           <p:cNvPr id="7" name="Rectangle 6">
             <a:extLst>
               <a:ext uri="{FF2B5EF4-FFF2-40B4-BE49-F238E27FC236}">
-                <a16:creationId xmlns:a16="http://schemas.microsoft.com/office/drawing/2014/main" xmlns="" id="{3835F5FC-E7BE-4604-A923-87E02B8BF0CE}"/>
+                <a16:creationId xmlns:a16="http://schemas.microsoft.com/office/drawing/2014/main" id="{3835F5FC-E7BE-4604-A923-87E02B8BF0CE}"/>
               </a:ext>
             </a:extLst>
           </p:cNvPr>
@@ -3434,7 +3431,7 @@
           <a:p>
             <a:pPr algn="ctr"/>
             <a:r>
-              <a:rPr lang="fr-BE" sz="1400" dirty="0" smtClean="0">
+              <a:rPr lang="fr-BE" sz="1400" dirty="0">
                 <a:solidFill>
                   <a:schemeClr val="tx1"/>
                 </a:solidFill>
@@ -3495,7 +3492,7 @@
           <p:cNvPr id="9" name="Rectangle 8">
             <a:extLst>
               <a:ext uri="{FF2B5EF4-FFF2-40B4-BE49-F238E27FC236}">
-                <a16:creationId xmlns:a16="http://schemas.microsoft.com/office/drawing/2014/main" xmlns="" id="{3835F5FC-E7BE-4604-A923-87E02B8BF0CE}"/>
+                <a16:creationId xmlns:a16="http://schemas.microsoft.com/office/drawing/2014/main" id="{3835F5FC-E7BE-4604-A923-87E02B8BF0CE}"/>
               </a:ext>
             </a:extLst>
           </p:cNvPr>
@@ -3536,7 +3533,7 @@
           <a:p>
             <a:pPr algn="ctr"/>
             <a:r>
-              <a:rPr lang="fr-BE" sz="1400" dirty="0" smtClean="0">
+              <a:rPr lang="fr-BE" sz="1400" dirty="0">
                 <a:solidFill>
                   <a:schemeClr val="tx1"/>
                 </a:solidFill>
@@ -3592,7 +3589,7 @@
           <p:cNvPr id="12" name="TextBox 11">
             <a:extLst>
               <a:ext uri="{FF2B5EF4-FFF2-40B4-BE49-F238E27FC236}">
-                <a16:creationId xmlns:a16="http://schemas.microsoft.com/office/drawing/2014/main" xmlns="" id="{A487E570-40E8-45D0-BB55-48C4C1478062}"/>
+                <a16:creationId xmlns:a16="http://schemas.microsoft.com/office/drawing/2014/main" id="{A487E570-40E8-45D0-BB55-48C4C1478062}"/>
               </a:ext>
             </a:extLst>
           </p:cNvPr>
@@ -3616,10 +3613,9 @@
           <a:lstStyle/>
           <a:p>
             <a:r>
-              <a:rPr lang="en-US" sz="1100" dirty="0" smtClean="0"/>
+              <a:rPr lang="en-US" sz="1100" dirty="0"/>
               <a:t>Pass the login &amp; password</a:t>
             </a:r>
-            <a:endParaRPr lang="en-US" sz="1100" dirty="0"/>
           </a:p>
         </p:txBody>
       </p:sp>
@@ -3668,7 +3664,7 @@
           <p:cNvPr id="15" name="TextBox 14">
             <a:extLst>
               <a:ext uri="{FF2B5EF4-FFF2-40B4-BE49-F238E27FC236}">
-                <a16:creationId xmlns:a16="http://schemas.microsoft.com/office/drawing/2014/main" xmlns="" id="{A487E570-40E8-45D0-BB55-48C4C1478062}"/>
+                <a16:creationId xmlns:a16="http://schemas.microsoft.com/office/drawing/2014/main" id="{A487E570-40E8-45D0-BB55-48C4C1478062}"/>
               </a:ext>
             </a:extLst>
           </p:cNvPr>
@@ -3678,7 +3674,7 @@
         <p:spPr>
           <a:xfrm>
             <a:off x="3673818" y="2996952"/>
-            <a:ext cx="1082539" cy="769441"/>
+            <a:ext cx="1082539" cy="938719"/>
           </a:xfrm>
           <a:prstGeom prst="rect">
             <a:avLst/>
@@ -3692,47 +3688,55 @@
           <a:lstStyle/>
           <a:p>
             <a:r>
-              <a:rPr lang="fr-BE" sz="1100" dirty="0" smtClean="0"/>
+              <a:rPr lang="fr-BE" sz="1100" dirty="0"/>
               <a:t>Gets an </a:t>
             </a:r>
             <a:r>
-              <a:rPr lang="fr-BE" sz="1100" dirty="0" err="1" smtClean="0"/>
+              <a:rPr lang="fr-BE" sz="1100" dirty="0" err="1"/>
               <a:t>access</a:t>
             </a:r>
             <a:r>
-              <a:rPr lang="fr-BE" sz="1100" dirty="0" smtClean="0"/>
+              <a:rPr lang="fr-BE" sz="1100" dirty="0"/>
+              <a:t> &amp; </a:t>
+            </a:r>
+            <a:r>
+              <a:rPr lang="fr-BE" sz="1100" dirty="0" err="1"/>
+              <a:t>identity</a:t>
+            </a:r>
+            <a:r>
+              <a:rPr lang="fr-BE" sz="1100" dirty="0"/>
               <a:t> </a:t>
             </a:r>
             <a:r>
-              <a:rPr lang="fr-BE" sz="1100" dirty="0" err="1" smtClean="0"/>
+              <a:rPr lang="fr-BE" sz="1100" dirty="0" err="1"/>
               <a:t>token</a:t>
             </a:r>
             <a:r>
-              <a:rPr lang="fr-BE" sz="1100" dirty="0" smtClean="0"/>
+              <a:rPr lang="fr-BE" sz="1100" dirty="0"/>
               <a:t> </a:t>
             </a:r>
             <a:r>
-              <a:rPr lang="fr-BE" sz="1100" dirty="0" err="1" smtClean="0"/>
+              <a:rPr lang="fr-BE" sz="1100" dirty="0" err="1"/>
               <a:t>with</a:t>
             </a:r>
             <a:r>
-              <a:rPr lang="fr-BE" sz="1100" dirty="0" smtClean="0"/>
+              <a:rPr lang="fr-BE" sz="1100" dirty="0"/>
               <a:t> the </a:t>
             </a:r>
             <a:r>
-              <a:rPr lang="fr-BE" sz="1100" dirty="0" err="1" smtClean="0"/>
+              <a:rPr lang="fr-BE" sz="1100" dirty="0" err="1"/>
               <a:t>password</a:t>
             </a:r>
             <a:r>
-              <a:rPr lang="fr-BE" sz="1100" dirty="0" smtClean="0"/>
+              <a:rPr lang="fr-BE" sz="1100" dirty="0"/>
               <a:t> </a:t>
             </a:r>
             <a:r>
-              <a:rPr lang="fr-BE" sz="1100" dirty="0" err="1" smtClean="0"/>
+              <a:rPr lang="fr-BE" sz="1100" dirty="0" err="1"/>
               <a:t>grant</a:t>
             </a:r>
             <a:r>
-              <a:rPr lang="fr-BE" sz="1100" dirty="0" smtClean="0"/>
+              <a:rPr lang="fr-BE" sz="1100" dirty="0"/>
               <a:t>-type</a:t>
             </a:r>
             <a:endParaRPr lang="en-US" sz="1100" dirty="0"/>
@@ -3744,7 +3748,7 @@
           <p:cNvPr id="16" name="TextBox 15">
             <a:extLst>
               <a:ext uri="{FF2B5EF4-FFF2-40B4-BE49-F238E27FC236}">
-                <a16:creationId xmlns:a16="http://schemas.microsoft.com/office/drawing/2014/main" xmlns="" id="{A487E570-40E8-45D0-BB55-48C4C1478062}"/>
+                <a16:creationId xmlns:a16="http://schemas.microsoft.com/office/drawing/2014/main" id="{A487E570-40E8-45D0-BB55-48C4C1478062}"/>
               </a:ext>
             </a:extLst>
           </p:cNvPr>
@@ -3768,23 +3772,23 @@
           <a:lstStyle/>
           <a:p>
             <a:r>
-              <a:rPr lang="fr-BE" sz="1100" dirty="0" err="1" smtClean="0"/>
+              <a:rPr lang="fr-BE" sz="1100" dirty="0" err="1"/>
               <a:t>Returns</a:t>
             </a:r>
             <a:r>
-              <a:rPr lang="fr-BE" sz="1100" dirty="0" smtClean="0"/>
+              <a:rPr lang="fr-BE" sz="1100" dirty="0"/>
               <a:t> the </a:t>
             </a:r>
             <a:r>
-              <a:rPr lang="fr-BE" sz="1100" dirty="0" err="1" smtClean="0"/>
+              <a:rPr lang="fr-BE" sz="1100" dirty="0" err="1"/>
               <a:t>granted</a:t>
             </a:r>
             <a:r>
-              <a:rPr lang="fr-BE" sz="1100" dirty="0" smtClean="0"/>
+              <a:rPr lang="fr-BE" sz="1100" dirty="0"/>
               <a:t> </a:t>
             </a:r>
             <a:r>
-              <a:rPr lang="fr-BE" sz="1100" dirty="0" err="1" smtClean="0"/>
+              <a:rPr lang="fr-BE" sz="1100" dirty="0" err="1"/>
               <a:t>token</a:t>
             </a:r>
             <a:endParaRPr lang="en-US" sz="1100" dirty="0"/>
@@ -3832,7 +3836,7 @@
           <p:cNvPr id="20" name="Flowchart: Connector 19">
             <a:extLst>
               <a:ext uri="{FF2B5EF4-FFF2-40B4-BE49-F238E27FC236}">
-                <a16:creationId xmlns:a16="http://schemas.microsoft.com/office/drawing/2014/main" xmlns="" id="{AB66528D-8577-4D76-8BDB-4C297C2C910F}"/>
+                <a16:creationId xmlns:a16="http://schemas.microsoft.com/office/drawing/2014/main" id="{AB66528D-8577-4D76-8BDB-4C297C2C910F}"/>
               </a:ext>
             </a:extLst>
           </p:cNvPr>
@@ -3986,7 +3990,7 @@
           <p:cNvPr id="21" name="Flowchart: Connector 20">
             <a:extLst>
               <a:ext uri="{FF2B5EF4-FFF2-40B4-BE49-F238E27FC236}">
-                <a16:creationId xmlns:a16="http://schemas.microsoft.com/office/drawing/2014/main" xmlns="" id="{AB66528D-8577-4D76-8BDB-4C297C2C910F}"/>
+                <a16:creationId xmlns:a16="http://schemas.microsoft.com/office/drawing/2014/main" id="{AB66528D-8577-4D76-8BDB-4C297C2C910F}"/>
               </a:ext>
             </a:extLst>
           </p:cNvPr>
@@ -4140,7 +4144,7 @@
           <p:cNvPr id="22" name="Flowchart: Connector 21">
             <a:extLst>
               <a:ext uri="{FF2B5EF4-FFF2-40B4-BE49-F238E27FC236}">
-                <a16:creationId xmlns:a16="http://schemas.microsoft.com/office/drawing/2014/main" xmlns="" id="{AB66528D-8577-4D76-8BDB-4C297C2C910F}"/>
+                <a16:creationId xmlns:a16="http://schemas.microsoft.com/office/drawing/2014/main" id="{AB66528D-8577-4D76-8BDB-4C297C2C910F}"/>
               </a:ext>
             </a:extLst>
           </p:cNvPr>
@@ -4324,7 +4328,7 @@
           <p:cNvPr id="4" name="Group 3">
             <a:extLst>
               <a:ext uri="{FF2B5EF4-FFF2-40B4-BE49-F238E27FC236}">
-                <a16:creationId xmlns="" xmlns:a16="http://schemas.microsoft.com/office/drawing/2014/main" xmlns:lc="http://schemas.openxmlformats.org/drawingml/2006/lockedCanvas" id="{558F2DE3-40EF-4DFE-B531-D76F501029D2}"/>
+                <a16:creationId xmlns:a16="http://schemas.microsoft.com/office/drawing/2014/main" id="{558F2DE3-40EF-4DFE-B531-D76F501029D2}"/>
               </a:ext>
             </a:extLst>
           </p:cNvPr>
@@ -4344,7 +4348,7 @@
             <p:cNvPr id="5" name="Rectangle 4">
               <a:extLst>
                 <a:ext uri="{FF2B5EF4-FFF2-40B4-BE49-F238E27FC236}">
-                  <a16:creationId xmlns="" xmlns:a16="http://schemas.microsoft.com/office/drawing/2014/main" xmlns:lc="http://schemas.openxmlformats.org/drawingml/2006/lockedCanvas" id="{77F64BD2-2286-4412-A375-6114E13FFE17}"/>
+                  <a16:creationId xmlns:a16="http://schemas.microsoft.com/office/drawing/2014/main" id="{77F64BD2-2286-4412-A375-6114E13FFE17}"/>
                 </a:ext>
               </a:extLst>
             </p:cNvPr>
@@ -4502,7 +4506,7 @@
             <p:cNvPr id="6" name="Picture 5" descr="C:\Users\TH9628\Desktop\openid-icon-250x250.png">
               <a:extLst>
                 <a:ext uri="{FF2B5EF4-FFF2-40B4-BE49-F238E27FC236}">
-                  <a16:creationId xmlns="" xmlns:a16="http://schemas.microsoft.com/office/drawing/2014/main" xmlns:lc="http://schemas.openxmlformats.org/drawingml/2006/lockedCanvas" id="{615F20A6-119B-45DA-8BB2-F92B9C42AF8A}"/>
+                  <a16:creationId xmlns:a16="http://schemas.microsoft.com/office/drawing/2014/main" id="{615F20A6-119B-45DA-8BB2-F92B9C42AF8A}"/>
                 </a:ext>
               </a:extLst>
             </p:cNvPr>
@@ -4583,7 +4587,7 @@
           <p:cNvPr id="8" name="Rectangle 7">
             <a:extLst>
               <a:ext uri="{FF2B5EF4-FFF2-40B4-BE49-F238E27FC236}">
-                <a16:creationId xmlns:a16="http://schemas.microsoft.com/office/drawing/2014/main" xmlns="" id="{3835F5FC-E7BE-4604-A923-87E02B8BF0CE}"/>
+                <a16:creationId xmlns:a16="http://schemas.microsoft.com/office/drawing/2014/main" id="{3835F5FC-E7BE-4604-A923-87E02B8BF0CE}"/>
               </a:ext>
             </a:extLst>
           </p:cNvPr>
@@ -4624,7 +4628,7 @@
           <a:p>
             <a:pPr algn="ctr"/>
             <a:r>
-              <a:rPr lang="fr-BE" sz="1400" dirty="0" smtClean="0">
+              <a:rPr lang="fr-BE" sz="1400" dirty="0">
                 <a:solidFill>
                   <a:schemeClr val="tx1"/>
                 </a:solidFill>
@@ -4644,7 +4648,7 @@
           <p:cNvPr id="9" name="Rectangle 8">
             <a:extLst>
               <a:ext uri="{FF2B5EF4-FFF2-40B4-BE49-F238E27FC236}">
-                <a16:creationId xmlns:a16="http://schemas.microsoft.com/office/drawing/2014/main" xmlns="" id="{3835F5FC-E7BE-4604-A923-87E02B8BF0CE}"/>
+                <a16:creationId xmlns:a16="http://schemas.microsoft.com/office/drawing/2014/main" id="{3835F5FC-E7BE-4604-A923-87E02B8BF0CE}"/>
               </a:ext>
             </a:extLst>
           </p:cNvPr>
@@ -4685,7 +4689,7 @@
           <a:p>
             <a:pPr algn="ctr"/>
             <a:r>
-              <a:rPr lang="fr-BE" sz="1400" dirty="0" smtClean="0">
+              <a:rPr lang="fr-BE" sz="1400" dirty="0">
                 <a:solidFill>
                   <a:schemeClr val="tx1"/>
                 </a:solidFill>
@@ -4747,7 +4751,7 @@
           <p:cNvPr id="13" name="Flowchart: Connector 12">
             <a:extLst>
               <a:ext uri="{FF2B5EF4-FFF2-40B4-BE49-F238E27FC236}">
-                <a16:creationId xmlns:a16="http://schemas.microsoft.com/office/drawing/2014/main" xmlns="" id="{AB66528D-8577-4D76-8BDB-4C297C2C910F}"/>
+                <a16:creationId xmlns:a16="http://schemas.microsoft.com/office/drawing/2014/main" id="{AB66528D-8577-4D76-8BDB-4C297C2C910F}"/>
               </a:ext>
             </a:extLst>
           </p:cNvPr>
@@ -4901,7 +4905,7 @@
           <p:cNvPr id="19" name="TextBox 18">
             <a:extLst>
               <a:ext uri="{FF2B5EF4-FFF2-40B4-BE49-F238E27FC236}">
-                <a16:creationId xmlns:a16="http://schemas.microsoft.com/office/drawing/2014/main" xmlns="" id="{A487E570-40E8-45D0-BB55-48C4C1478062}"/>
+                <a16:creationId xmlns:a16="http://schemas.microsoft.com/office/drawing/2014/main" id="{A487E570-40E8-45D0-BB55-48C4C1478062}"/>
               </a:ext>
             </a:extLst>
           </p:cNvPr>
@@ -4925,23 +4929,23 @@
           <a:lstStyle/>
           <a:p>
             <a:r>
-              <a:rPr lang="fr-BE" sz="1100" dirty="0" err="1" smtClean="0"/>
+              <a:rPr lang="fr-BE" sz="1100" dirty="0" err="1"/>
               <a:t>Redirects</a:t>
             </a:r>
             <a:r>
-              <a:rPr lang="fr-BE" sz="1100" dirty="0" smtClean="0"/>
+              <a:rPr lang="fr-BE" sz="1100" dirty="0"/>
               <a:t> the user-agent to the </a:t>
             </a:r>
             <a:r>
-              <a:rPr lang="fr-BE" sz="1100" dirty="0" err="1" smtClean="0"/>
+              <a:rPr lang="fr-BE" sz="1100" dirty="0" err="1"/>
               <a:t>authorization</a:t>
             </a:r>
             <a:r>
-              <a:rPr lang="fr-BE" sz="1100" dirty="0" smtClean="0"/>
+              <a:rPr lang="fr-BE" sz="1100" dirty="0"/>
               <a:t> </a:t>
             </a:r>
             <a:r>
-              <a:rPr lang="fr-BE" sz="1100" dirty="0" err="1" smtClean="0"/>
+              <a:rPr lang="fr-BE" sz="1100" dirty="0" err="1"/>
               <a:t>endpoint</a:t>
             </a:r>
             <a:endParaRPr lang="en-US" sz="1100" dirty="0"/>
@@ -4995,7 +4999,7 @@
           <p:cNvPr id="22" name="Flowchart: Connector 21">
             <a:extLst>
               <a:ext uri="{FF2B5EF4-FFF2-40B4-BE49-F238E27FC236}">
-                <a16:creationId xmlns:a16="http://schemas.microsoft.com/office/drawing/2014/main" xmlns="" id="{AB66528D-8577-4D76-8BDB-4C297C2C910F}"/>
+                <a16:creationId xmlns:a16="http://schemas.microsoft.com/office/drawing/2014/main" id="{AB66528D-8577-4D76-8BDB-4C297C2C910F}"/>
               </a:ext>
             </a:extLst>
           </p:cNvPr>
@@ -5149,7 +5153,7 @@
           <p:cNvPr id="23" name="TextBox 22">
             <a:extLst>
               <a:ext uri="{FF2B5EF4-FFF2-40B4-BE49-F238E27FC236}">
-                <a16:creationId xmlns:a16="http://schemas.microsoft.com/office/drawing/2014/main" xmlns="" id="{A487E570-40E8-45D0-BB55-48C4C1478062}"/>
+                <a16:creationId xmlns:a16="http://schemas.microsoft.com/office/drawing/2014/main" id="{A487E570-40E8-45D0-BB55-48C4C1478062}"/>
               </a:ext>
             </a:extLst>
           </p:cNvPr>
@@ -5158,7 +5162,7 @@
         </p:nvSpPr>
         <p:spPr>
           <a:xfrm>
-            <a:off x="4058916" y="5430298"/>
+            <a:off x="4673285" y="5430298"/>
             <a:ext cx="1625483" cy="430887"/>
           </a:xfrm>
           <a:prstGeom prst="rect">
@@ -5173,31 +5177,31 @@
           <a:lstStyle/>
           <a:p>
             <a:r>
-              <a:rPr lang="fr-BE" sz="1100" dirty="0" err="1" smtClean="0"/>
+              <a:rPr lang="fr-BE" sz="1100" dirty="0" err="1"/>
               <a:t>Submit</a:t>
             </a:r>
             <a:r>
-              <a:rPr lang="fr-BE" sz="1100" dirty="0" smtClean="0"/>
+              <a:rPr lang="fr-BE" sz="1100" dirty="0"/>
               <a:t> the </a:t>
             </a:r>
             <a:r>
-              <a:rPr lang="fr-BE" sz="1100" dirty="0" err="1" smtClean="0"/>
+              <a:rPr lang="fr-BE" sz="1100" dirty="0" err="1"/>
               <a:t>credentials</a:t>
             </a:r>
             <a:r>
-              <a:rPr lang="fr-BE" sz="1100" dirty="0" smtClean="0"/>
+              <a:rPr lang="fr-BE" sz="1100" dirty="0"/>
               <a:t> or use an </a:t>
             </a:r>
             <a:r>
-              <a:rPr lang="fr-BE" sz="1100" dirty="0" err="1" smtClean="0"/>
+              <a:rPr lang="fr-BE" sz="1100" dirty="0" err="1"/>
               <a:t>external</a:t>
             </a:r>
             <a:r>
-              <a:rPr lang="fr-BE" sz="1100" dirty="0" smtClean="0"/>
+              <a:rPr lang="fr-BE" sz="1100" dirty="0"/>
               <a:t> </a:t>
             </a:r>
             <a:r>
-              <a:rPr lang="fr-BE" sz="1100" dirty="0" err="1" smtClean="0"/>
+              <a:rPr lang="fr-BE" sz="1100" dirty="0" err="1"/>
               <a:t>account</a:t>
             </a:r>
             <a:endParaRPr lang="en-US" sz="1100" dirty="0"/>
@@ -5250,7 +5254,7 @@
           <p:cNvPr id="29" name="Flowchart: Connector 28">
             <a:extLst>
               <a:ext uri="{FF2B5EF4-FFF2-40B4-BE49-F238E27FC236}">
-                <a16:creationId xmlns:a16="http://schemas.microsoft.com/office/drawing/2014/main" xmlns="" id="{AB66528D-8577-4D76-8BDB-4C297C2C910F}"/>
+                <a16:creationId xmlns:a16="http://schemas.microsoft.com/office/drawing/2014/main" id="{AB66528D-8577-4D76-8BDB-4C297C2C910F}"/>
               </a:ext>
             </a:extLst>
           </p:cNvPr>
@@ -5404,7 +5408,7 @@
           <p:cNvPr id="35" name="TextBox 34">
             <a:extLst>
               <a:ext uri="{FF2B5EF4-FFF2-40B4-BE49-F238E27FC236}">
-                <a16:creationId xmlns:a16="http://schemas.microsoft.com/office/drawing/2014/main" xmlns="" id="{A487E570-40E8-45D0-BB55-48C4C1478062}"/>
+                <a16:creationId xmlns:a16="http://schemas.microsoft.com/office/drawing/2014/main" id="{A487E570-40E8-45D0-BB55-48C4C1478062}"/>
               </a:ext>
             </a:extLst>
           </p:cNvPr>
@@ -5414,7 +5418,7 @@
         <p:spPr>
           <a:xfrm>
             <a:off x="6372200" y="3975085"/>
-            <a:ext cx="1625483" cy="261610"/>
+            <a:ext cx="1625483" cy="430887"/>
           </a:xfrm>
           <a:prstGeom prst="rect">
             <a:avLst/>
@@ -5428,23 +5432,31 @@
           <a:lstStyle/>
           <a:p>
             <a:r>
-              <a:rPr lang="fr-BE" sz="1100" dirty="0" err="1" smtClean="0"/>
+              <a:rPr lang="fr-BE" sz="1100" dirty="0" err="1"/>
               <a:t>Returns</a:t>
             </a:r>
             <a:r>
-              <a:rPr lang="fr-BE" sz="1100" dirty="0" smtClean="0"/>
+              <a:rPr lang="fr-BE" sz="1100" dirty="0"/>
               <a:t> an </a:t>
             </a:r>
             <a:r>
-              <a:rPr lang="fr-BE" sz="1100" dirty="0" err="1" smtClean="0"/>
+              <a:rPr lang="fr-BE" sz="1100" dirty="0" err="1"/>
               <a:t>access</a:t>
             </a:r>
             <a:r>
-              <a:rPr lang="fr-BE" sz="1100" dirty="0" smtClean="0"/>
+              <a:rPr lang="fr-BE" sz="1100" dirty="0"/>
+              <a:t> &amp; </a:t>
+            </a:r>
+            <a:r>
+              <a:rPr lang="fr-BE" sz="1100" dirty="0" err="1"/>
+              <a:t>identity</a:t>
+            </a:r>
+            <a:r>
+              <a:rPr lang="fr-BE" sz="1100" dirty="0"/>
               <a:t> </a:t>
             </a:r>
             <a:r>
-              <a:rPr lang="fr-BE" sz="1100" dirty="0" err="1" smtClean="0"/>
+              <a:rPr lang="fr-BE" sz="1100" dirty="0" err="1"/>
               <a:t>token</a:t>
             </a:r>
             <a:endParaRPr lang="en-US" sz="1100" dirty="0"/>
@@ -5486,7 +5498,7 @@
           <p:cNvPr id="4" name="Group 3">
             <a:extLst>
               <a:ext uri="{FF2B5EF4-FFF2-40B4-BE49-F238E27FC236}">
-                <a16:creationId xmlns="" xmlns:a16="http://schemas.microsoft.com/office/drawing/2014/main" xmlns:lc="http://schemas.openxmlformats.org/drawingml/2006/lockedCanvas" id="{558F2DE3-40EF-4DFE-B531-D76F501029D2}"/>
+                <a16:creationId xmlns:a16="http://schemas.microsoft.com/office/drawing/2014/main" id="{558F2DE3-40EF-4DFE-B531-D76F501029D2}"/>
               </a:ext>
             </a:extLst>
           </p:cNvPr>
@@ -5506,7 +5518,7 @@
             <p:cNvPr id="5" name="Rectangle 4">
               <a:extLst>
                 <a:ext uri="{FF2B5EF4-FFF2-40B4-BE49-F238E27FC236}">
-                  <a16:creationId xmlns="" xmlns:a16="http://schemas.microsoft.com/office/drawing/2014/main" xmlns:lc="http://schemas.openxmlformats.org/drawingml/2006/lockedCanvas" id="{77F64BD2-2286-4412-A375-6114E13FFE17}"/>
+                  <a16:creationId xmlns:a16="http://schemas.microsoft.com/office/drawing/2014/main" id="{77F64BD2-2286-4412-A375-6114E13FFE17}"/>
                 </a:ext>
               </a:extLst>
             </p:cNvPr>
@@ -5664,7 +5676,7 @@
             <p:cNvPr id="6" name="Picture 5" descr="C:\Users\TH9628\Desktop\openid-icon-250x250.png">
               <a:extLst>
                 <a:ext uri="{FF2B5EF4-FFF2-40B4-BE49-F238E27FC236}">
-                  <a16:creationId xmlns="" xmlns:a16="http://schemas.microsoft.com/office/drawing/2014/main" xmlns:lc="http://schemas.openxmlformats.org/drawingml/2006/lockedCanvas" id="{615F20A6-119B-45DA-8BB2-F92B9C42AF8A}"/>
+                  <a16:creationId xmlns:a16="http://schemas.microsoft.com/office/drawing/2014/main" id="{615F20A6-119B-45DA-8BB2-F92B9C42AF8A}"/>
                 </a:ext>
               </a:extLst>
             </p:cNvPr>
@@ -5745,7 +5757,7 @@
           <p:cNvPr id="8" name="Rectangle 7">
             <a:extLst>
               <a:ext uri="{FF2B5EF4-FFF2-40B4-BE49-F238E27FC236}">
-                <a16:creationId xmlns:a16="http://schemas.microsoft.com/office/drawing/2014/main" xmlns="" id="{3835F5FC-E7BE-4604-A923-87E02B8BF0CE}"/>
+                <a16:creationId xmlns:a16="http://schemas.microsoft.com/office/drawing/2014/main" id="{3835F5FC-E7BE-4604-A923-87E02B8BF0CE}"/>
               </a:ext>
             </a:extLst>
           </p:cNvPr>
@@ -5786,7 +5798,7 @@
           <a:p>
             <a:pPr algn="ctr"/>
             <a:r>
-              <a:rPr lang="fr-BE" sz="1400" dirty="0" smtClean="0">
+              <a:rPr lang="fr-BE" sz="1400" dirty="0">
                 <a:solidFill>
                   <a:schemeClr val="tx1"/>
                 </a:solidFill>
@@ -5806,7 +5818,7 @@
           <p:cNvPr id="9" name="Rectangle 8">
             <a:extLst>
               <a:ext uri="{FF2B5EF4-FFF2-40B4-BE49-F238E27FC236}">
-                <a16:creationId xmlns:a16="http://schemas.microsoft.com/office/drawing/2014/main" xmlns="" id="{3835F5FC-E7BE-4604-A923-87E02B8BF0CE}"/>
+                <a16:creationId xmlns:a16="http://schemas.microsoft.com/office/drawing/2014/main" id="{3835F5FC-E7BE-4604-A923-87E02B8BF0CE}"/>
               </a:ext>
             </a:extLst>
           </p:cNvPr>
@@ -5847,7 +5859,7 @@
           <a:p>
             <a:pPr algn="ctr"/>
             <a:r>
-              <a:rPr lang="fr-BE" sz="1400" dirty="0" smtClean="0">
+              <a:rPr lang="fr-BE" sz="1400" dirty="0">
                 <a:solidFill>
                   <a:schemeClr val="tx1"/>
                 </a:solidFill>
@@ -5909,7 +5921,7 @@
           <p:cNvPr id="11" name="Flowchart: Connector 10">
             <a:extLst>
               <a:ext uri="{FF2B5EF4-FFF2-40B4-BE49-F238E27FC236}">
-                <a16:creationId xmlns:a16="http://schemas.microsoft.com/office/drawing/2014/main" xmlns="" id="{AB66528D-8577-4D76-8BDB-4C297C2C910F}"/>
+                <a16:creationId xmlns:a16="http://schemas.microsoft.com/office/drawing/2014/main" id="{AB66528D-8577-4D76-8BDB-4C297C2C910F}"/>
               </a:ext>
             </a:extLst>
           </p:cNvPr>
@@ -6063,7 +6075,7 @@
           <p:cNvPr id="12" name="TextBox 11">
             <a:extLst>
               <a:ext uri="{FF2B5EF4-FFF2-40B4-BE49-F238E27FC236}">
-                <a16:creationId xmlns:a16="http://schemas.microsoft.com/office/drawing/2014/main" xmlns="" id="{A487E570-40E8-45D0-BB55-48C4C1478062}"/>
+                <a16:creationId xmlns:a16="http://schemas.microsoft.com/office/drawing/2014/main" id="{A487E570-40E8-45D0-BB55-48C4C1478062}"/>
               </a:ext>
             </a:extLst>
           </p:cNvPr>
@@ -6087,23 +6099,23 @@
           <a:lstStyle/>
           <a:p>
             <a:r>
-              <a:rPr lang="fr-BE" sz="1100" dirty="0" err="1" smtClean="0"/>
+              <a:rPr lang="fr-BE" sz="1100" dirty="0" err="1"/>
               <a:t>Redirects</a:t>
             </a:r>
             <a:r>
-              <a:rPr lang="fr-BE" sz="1100" dirty="0" smtClean="0"/>
+              <a:rPr lang="fr-BE" sz="1100" dirty="0"/>
               <a:t> the user-agent to the </a:t>
             </a:r>
             <a:r>
-              <a:rPr lang="fr-BE" sz="1100" dirty="0" err="1" smtClean="0"/>
+              <a:rPr lang="fr-BE" sz="1100" dirty="0" err="1"/>
               <a:t>authorization</a:t>
             </a:r>
             <a:r>
-              <a:rPr lang="fr-BE" sz="1100" dirty="0" smtClean="0"/>
+              <a:rPr lang="fr-BE" sz="1100" dirty="0"/>
               <a:t> </a:t>
             </a:r>
             <a:r>
-              <a:rPr lang="fr-BE" sz="1100" dirty="0" err="1" smtClean="0"/>
+              <a:rPr lang="fr-BE" sz="1100" dirty="0" err="1"/>
               <a:t>endpoint</a:t>
             </a:r>
             <a:endParaRPr lang="en-US" sz="1100" dirty="0"/>
@@ -6157,7 +6169,7 @@
           <p:cNvPr id="14" name="Flowchart: Connector 13">
             <a:extLst>
               <a:ext uri="{FF2B5EF4-FFF2-40B4-BE49-F238E27FC236}">
-                <a16:creationId xmlns:a16="http://schemas.microsoft.com/office/drawing/2014/main" xmlns="" id="{AB66528D-8577-4D76-8BDB-4C297C2C910F}"/>
+                <a16:creationId xmlns:a16="http://schemas.microsoft.com/office/drawing/2014/main" id="{AB66528D-8577-4D76-8BDB-4C297C2C910F}"/>
               </a:ext>
             </a:extLst>
           </p:cNvPr>
@@ -6311,7 +6323,7 @@
           <p:cNvPr id="15" name="TextBox 14">
             <a:extLst>
               <a:ext uri="{FF2B5EF4-FFF2-40B4-BE49-F238E27FC236}">
-                <a16:creationId xmlns:a16="http://schemas.microsoft.com/office/drawing/2014/main" xmlns="" id="{A487E570-40E8-45D0-BB55-48C4C1478062}"/>
+                <a16:creationId xmlns:a16="http://schemas.microsoft.com/office/drawing/2014/main" id="{A487E570-40E8-45D0-BB55-48C4C1478062}"/>
               </a:ext>
             </a:extLst>
           </p:cNvPr>
@@ -6320,7 +6332,7 @@
         </p:nvSpPr>
         <p:spPr>
           <a:xfrm>
-            <a:off x="4058916" y="5430298"/>
+            <a:off x="4686084" y="5450395"/>
             <a:ext cx="1625483" cy="430887"/>
           </a:xfrm>
           <a:prstGeom prst="rect">
@@ -6335,31 +6347,31 @@
           <a:lstStyle/>
           <a:p>
             <a:r>
-              <a:rPr lang="fr-BE" sz="1100" dirty="0" err="1" smtClean="0"/>
+              <a:rPr lang="fr-BE" sz="1100" dirty="0" err="1"/>
               <a:t>Submit</a:t>
             </a:r>
             <a:r>
-              <a:rPr lang="fr-BE" sz="1100" dirty="0" smtClean="0"/>
+              <a:rPr lang="fr-BE" sz="1100" dirty="0"/>
               <a:t> the </a:t>
             </a:r>
             <a:r>
-              <a:rPr lang="fr-BE" sz="1100" dirty="0" err="1" smtClean="0"/>
+              <a:rPr lang="fr-BE" sz="1100" dirty="0" err="1"/>
               <a:t>credentials</a:t>
             </a:r>
             <a:r>
-              <a:rPr lang="fr-BE" sz="1100" dirty="0" smtClean="0"/>
+              <a:rPr lang="fr-BE" sz="1100" dirty="0"/>
               <a:t> or use an </a:t>
             </a:r>
             <a:r>
-              <a:rPr lang="fr-BE" sz="1100" dirty="0" err="1" smtClean="0"/>
+              <a:rPr lang="fr-BE" sz="1100" dirty="0" err="1"/>
               <a:t>external</a:t>
             </a:r>
             <a:r>
-              <a:rPr lang="fr-BE" sz="1100" dirty="0" smtClean="0"/>
+              <a:rPr lang="fr-BE" sz="1100" dirty="0"/>
               <a:t> </a:t>
             </a:r>
             <a:r>
-              <a:rPr lang="fr-BE" sz="1100" dirty="0" err="1" smtClean="0"/>
+              <a:rPr lang="fr-BE" sz="1100" dirty="0" err="1"/>
               <a:t>account</a:t>
             </a:r>
             <a:endParaRPr lang="en-US" sz="1100" dirty="0"/>
@@ -6412,7 +6424,7 @@
           <p:cNvPr id="17" name="Flowchart: Connector 16">
             <a:extLst>
               <a:ext uri="{FF2B5EF4-FFF2-40B4-BE49-F238E27FC236}">
-                <a16:creationId xmlns:a16="http://schemas.microsoft.com/office/drawing/2014/main" xmlns="" id="{AB66528D-8577-4D76-8BDB-4C297C2C910F}"/>
+                <a16:creationId xmlns:a16="http://schemas.microsoft.com/office/drawing/2014/main" id="{AB66528D-8577-4D76-8BDB-4C297C2C910F}"/>
               </a:ext>
             </a:extLst>
           </p:cNvPr>
@@ -6566,7 +6578,7 @@
           <p:cNvPr id="18" name="TextBox 17">
             <a:extLst>
               <a:ext uri="{FF2B5EF4-FFF2-40B4-BE49-F238E27FC236}">
-                <a16:creationId xmlns:a16="http://schemas.microsoft.com/office/drawing/2014/main" xmlns="" id="{A487E570-40E8-45D0-BB55-48C4C1478062}"/>
+                <a16:creationId xmlns:a16="http://schemas.microsoft.com/office/drawing/2014/main" id="{A487E570-40E8-45D0-BB55-48C4C1478062}"/>
               </a:ext>
             </a:extLst>
           </p:cNvPr>
@@ -6576,7 +6588,7 @@
         <p:spPr>
           <a:xfrm>
             <a:off x="6372200" y="3975085"/>
-            <a:ext cx="1625483" cy="430887"/>
+            <a:ext cx="1625483" cy="600164"/>
           </a:xfrm>
           <a:prstGeom prst="rect">
             <a:avLst/>
@@ -6590,31 +6602,39 @@
           <a:lstStyle/>
           <a:p>
             <a:r>
-              <a:rPr lang="fr-BE" sz="1100" dirty="0" err="1" smtClean="0"/>
+              <a:rPr lang="fr-BE" sz="1100" dirty="0" err="1"/>
               <a:t>Returns</a:t>
             </a:r>
             <a:r>
-              <a:rPr lang="fr-BE" sz="1100" dirty="0" smtClean="0"/>
+              <a:rPr lang="fr-BE" sz="1100" dirty="0"/>
               <a:t> an </a:t>
             </a:r>
             <a:r>
-              <a:rPr lang="fr-BE" sz="1100" dirty="0" err="1" smtClean="0"/>
+              <a:rPr lang="fr-BE" sz="1100" dirty="0" err="1"/>
               <a:t>access</a:t>
             </a:r>
             <a:r>
-              <a:rPr lang="fr-BE" sz="1100" dirty="0" smtClean="0"/>
+              <a:rPr lang="fr-BE" sz="1100" dirty="0"/>
+              <a:t> &amp; </a:t>
+            </a:r>
+            <a:r>
+              <a:rPr lang="fr-BE" sz="1100" dirty="0" err="1"/>
+              <a:t>identity</a:t>
+            </a:r>
+            <a:r>
+              <a:rPr lang="fr-BE" sz="1100" dirty="0"/>
               <a:t> </a:t>
             </a:r>
             <a:r>
-              <a:rPr lang="fr-BE" sz="1100" dirty="0" err="1" smtClean="0"/>
+              <a:rPr lang="fr-BE" sz="1100" dirty="0" err="1"/>
               <a:t>token</a:t>
             </a:r>
             <a:r>
-              <a:rPr lang="fr-BE" sz="1100" dirty="0" smtClean="0"/>
+              <a:rPr lang="fr-BE" sz="1100" dirty="0"/>
               <a:t> and the </a:t>
             </a:r>
             <a:r>
-              <a:rPr lang="fr-BE" sz="1100" dirty="0" err="1" smtClean="0"/>
+              <a:rPr lang="fr-BE" sz="1100" dirty="0" err="1"/>
               <a:t>session_state</a:t>
             </a:r>
             <a:endParaRPr lang="en-US" sz="1100" dirty="0"/>
@@ -6625,6 +6645,1870 @@
     <p:extLst>
       <p:ext uri="{BB962C8B-B14F-4D97-AF65-F5344CB8AC3E}">
         <p14:creationId xmlns:p14="http://schemas.microsoft.com/office/powerpoint/2010/main" val="2794431374"/>
+      </p:ext>
+    </p:extLst>
+  </p:cSld>
+  <p:clrMapOvr>
+    <a:masterClrMapping/>
+  </p:clrMapOvr>
+</p:sld>
+</file>
+
+<file path=ppt/slides/slide5.xml><?xml version="1.0" encoding="utf-8"?>
+<p:sld xmlns:a="http://schemas.openxmlformats.org/drawingml/2006/main" xmlns:r="http://schemas.openxmlformats.org/officeDocument/2006/relationships" xmlns:p="http://schemas.openxmlformats.org/presentationml/2006/main">
+  <p:cSld>
+    <p:spTree>
+      <p:nvGrpSpPr>
+        <p:cNvPr id="1" name=""/>
+        <p:cNvGrpSpPr/>
+        <p:nvPr/>
+      </p:nvGrpSpPr>
+      <p:grpSpPr>
+        <a:xfrm>
+          <a:off x="0" y="0"/>
+          <a:ext cx="0" cy="0"/>
+          <a:chOff x="0" y="0"/>
+          <a:chExt cx="0" cy="0"/>
+        </a:xfrm>
+      </p:grpSpPr>
+      <p:sp>
+        <p:nvSpPr>
+          <p:cNvPr id="6" name="Rectangle 5">
+            <a:extLst>
+              <a:ext uri="{FF2B5EF4-FFF2-40B4-BE49-F238E27FC236}">
+                <a16:creationId xmlns:a16="http://schemas.microsoft.com/office/drawing/2014/main" id="{5EED1202-4872-4578-9055-5DD5062D7706}"/>
+              </a:ext>
+            </a:extLst>
+          </p:cNvPr>
+          <p:cNvSpPr/>
+          <p:nvPr/>
+        </p:nvSpPr>
+        <p:spPr>
+          <a:xfrm>
+            <a:off x="3283771" y="5934764"/>
+            <a:ext cx="2779033" cy="490723"/>
+          </a:xfrm>
+          <a:prstGeom prst="rect">
+            <a:avLst/>
+          </a:prstGeom>
+          <a:ln>
+            <a:solidFill>
+              <a:schemeClr val="tx1"/>
+            </a:solidFill>
+          </a:ln>
+        </p:spPr>
+        <p:style>
+          <a:lnRef idx="2">
+            <a:schemeClr val="accent1"/>
+          </a:lnRef>
+          <a:fillRef idx="1">
+            <a:schemeClr val="lt1"/>
+          </a:fillRef>
+          <a:effectRef idx="0">
+            <a:schemeClr val="accent1"/>
+          </a:effectRef>
+          <a:fontRef idx="minor">
+            <a:schemeClr val="dk1"/>
+          </a:fontRef>
+        </p:style>
+        <p:txBody>
+          <a:bodyPr rtlCol="0" anchor="ctr"/>
+          <a:lstStyle/>
+          <a:p>
+            <a:pPr algn="ctr"/>
+            <a:r>
+              <a:rPr lang="fr-BE" sz="1400" dirty="0">
+                <a:solidFill>
+                  <a:schemeClr val="tx1"/>
+                </a:solidFill>
+              </a:rPr>
+              <a:t>REACT.JS</a:t>
+            </a:r>
+            <a:endParaRPr lang="en-US" sz="1400" dirty="0">
+              <a:solidFill>
+                <a:schemeClr val="tx1"/>
+              </a:solidFill>
+            </a:endParaRPr>
+          </a:p>
+        </p:txBody>
+      </p:sp>
+      <p:grpSp>
+        <p:nvGrpSpPr>
+          <p:cNvPr id="7" name="Group 3">
+            <a:extLst>
+              <a:ext uri="{FF2B5EF4-FFF2-40B4-BE49-F238E27FC236}">
+                <a16:creationId xmlns:a16="http://schemas.microsoft.com/office/drawing/2014/main" id="{3EE0616A-2370-4FEA-A3CA-B58F76CFA35C}"/>
+              </a:ext>
+            </a:extLst>
+          </p:cNvPr>
+          <p:cNvGrpSpPr/>
+          <p:nvPr/>
+        </p:nvGrpSpPr>
+        <p:grpSpPr>
+          <a:xfrm>
+            <a:off x="4058923" y="1048667"/>
+            <a:ext cx="1228725" cy="1099185"/>
+            <a:chOff x="3957637" y="2879407"/>
+            <a:chExt cx="1228725" cy="1099185"/>
+          </a:xfrm>
+        </p:grpSpPr>
+        <p:sp>
+          <p:nvSpPr>
+            <p:cNvPr id="8" name="Rectangle 7">
+              <a:extLst>
+                <a:ext uri="{FF2B5EF4-FFF2-40B4-BE49-F238E27FC236}">
+                  <a16:creationId xmlns:a16="http://schemas.microsoft.com/office/drawing/2014/main" id="{13658149-4A62-452C-9EB2-70C9E050E81D}"/>
+                </a:ext>
+              </a:extLst>
+            </p:cNvPr>
+            <p:cNvSpPr/>
+            <p:nvPr/>
+          </p:nvSpPr>
+          <p:spPr>
+            <a:xfrm>
+              <a:off x="3957637" y="2879407"/>
+              <a:ext cx="1228725" cy="1099185"/>
+            </a:xfrm>
+            <a:prstGeom prst="rect">
+              <a:avLst/>
+            </a:prstGeom>
+            <a:noFill/>
+            <a:ln>
+              <a:solidFill>
+                <a:schemeClr val="tx1"/>
+              </a:solidFill>
+            </a:ln>
+          </p:spPr>
+          <p:style>
+            <a:lnRef idx="2">
+              <a:schemeClr val="accent1">
+                <a:shade val="50000"/>
+              </a:schemeClr>
+            </a:lnRef>
+            <a:fillRef idx="1">
+              <a:schemeClr val="accent1"/>
+            </a:fillRef>
+            <a:effectRef idx="0">
+              <a:schemeClr val="accent1"/>
+            </a:effectRef>
+            <a:fontRef idx="minor">
+              <a:schemeClr val="lt1"/>
+            </a:fontRef>
+          </p:style>
+          <p:txBody>
+            <a:bodyPr rot="0" spcFirstLastPara="0" vert="horz" wrap="square" lIns="91440" tIns="45720" rIns="91440" bIns="45720" numCol="1" spcCol="0" rtlCol="0" fromWordArt="0" anchor="b" anchorCtr="0" forceAA="0" compatLnSpc="1">
+              <a:prstTxWarp prst="textNoShape">
+                <a:avLst/>
+              </a:prstTxWarp>
+              <a:noAutofit/>
+            </a:bodyPr>
+            <a:lstStyle>
+              <a:defPPr>
+                <a:defRPr lang="de-DE"/>
+              </a:defPPr>
+              <a:lvl1pPr marL="0" algn="l" defTabSz="914400" rtl="0" eaLnBrk="1" latinLnBrk="0" hangingPunct="1">
+                <a:defRPr sz="1800" kern="1200">
+                  <a:solidFill>
+                    <a:schemeClr val="lt1"/>
+                  </a:solidFill>
+                  <a:latin typeface="+mn-lt"/>
+                  <a:ea typeface="+mn-ea"/>
+                  <a:cs typeface="+mn-cs"/>
+                </a:defRPr>
+              </a:lvl1pPr>
+              <a:lvl2pPr marL="457200" algn="l" defTabSz="914400" rtl="0" eaLnBrk="1" latinLnBrk="0" hangingPunct="1">
+                <a:defRPr sz="1800" kern="1200">
+                  <a:solidFill>
+                    <a:schemeClr val="lt1"/>
+                  </a:solidFill>
+                  <a:latin typeface="+mn-lt"/>
+                  <a:ea typeface="+mn-ea"/>
+                  <a:cs typeface="+mn-cs"/>
+                </a:defRPr>
+              </a:lvl2pPr>
+              <a:lvl3pPr marL="914400" algn="l" defTabSz="914400" rtl="0" eaLnBrk="1" latinLnBrk="0" hangingPunct="1">
+                <a:defRPr sz="1800" kern="1200">
+                  <a:solidFill>
+                    <a:schemeClr val="lt1"/>
+                  </a:solidFill>
+                  <a:latin typeface="+mn-lt"/>
+                  <a:ea typeface="+mn-ea"/>
+                  <a:cs typeface="+mn-cs"/>
+                </a:defRPr>
+              </a:lvl3pPr>
+              <a:lvl4pPr marL="1371600" algn="l" defTabSz="914400" rtl="0" eaLnBrk="1" latinLnBrk="0" hangingPunct="1">
+                <a:defRPr sz="1800" kern="1200">
+                  <a:solidFill>
+                    <a:schemeClr val="lt1"/>
+                  </a:solidFill>
+                  <a:latin typeface="+mn-lt"/>
+                  <a:ea typeface="+mn-ea"/>
+                  <a:cs typeface="+mn-cs"/>
+                </a:defRPr>
+              </a:lvl4pPr>
+              <a:lvl5pPr marL="1828800" algn="l" defTabSz="914400" rtl="0" eaLnBrk="1" latinLnBrk="0" hangingPunct="1">
+                <a:defRPr sz="1800" kern="1200">
+                  <a:solidFill>
+                    <a:schemeClr val="lt1"/>
+                  </a:solidFill>
+                  <a:latin typeface="+mn-lt"/>
+                  <a:ea typeface="+mn-ea"/>
+                  <a:cs typeface="+mn-cs"/>
+                </a:defRPr>
+              </a:lvl5pPr>
+              <a:lvl6pPr marL="2286000" algn="l" defTabSz="914400" rtl="0" eaLnBrk="1" latinLnBrk="0" hangingPunct="1">
+                <a:defRPr sz="1800" kern="1200">
+                  <a:solidFill>
+                    <a:schemeClr val="lt1"/>
+                  </a:solidFill>
+                  <a:latin typeface="+mn-lt"/>
+                  <a:ea typeface="+mn-ea"/>
+                  <a:cs typeface="+mn-cs"/>
+                </a:defRPr>
+              </a:lvl6pPr>
+              <a:lvl7pPr marL="2743200" algn="l" defTabSz="914400" rtl="0" eaLnBrk="1" latinLnBrk="0" hangingPunct="1">
+                <a:defRPr sz="1800" kern="1200">
+                  <a:solidFill>
+                    <a:schemeClr val="lt1"/>
+                  </a:solidFill>
+                  <a:latin typeface="+mn-lt"/>
+                  <a:ea typeface="+mn-ea"/>
+                  <a:cs typeface="+mn-cs"/>
+                </a:defRPr>
+              </a:lvl7pPr>
+              <a:lvl8pPr marL="3200400" algn="l" defTabSz="914400" rtl="0" eaLnBrk="1" latinLnBrk="0" hangingPunct="1">
+                <a:defRPr sz="1800" kern="1200">
+                  <a:solidFill>
+                    <a:schemeClr val="lt1"/>
+                  </a:solidFill>
+                  <a:latin typeface="+mn-lt"/>
+                  <a:ea typeface="+mn-ea"/>
+                  <a:cs typeface="+mn-cs"/>
+                </a:defRPr>
+              </a:lvl8pPr>
+              <a:lvl9pPr marL="3657600" algn="l" defTabSz="914400" rtl="0" eaLnBrk="1" latinLnBrk="0" hangingPunct="1">
+                <a:defRPr sz="1800" kern="1200">
+                  <a:solidFill>
+                    <a:schemeClr val="lt1"/>
+                  </a:solidFill>
+                  <a:latin typeface="+mn-lt"/>
+                  <a:ea typeface="+mn-ea"/>
+                  <a:cs typeface="+mn-cs"/>
+                </a:defRPr>
+              </a:lvl9pPr>
+            </a:lstStyle>
+            <a:p>
+              <a:pPr algn="ctr"/>
+              <a:r>
+                <a:rPr lang="en-US" sz="1600" dirty="0">
+                  <a:solidFill>
+                    <a:schemeClr val="tx1"/>
+                  </a:solidFill>
+                </a:rPr>
+                <a:t>Id Server</a:t>
+              </a:r>
+            </a:p>
+          </p:txBody>
+        </p:sp>
+        <p:pic>
+          <p:nvPicPr>
+            <p:cNvPr id="9" name="Picture 5" descr="C:\Users\TH9628\Desktop\openid-icon-250x250.png">
+              <a:extLst>
+                <a:ext uri="{FF2B5EF4-FFF2-40B4-BE49-F238E27FC236}">
+                  <a16:creationId xmlns:a16="http://schemas.microsoft.com/office/drawing/2014/main" id="{5A81FECE-603B-4DAB-862A-D5CF143AD23C}"/>
+                </a:ext>
+              </a:extLst>
+            </p:cNvPr>
+            <p:cNvPicPr/>
+            <p:nvPr/>
+          </p:nvPicPr>
+          <p:blipFill>
+            <a:blip r:embed="rId2" cstate="print">
+              <a:extLst>
+                <a:ext uri="{28A0092B-C50C-407E-A947-70E740481C1C}">
+                  <a14:useLocalDpi xmlns:a14="http://schemas.microsoft.com/office/drawing/2010/main" val="0"/>
+                </a:ext>
+              </a:extLst>
+            </a:blip>
+            <a:srcRect/>
+            <a:stretch>
+              <a:fillRect/>
+            </a:stretch>
+          </p:blipFill>
+          <p:spPr bwMode="auto">
+            <a:xfrm>
+              <a:off x="4306748" y="3095431"/>
+              <a:ext cx="514985" cy="514985"/>
+            </a:xfrm>
+            <a:prstGeom prst="rect">
+              <a:avLst/>
+            </a:prstGeom>
+            <a:noFill/>
+            <a:ln>
+              <a:noFill/>
+            </a:ln>
+          </p:spPr>
+        </p:pic>
+      </p:grpSp>
+      <p:cxnSp>
+        <p:nvCxnSpPr>
+          <p:cNvPr id="11" name="Connecteur : en angle 10">
+            <a:extLst>
+              <a:ext uri="{FF2B5EF4-FFF2-40B4-BE49-F238E27FC236}">
+                <a16:creationId xmlns:a16="http://schemas.microsoft.com/office/drawing/2014/main" id="{4D606DD3-014C-4806-9DD9-09158C5BD9EC}"/>
+              </a:ext>
+            </a:extLst>
+          </p:cNvPr>
+          <p:cNvCxnSpPr>
+            <a:stCxn id="6" idx="1"/>
+            <a:endCxn id="8" idx="1"/>
+          </p:cNvCxnSpPr>
+          <p:nvPr/>
+        </p:nvCxnSpPr>
+        <p:spPr>
+          <a:xfrm rot="10800000" flipH="1">
+            <a:off x="3283771" y="1598260"/>
+            <a:ext cx="775152" cy="4581866"/>
+          </a:xfrm>
+          <a:prstGeom prst="bentConnector3">
+            <a:avLst>
+              <a:gd name="adj1" fmla="val -29491"/>
+            </a:avLst>
+          </a:prstGeom>
+          <a:ln>
+            <a:solidFill>
+              <a:schemeClr val="tx1"/>
+            </a:solidFill>
+            <a:tailEnd type="triangle"/>
+          </a:ln>
+        </p:spPr>
+        <p:style>
+          <a:lnRef idx="1">
+            <a:schemeClr val="accent1"/>
+          </a:lnRef>
+          <a:fillRef idx="0">
+            <a:schemeClr val="accent1"/>
+          </a:fillRef>
+          <a:effectRef idx="0">
+            <a:schemeClr val="accent1"/>
+          </a:effectRef>
+          <a:fontRef idx="minor">
+            <a:schemeClr val="tx1"/>
+          </a:fontRef>
+        </p:style>
+      </p:cxnSp>
+      <p:sp>
+        <p:nvSpPr>
+          <p:cNvPr id="12" name="TextBox 11">
+            <a:extLst>
+              <a:ext uri="{FF2B5EF4-FFF2-40B4-BE49-F238E27FC236}">
+                <a16:creationId xmlns:a16="http://schemas.microsoft.com/office/drawing/2014/main" id="{053C3F6A-EDB5-4446-A7B0-04B938F1ED9C}"/>
+              </a:ext>
+            </a:extLst>
+          </p:cNvPr>
+          <p:cNvSpPr txBox="1"/>
+          <p:nvPr/>
+        </p:nvSpPr>
+        <p:spPr>
+          <a:xfrm>
+            <a:off x="899592" y="3404137"/>
+            <a:ext cx="2093861" cy="769441"/>
+          </a:xfrm>
+          <a:prstGeom prst="rect">
+            <a:avLst/>
+          </a:prstGeom>
+          <a:noFill/>
+        </p:spPr>
+        <p:txBody>
+          <a:bodyPr wrap="square" rtlCol="0">
+            <a:spAutoFit/>
+          </a:bodyPr>
+          <a:lstStyle/>
+          <a:p>
+            <a:r>
+              <a:rPr lang="fr-BE" sz="1100" dirty="0" err="1"/>
+              <a:t>Periodically</a:t>
+            </a:r>
+            <a:r>
+              <a:rPr lang="fr-BE" sz="1100" dirty="0"/>
+              <a:t> </a:t>
+            </a:r>
+            <a:r>
+              <a:rPr lang="fr-BE" sz="1100" dirty="0" err="1"/>
+              <a:t>send</a:t>
+            </a:r>
+            <a:r>
+              <a:rPr lang="fr-BE" sz="1100" dirty="0"/>
+              <a:t> the client identifier </a:t>
+            </a:r>
+            <a:r>
+              <a:rPr lang="fr-BE" sz="1100" dirty="0" err="1"/>
+              <a:t>with</a:t>
+            </a:r>
+            <a:r>
+              <a:rPr lang="fr-BE" sz="1100" dirty="0"/>
+              <a:t> the session state to the /</a:t>
+            </a:r>
+            <a:r>
+              <a:rPr lang="fr-BE" sz="1100" dirty="0" err="1"/>
+              <a:t>check_session</a:t>
+            </a:r>
+            <a:r>
+              <a:rPr lang="fr-BE" sz="1100" dirty="0"/>
+              <a:t> </a:t>
+            </a:r>
+            <a:r>
+              <a:rPr lang="fr-BE" sz="1100" dirty="0" err="1"/>
+              <a:t>endpoint</a:t>
+            </a:r>
+            <a:r>
+              <a:rPr lang="fr-BE" sz="1100" dirty="0"/>
+              <a:t> via the </a:t>
+            </a:r>
+            <a:r>
+              <a:rPr lang="fr-BE" sz="1100" dirty="0" err="1"/>
+              <a:t>iframe</a:t>
+            </a:r>
+            <a:endParaRPr lang="en-US" sz="1100" dirty="0"/>
+          </a:p>
+        </p:txBody>
+      </p:sp>
+      <p:sp>
+        <p:nvSpPr>
+          <p:cNvPr id="13" name="Flowchart: Connector 10">
+            <a:extLst>
+              <a:ext uri="{FF2B5EF4-FFF2-40B4-BE49-F238E27FC236}">
+                <a16:creationId xmlns:a16="http://schemas.microsoft.com/office/drawing/2014/main" id="{A6E55A94-60F5-4EDF-B687-F450F1EB60E3}"/>
+              </a:ext>
+            </a:extLst>
+          </p:cNvPr>
+          <p:cNvSpPr>
+            <a:spLocks noChangeAspect="1"/>
+          </p:cNvSpPr>
+          <p:nvPr/>
+        </p:nvSpPr>
+        <p:spPr>
+          <a:xfrm>
+            <a:off x="2978458" y="3801825"/>
+            <a:ext cx="174736" cy="174736"/>
+          </a:xfrm>
+          <a:prstGeom prst="flowChartConnector">
+            <a:avLst/>
+          </a:prstGeom>
+          <a:solidFill>
+            <a:schemeClr val="tx1"/>
+          </a:solidFill>
+          <a:ln>
+            <a:solidFill>
+              <a:schemeClr val="tx1"/>
+            </a:solidFill>
+          </a:ln>
+        </p:spPr>
+        <p:style>
+          <a:lnRef idx="2">
+            <a:schemeClr val="accent1">
+              <a:shade val="50000"/>
+            </a:schemeClr>
+          </a:lnRef>
+          <a:fillRef idx="1">
+            <a:schemeClr val="accent1"/>
+          </a:fillRef>
+          <a:effectRef idx="0">
+            <a:schemeClr val="accent1"/>
+          </a:effectRef>
+          <a:fontRef idx="minor">
+            <a:schemeClr val="lt1"/>
+          </a:fontRef>
+        </p:style>
+        <p:txBody>
+          <a:bodyPr rtlCol="0" anchor="ctr"/>
+          <a:lstStyle>
+            <a:defPPr>
+              <a:defRPr lang="en-US"/>
+            </a:defPPr>
+            <a:lvl1pPr marL="0" algn="l" defTabSz="914400" rtl="0" eaLnBrk="1" latinLnBrk="0" hangingPunct="1">
+              <a:defRPr sz="1800" kern="1200">
+                <a:solidFill>
+                  <a:schemeClr val="lt1"/>
+                </a:solidFill>
+                <a:latin typeface="+mn-lt"/>
+                <a:ea typeface="+mn-ea"/>
+                <a:cs typeface="+mn-cs"/>
+              </a:defRPr>
+            </a:lvl1pPr>
+            <a:lvl2pPr marL="457200" algn="l" defTabSz="914400" rtl="0" eaLnBrk="1" latinLnBrk="0" hangingPunct="1">
+              <a:defRPr sz="1800" kern="1200">
+                <a:solidFill>
+                  <a:schemeClr val="lt1"/>
+                </a:solidFill>
+                <a:latin typeface="+mn-lt"/>
+                <a:ea typeface="+mn-ea"/>
+                <a:cs typeface="+mn-cs"/>
+              </a:defRPr>
+            </a:lvl2pPr>
+            <a:lvl3pPr marL="914400" algn="l" defTabSz="914400" rtl="0" eaLnBrk="1" latinLnBrk="0" hangingPunct="1">
+              <a:defRPr sz="1800" kern="1200">
+                <a:solidFill>
+                  <a:schemeClr val="lt1"/>
+                </a:solidFill>
+                <a:latin typeface="+mn-lt"/>
+                <a:ea typeface="+mn-ea"/>
+                <a:cs typeface="+mn-cs"/>
+              </a:defRPr>
+            </a:lvl3pPr>
+            <a:lvl4pPr marL="1371600" algn="l" defTabSz="914400" rtl="0" eaLnBrk="1" latinLnBrk="0" hangingPunct="1">
+              <a:defRPr sz="1800" kern="1200">
+                <a:solidFill>
+                  <a:schemeClr val="lt1"/>
+                </a:solidFill>
+                <a:latin typeface="+mn-lt"/>
+                <a:ea typeface="+mn-ea"/>
+                <a:cs typeface="+mn-cs"/>
+              </a:defRPr>
+            </a:lvl4pPr>
+            <a:lvl5pPr marL="1828800" algn="l" defTabSz="914400" rtl="0" eaLnBrk="1" latinLnBrk="0" hangingPunct="1">
+              <a:defRPr sz="1800" kern="1200">
+                <a:solidFill>
+                  <a:schemeClr val="lt1"/>
+                </a:solidFill>
+                <a:latin typeface="+mn-lt"/>
+                <a:ea typeface="+mn-ea"/>
+                <a:cs typeface="+mn-cs"/>
+              </a:defRPr>
+            </a:lvl5pPr>
+            <a:lvl6pPr marL="2286000" algn="l" defTabSz="914400" rtl="0" eaLnBrk="1" latinLnBrk="0" hangingPunct="1">
+              <a:defRPr sz="1800" kern="1200">
+                <a:solidFill>
+                  <a:schemeClr val="lt1"/>
+                </a:solidFill>
+                <a:latin typeface="+mn-lt"/>
+                <a:ea typeface="+mn-ea"/>
+                <a:cs typeface="+mn-cs"/>
+              </a:defRPr>
+            </a:lvl6pPr>
+            <a:lvl7pPr marL="2743200" algn="l" defTabSz="914400" rtl="0" eaLnBrk="1" latinLnBrk="0" hangingPunct="1">
+              <a:defRPr sz="1800" kern="1200">
+                <a:solidFill>
+                  <a:schemeClr val="lt1"/>
+                </a:solidFill>
+                <a:latin typeface="+mn-lt"/>
+                <a:ea typeface="+mn-ea"/>
+                <a:cs typeface="+mn-cs"/>
+              </a:defRPr>
+            </a:lvl7pPr>
+            <a:lvl8pPr marL="3200400" algn="l" defTabSz="914400" rtl="0" eaLnBrk="1" latinLnBrk="0" hangingPunct="1">
+              <a:defRPr sz="1800" kern="1200">
+                <a:solidFill>
+                  <a:schemeClr val="lt1"/>
+                </a:solidFill>
+                <a:latin typeface="+mn-lt"/>
+                <a:ea typeface="+mn-ea"/>
+                <a:cs typeface="+mn-cs"/>
+              </a:defRPr>
+            </a:lvl8pPr>
+            <a:lvl9pPr marL="3657600" algn="l" defTabSz="914400" rtl="0" eaLnBrk="1" latinLnBrk="0" hangingPunct="1">
+              <a:defRPr sz="1800" kern="1200">
+                <a:solidFill>
+                  <a:schemeClr val="lt1"/>
+                </a:solidFill>
+                <a:latin typeface="+mn-lt"/>
+                <a:ea typeface="+mn-ea"/>
+                <a:cs typeface="+mn-cs"/>
+              </a:defRPr>
+            </a:lvl9pPr>
+          </a:lstStyle>
+          <a:p>
+            <a:pPr algn="ctr"/>
+            <a:r>
+              <a:rPr lang="fr-BE" sz="1200" b="1" dirty="0"/>
+              <a:t>1</a:t>
+            </a:r>
+            <a:endParaRPr lang="en-US" b="1" dirty="0"/>
+          </a:p>
+        </p:txBody>
+      </p:sp>
+      <p:cxnSp>
+        <p:nvCxnSpPr>
+          <p:cNvPr id="15" name="Connecteur : en angle 14">
+            <a:extLst>
+              <a:ext uri="{FF2B5EF4-FFF2-40B4-BE49-F238E27FC236}">
+                <a16:creationId xmlns:a16="http://schemas.microsoft.com/office/drawing/2014/main" id="{117F5E25-C653-4C99-8E7C-C6757C561084}"/>
+              </a:ext>
+            </a:extLst>
+          </p:cNvPr>
+          <p:cNvCxnSpPr>
+            <a:stCxn id="8" idx="3"/>
+            <a:endCxn id="6" idx="3"/>
+          </p:cNvCxnSpPr>
+          <p:nvPr/>
+        </p:nvCxnSpPr>
+        <p:spPr>
+          <a:xfrm>
+            <a:off x="5287648" y="1598260"/>
+            <a:ext cx="775156" cy="4581866"/>
+          </a:xfrm>
+          <a:prstGeom prst="bentConnector3">
+            <a:avLst>
+              <a:gd name="adj1" fmla="val 129491"/>
+            </a:avLst>
+          </a:prstGeom>
+          <a:ln>
+            <a:solidFill>
+              <a:schemeClr val="tx1"/>
+            </a:solidFill>
+            <a:tailEnd type="triangle"/>
+          </a:ln>
+        </p:spPr>
+        <p:style>
+          <a:lnRef idx="1">
+            <a:schemeClr val="accent1"/>
+          </a:lnRef>
+          <a:fillRef idx="0">
+            <a:schemeClr val="accent1"/>
+          </a:fillRef>
+          <a:effectRef idx="0">
+            <a:schemeClr val="accent1"/>
+          </a:effectRef>
+          <a:fontRef idx="minor">
+            <a:schemeClr val="tx1"/>
+          </a:fontRef>
+        </p:style>
+      </p:cxnSp>
+      <p:sp>
+        <p:nvSpPr>
+          <p:cNvPr id="16" name="TextBox 11">
+            <a:extLst>
+              <a:ext uri="{FF2B5EF4-FFF2-40B4-BE49-F238E27FC236}">
+                <a16:creationId xmlns:a16="http://schemas.microsoft.com/office/drawing/2014/main" id="{F54328CE-8E8F-4528-A965-894159E37636}"/>
+              </a:ext>
+            </a:extLst>
+          </p:cNvPr>
+          <p:cNvSpPr txBox="1"/>
+          <p:nvPr/>
+        </p:nvSpPr>
+        <p:spPr>
+          <a:xfrm>
+            <a:off x="6341480" y="3382300"/>
+            <a:ext cx="1800200" cy="600164"/>
+          </a:xfrm>
+          <a:prstGeom prst="rect">
+            <a:avLst/>
+          </a:prstGeom>
+          <a:noFill/>
+        </p:spPr>
+        <p:txBody>
+          <a:bodyPr wrap="square" rtlCol="0">
+            <a:spAutoFit/>
+          </a:bodyPr>
+          <a:lstStyle/>
+          <a:p>
+            <a:r>
+              <a:rPr lang="fr-BE" sz="1100" dirty="0" err="1"/>
+              <a:t>Returns</a:t>
+            </a:r>
+            <a:r>
+              <a:rPr lang="fr-BE" sz="1100" dirty="0"/>
+              <a:t> the </a:t>
+            </a:r>
+            <a:r>
+              <a:rPr lang="fr-BE" sz="1100" dirty="0" err="1"/>
+              <a:t>status</a:t>
+            </a:r>
+            <a:r>
+              <a:rPr lang="fr-BE" sz="1100" dirty="0"/>
+              <a:t> of the session (</a:t>
+            </a:r>
+            <a:r>
+              <a:rPr lang="fr-BE" sz="1100" dirty="0" err="1"/>
+              <a:t>unchanged</a:t>
+            </a:r>
+            <a:r>
+              <a:rPr lang="fr-BE" sz="1100" dirty="0"/>
+              <a:t>, </a:t>
+            </a:r>
+            <a:r>
+              <a:rPr lang="fr-BE" sz="1100" dirty="0" err="1"/>
+              <a:t>changed</a:t>
+            </a:r>
+            <a:r>
+              <a:rPr lang="fr-BE" sz="1100" dirty="0"/>
+              <a:t>, </a:t>
+            </a:r>
+            <a:r>
+              <a:rPr lang="fr-BE" sz="1100" dirty="0" err="1"/>
+              <a:t>error</a:t>
+            </a:r>
+            <a:r>
+              <a:rPr lang="fr-BE" sz="1100" dirty="0"/>
+              <a:t>)</a:t>
+            </a:r>
+            <a:endParaRPr lang="en-US" sz="1100" dirty="0"/>
+          </a:p>
+        </p:txBody>
+      </p:sp>
+      <p:sp>
+        <p:nvSpPr>
+          <p:cNvPr id="17" name="Flowchart: Connector 10">
+            <a:extLst>
+              <a:ext uri="{FF2B5EF4-FFF2-40B4-BE49-F238E27FC236}">
+                <a16:creationId xmlns:a16="http://schemas.microsoft.com/office/drawing/2014/main" id="{40E8C603-6894-410D-B7F3-FDCC8791C503}"/>
+              </a:ext>
+            </a:extLst>
+          </p:cNvPr>
+          <p:cNvSpPr>
+            <a:spLocks noChangeAspect="1"/>
+          </p:cNvSpPr>
+          <p:nvPr/>
+        </p:nvSpPr>
+        <p:spPr>
+          <a:xfrm>
+            <a:off x="6199181" y="3627089"/>
+            <a:ext cx="174736" cy="174736"/>
+          </a:xfrm>
+          <a:prstGeom prst="flowChartConnector">
+            <a:avLst/>
+          </a:prstGeom>
+          <a:solidFill>
+            <a:schemeClr val="tx1"/>
+          </a:solidFill>
+          <a:ln>
+            <a:solidFill>
+              <a:schemeClr val="tx1"/>
+            </a:solidFill>
+          </a:ln>
+        </p:spPr>
+        <p:style>
+          <a:lnRef idx="2">
+            <a:schemeClr val="accent1">
+              <a:shade val="50000"/>
+            </a:schemeClr>
+          </a:lnRef>
+          <a:fillRef idx="1">
+            <a:schemeClr val="accent1"/>
+          </a:fillRef>
+          <a:effectRef idx="0">
+            <a:schemeClr val="accent1"/>
+          </a:effectRef>
+          <a:fontRef idx="minor">
+            <a:schemeClr val="lt1"/>
+          </a:fontRef>
+        </p:style>
+        <p:txBody>
+          <a:bodyPr rtlCol="0" anchor="ctr"/>
+          <a:lstStyle>
+            <a:defPPr>
+              <a:defRPr lang="en-US"/>
+            </a:defPPr>
+            <a:lvl1pPr marL="0" algn="l" defTabSz="914400" rtl="0" eaLnBrk="1" latinLnBrk="0" hangingPunct="1">
+              <a:defRPr sz="1800" kern="1200">
+                <a:solidFill>
+                  <a:schemeClr val="lt1"/>
+                </a:solidFill>
+                <a:latin typeface="+mn-lt"/>
+                <a:ea typeface="+mn-ea"/>
+                <a:cs typeface="+mn-cs"/>
+              </a:defRPr>
+            </a:lvl1pPr>
+            <a:lvl2pPr marL="457200" algn="l" defTabSz="914400" rtl="0" eaLnBrk="1" latinLnBrk="0" hangingPunct="1">
+              <a:defRPr sz="1800" kern="1200">
+                <a:solidFill>
+                  <a:schemeClr val="lt1"/>
+                </a:solidFill>
+                <a:latin typeface="+mn-lt"/>
+                <a:ea typeface="+mn-ea"/>
+                <a:cs typeface="+mn-cs"/>
+              </a:defRPr>
+            </a:lvl2pPr>
+            <a:lvl3pPr marL="914400" algn="l" defTabSz="914400" rtl="0" eaLnBrk="1" latinLnBrk="0" hangingPunct="1">
+              <a:defRPr sz="1800" kern="1200">
+                <a:solidFill>
+                  <a:schemeClr val="lt1"/>
+                </a:solidFill>
+                <a:latin typeface="+mn-lt"/>
+                <a:ea typeface="+mn-ea"/>
+                <a:cs typeface="+mn-cs"/>
+              </a:defRPr>
+            </a:lvl3pPr>
+            <a:lvl4pPr marL="1371600" algn="l" defTabSz="914400" rtl="0" eaLnBrk="1" latinLnBrk="0" hangingPunct="1">
+              <a:defRPr sz="1800" kern="1200">
+                <a:solidFill>
+                  <a:schemeClr val="lt1"/>
+                </a:solidFill>
+                <a:latin typeface="+mn-lt"/>
+                <a:ea typeface="+mn-ea"/>
+                <a:cs typeface="+mn-cs"/>
+              </a:defRPr>
+            </a:lvl4pPr>
+            <a:lvl5pPr marL="1828800" algn="l" defTabSz="914400" rtl="0" eaLnBrk="1" latinLnBrk="0" hangingPunct="1">
+              <a:defRPr sz="1800" kern="1200">
+                <a:solidFill>
+                  <a:schemeClr val="lt1"/>
+                </a:solidFill>
+                <a:latin typeface="+mn-lt"/>
+                <a:ea typeface="+mn-ea"/>
+                <a:cs typeface="+mn-cs"/>
+              </a:defRPr>
+            </a:lvl5pPr>
+            <a:lvl6pPr marL="2286000" algn="l" defTabSz="914400" rtl="0" eaLnBrk="1" latinLnBrk="0" hangingPunct="1">
+              <a:defRPr sz="1800" kern="1200">
+                <a:solidFill>
+                  <a:schemeClr val="lt1"/>
+                </a:solidFill>
+                <a:latin typeface="+mn-lt"/>
+                <a:ea typeface="+mn-ea"/>
+                <a:cs typeface="+mn-cs"/>
+              </a:defRPr>
+            </a:lvl6pPr>
+            <a:lvl7pPr marL="2743200" algn="l" defTabSz="914400" rtl="0" eaLnBrk="1" latinLnBrk="0" hangingPunct="1">
+              <a:defRPr sz="1800" kern="1200">
+                <a:solidFill>
+                  <a:schemeClr val="lt1"/>
+                </a:solidFill>
+                <a:latin typeface="+mn-lt"/>
+                <a:ea typeface="+mn-ea"/>
+                <a:cs typeface="+mn-cs"/>
+              </a:defRPr>
+            </a:lvl7pPr>
+            <a:lvl8pPr marL="3200400" algn="l" defTabSz="914400" rtl="0" eaLnBrk="1" latinLnBrk="0" hangingPunct="1">
+              <a:defRPr sz="1800" kern="1200">
+                <a:solidFill>
+                  <a:schemeClr val="lt1"/>
+                </a:solidFill>
+                <a:latin typeface="+mn-lt"/>
+                <a:ea typeface="+mn-ea"/>
+                <a:cs typeface="+mn-cs"/>
+              </a:defRPr>
+            </a:lvl8pPr>
+            <a:lvl9pPr marL="3657600" algn="l" defTabSz="914400" rtl="0" eaLnBrk="1" latinLnBrk="0" hangingPunct="1">
+              <a:defRPr sz="1800" kern="1200">
+                <a:solidFill>
+                  <a:schemeClr val="lt1"/>
+                </a:solidFill>
+                <a:latin typeface="+mn-lt"/>
+                <a:ea typeface="+mn-ea"/>
+                <a:cs typeface="+mn-cs"/>
+              </a:defRPr>
+            </a:lvl9pPr>
+          </a:lstStyle>
+          <a:p>
+            <a:pPr algn="ctr"/>
+            <a:r>
+              <a:rPr lang="fr-BE" sz="1200" b="1" dirty="0"/>
+              <a:t>2</a:t>
+            </a:r>
+            <a:endParaRPr lang="en-US" b="1" dirty="0"/>
+          </a:p>
+        </p:txBody>
+      </p:sp>
+    </p:spTree>
+    <p:extLst>
+      <p:ext uri="{BB962C8B-B14F-4D97-AF65-F5344CB8AC3E}">
+        <p14:creationId xmlns:p14="http://schemas.microsoft.com/office/powerpoint/2010/main" val="1737383065"/>
+      </p:ext>
+    </p:extLst>
+  </p:cSld>
+  <p:clrMapOvr>
+    <a:masterClrMapping/>
+  </p:clrMapOvr>
+</p:sld>
+</file>
+
+<file path=ppt/slides/slide6.xml><?xml version="1.0" encoding="utf-8"?>
+<p:sld xmlns:a="http://schemas.openxmlformats.org/drawingml/2006/main" xmlns:r="http://schemas.openxmlformats.org/officeDocument/2006/relationships" xmlns:p="http://schemas.openxmlformats.org/presentationml/2006/main">
+  <p:cSld>
+    <p:spTree>
+      <p:nvGrpSpPr>
+        <p:cNvPr id="1" name=""/>
+        <p:cNvGrpSpPr/>
+        <p:nvPr/>
+      </p:nvGrpSpPr>
+      <p:grpSpPr>
+        <a:xfrm>
+          <a:off x="0" y="0"/>
+          <a:ext cx="0" cy="0"/>
+          <a:chOff x="0" y="0"/>
+          <a:chExt cx="0" cy="0"/>
+        </a:xfrm>
+      </p:grpSpPr>
+      <p:sp>
+        <p:nvSpPr>
+          <p:cNvPr id="4" name="Rectangle 3">
+            <a:extLst>
+              <a:ext uri="{FF2B5EF4-FFF2-40B4-BE49-F238E27FC236}">
+                <a16:creationId xmlns:a16="http://schemas.microsoft.com/office/drawing/2014/main" id="{62CC2E0C-0C15-4EB5-91CC-B38026AD1E3B}"/>
+              </a:ext>
+            </a:extLst>
+          </p:cNvPr>
+          <p:cNvSpPr/>
+          <p:nvPr/>
+        </p:nvSpPr>
+        <p:spPr>
+          <a:xfrm>
+            <a:off x="3381117" y="188640"/>
+            <a:ext cx="2339786" cy="358188"/>
+          </a:xfrm>
+          <a:prstGeom prst="rect">
+            <a:avLst/>
+          </a:prstGeom>
+          <a:noFill/>
+          <a:ln>
+            <a:solidFill>
+              <a:schemeClr val="tx1"/>
+            </a:solidFill>
+          </a:ln>
+        </p:spPr>
+        <p:style>
+          <a:lnRef idx="2">
+            <a:schemeClr val="accent1">
+              <a:shade val="50000"/>
+            </a:schemeClr>
+          </a:lnRef>
+          <a:fillRef idx="1">
+            <a:schemeClr val="accent1"/>
+          </a:fillRef>
+          <a:effectRef idx="0">
+            <a:schemeClr val="accent1"/>
+          </a:effectRef>
+          <a:fontRef idx="minor">
+            <a:schemeClr val="lt1"/>
+          </a:fontRef>
+        </p:style>
+        <p:txBody>
+          <a:bodyPr rot="0" spcFirstLastPara="0" vert="horz" wrap="square" lIns="91440" tIns="45720" rIns="91440" bIns="45720" numCol="1" spcCol="0" rtlCol="0" fromWordArt="0" anchor="b" anchorCtr="0" forceAA="0" compatLnSpc="1">
+            <a:prstTxWarp prst="textNoShape">
+              <a:avLst/>
+            </a:prstTxWarp>
+            <a:noAutofit/>
+          </a:bodyPr>
+          <a:lstStyle/>
+          <a:p>
+            <a:pPr algn="ctr"/>
+            <a:r>
+              <a:rPr lang="fr-BE" sz="1600" dirty="0" err="1">
+                <a:solidFill>
+                  <a:schemeClr val="tx1"/>
+                </a:solidFill>
+              </a:rPr>
+              <a:t>OpenId</a:t>
+            </a:r>
+            <a:r>
+              <a:rPr lang="fr-BE" sz="1600" dirty="0">
+                <a:solidFill>
+                  <a:schemeClr val="tx1"/>
+                </a:solidFill>
+              </a:rPr>
+              <a:t> Host</a:t>
+            </a:r>
+            <a:endParaRPr lang="en-US" sz="1600" dirty="0">
+              <a:solidFill>
+                <a:schemeClr val="tx1"/>
+              </a:solidFill>
+            </a:endParaRPr>
+          </a:p>
+        </p:txBody>
+      </p:sp>
+      <p:sp>
+        <p:nvSpPr>
+          <p:cNvPr id="39" name="Rectangle 38">
+            <a:extLst>
+              <a:ext uri="{FF2B5EF4-FFF2-40B4-BE49-F238E27FC236}">
+                <a16:creationId xmlns:a16="http://schemas.microsoft.com/office/drawing/2014/main" id="{4270CF64-6660-4F22-8769-95DC46702E7E}"/>
+              </a:ext>
+            </a:extLst>
+          </p:cNvPr>
+          <p:cNvSpPr/>
+          <p:nvPr/>
+        </p:nvSpPr>
+        <p:spPr>
+          <a:xfrm>
+            <a:off x="2401265" y="1772815"/>
+            <a:ext cx="1871263" cy="395705"/>
+          </a:xfrm>
+          <a:prstGeom prst="rect">
+            <a:avLst/>
+          </a:prstGeom>
+          <a:noFill/>
+          <a:ln>
+            <a:solidFill>
+              <a:schemeClr val="tx1"/>
+            </a:solidFill>
+          </a:ln>
+        </p:spPr>
+        <p:style>
+          <a:lnRef idx="2">
+            <a:schemeClr val="accent1">
+              <a:shade val="50000"/>
+            </a:schemeClr>
+          </a:lnRef>
+          <a:fillRef idx="1">
+            <a:schemeClr val="accent1"/>
+          </a:fillRef>
+          <a:effectRef idx="0">
+            <a:schemeClr val="accent1"/>
+          </a:effectRef>
+          <a:fontRef idx="minor">
+            <a:schemeClr val="lt1"/>
+          </a:fontRef>
+        </p:style>
+        <p:txBody>
+          <a:bodyPr rot="0" spcFirstLastPara="0" vert="horz" wrap="square" lIns="91440" tIns="45720" rIns="91440" bIns="45720" numCol="1" spcCol="0" rtlCol="0" fromWordArt="0" anchor="b" anchorCtr="0" forceAA="0" compatLnSpc="1">
+            <a:prstTxWarp prst="textNoShape">
+              <a:avLst/>
+            </a:prstTxWarp>
+            <a:noAutofit/>
+          </a:bodyPr>
+          <a:lstStyle/>
+          <a:p>
+            <a:pPr algn="ctr"/>
+            <a:r>
+              <a:rPr lang="fr-BE" sz="1600" dirty="0" err="1">
+                <a:solidFill>
+                  <a:schemeClr val="tx1"/>
+                </a:solidFill>
+              </a:rPr>
+              <a:t>OAuthRepository</a:t>
+            </a:r>
+            <a:endParaRPr lang="en-US" sz="1600" dirty="0">
+              <a:solidFill>
+                <a:schemeClr val="tx1"/>
+              </a:solidFill>
+            </a:endParaRPr>
+          </a:p>
+        </p:txBody>
+      </p:sp>
+      <p:sp>
+        <p:nvSpPr>
+          <p:cNvPr id="40" name="Rectangle 39">
+            <a:extLst>
+              <a:ext uri="{FF2B5EF4-FFF2-40B4-BE49-F238E27FC236}">
+                <a16:creationId xmlns:a16="http://schemas.microsoft.com/office/drawing/2014/main" id="{0A5E5B06-48A4-42FA-8A38-EC087266DF0A}"/>
+              </a:ext>
+            </a:extLst>
+          </p:cNvPr>
+          <p:cNvSpPr/>
+          <p:nvPr/>
+        </p:nvSpPr>
+        <p:spPr>
+          <a:xfrm>
+            <a:off x="251520" y="1772816"/>
+            <a:ext cx="1871263" cy="395705"/>
+          </a:xfrm>
+          <a:prstGeom prst="rect">
+            <a:avLst/>
+          </a:prstGeom>
+          <a:noFill/>
+          <a:ln>
+            <a:solidFill>
+              <a:schemeClr val="tx1"/>
+            </a:solidFill>
+          </a:ln>
+        </p:spPr>
+        <p:style>
+          <a:lnRef idx="2">
+            <a:schemeClr val="accent1">
+              <a:shade val="50000"/>
+            </a:schemeClr>
+          </a:lnRef>
+          <a:fillRef idx="1">
+            <a:schemeClr val="accent1"/>
+          </a:fillRef>
+          <a:effectRef idx="0">
+            <a:schemeClr val="accent1"/>
+          </a:effectRef>
+          <a:fontRef idx="minor">
+            <a:schemeClr val="lt1"/>
+          </a:fontRef>
+        </p:style>
+        <p:txBody>
+          <a:bodyPr rot="0" spcFirstLastPara="0" vert="horz" wrap="square" lIns="91440" tIns="45720" rIns="91440" bIns="45720" numCol="1" spcCol="0" rtlCol="0" fromWordArt="0" anchor="b" anchorCtr="0" forceAA="0" compatLnSpc="1">
+            <a:prstTxWarp prst="textNoShape">
+              <a:avLst/>
+            </a:prstTxWarp>
+            <a:noAutofit/>
+          </a:bodyPr>
+          <a:lstStyle/>
+          <a:p>
+            <a:pPr algn="ctr"/>
+            <a:r>
+              <a:rPr lang="en-US" sz="1600" dirty="0" err="1">
+                <a:solidFill>
+                  <a:schemeClr val="tx1"/>
+                </a:solidFill>
+              </a:rPr>
+              <a:t>OAuthStorage</a:t>
+            </a:r>
+            <a:endParaRPr lang="en-US" sz="1600" dirty="0">
+              <a:solidFill>
+                <a:schemeClr val="tx1"/>
+              </a:solidFill>
+            </a:endParaRPr>
+          </a:p>
+        </p:txBody>
+      </p:sp>
+      <p:cxnSp>
+        <p:nvCxnSpPr>
+          <p:cNvPr id="64" name="Connecteur droit avec flèche 63">
+            <a:extLst>
+              <a:ext uri="{FF2B5EF4-FFF2-40B4-BE49-F238E27FC236}">
+                <a16:creationId xmlns:a16="http://schemas.microsoft.com/office/drawing/2014/main" id="{EBB42814-CCE7-4EFA-8E15-14D73B8134E4}"/>
+              </a:ext>
+            </a:extLst>
+          </p:cNvPr>
+          <p:cNvCxnSpPr>
+            <a:stCxn id="40" idx="0"/>
+            <a:endCxn id="4" idx="2"/>
+          </p:cNvCxnSpPr>
+          <p:nvPr/>
+        </p:nvCxnSpPr>
+        <p:spPr>
+          <a:xfrm flipV="1">
+            <a:off x="1187152" y="546828"/>
+            <a:ext cx="3363858" cy="1225988"/>
+          </a:xfrm>
+          <a:prstGeom prst="straightConnector1">
+            <a:avLst/>
+          </a:prstGeom>
+          <a:ln>
+            <a:solidFill>
+              <a:schemeClr val="tx1"/>
+            </a:solidFill>
+            <a:tailEnd type="triangle"/>
+          </a:ln>
+        </p:spPr>
+        <p:style>
+          <a:lnRef idx="1">
+            <a:schemeClr val="accent1"/>
+          </a:lnRef>
+          <a:fillRef idx="0">
+            <a:schemeClr val="accent1"/>
+          </a:fillRef>
+          <a:effectRef idx="0">
+            <a:schemeClr val="accent1"/>
+          </a:effectRef>
+          <a:fontRef idx="minor">
+            <a:schemeClr val="tx1"/>
+          </a:fontRef>
+        </p:style>
+      </p:cxnSp>
+      <p:cxnSp>
+        <p:nvCxnSpPr>
+          <p:cNvPr id="66" name="Connecteur droit avec flèche 65">
+            <a:extLst>
+              <a:ext uri="{FF2B5EF4-FFF2-40B4-BE49-F238E27FC236}">
+                <a16:creationId xmlns:a16="http://schemas.microsoft.com/office/drawing/2014/main" id="{DDA59763-9CCA-46BD-9D90-80BDD2582BB1}"/>
+              </a:ext>
+            </a:extLst>
+          </p:cNvPr>
+          <p:cNvCxnSpPr>
+            <a:stCxn id="39" idx="0"/>
+            <a:endCxn id="4" idx="2"/>
+          </p:cNvCxnSpPr>
+          <p:nvPr/>
+        </p:nvCxnSpPr>
+        <p:spPr>
+          <a:xfrm flipV="1">
+            <a:off x="3336897" y="546828"/>
+            <a:ext cx="1214113" cy="1225987"/>
+          </a:xfrm>
+          <a:prstGeom prst="straightConnector1">
+            <a:avLst/>
+          </a:prstGeom>
+          <a:ln>
+            <a:solidFill>
+              <a:schemeClr val="tx1"/>
+            </a:solidFill>
+            <a:tailEnd type="triangle"/>
+          </a:ln>
+        </p:spPr>
+        <p:style>
+          <a:lnRef idx="1">
+            <a:schemeClr val="accent1"/>
+          </a:lnRef>
+          <a:fillRef idx="0">
+            <a:schemeClr val="accent1"/>
+          </a:fillRef>
+          <a:effectRef idx="0">
+            <a:schemeClr val="accent1"/>
+          </a:effectRef>
+          <a:fontRef idx="minor">
+            <a:schemeClr val="tx1"/>
+          </a:fontRef>
+        </p:style>
+      </p:cxnSp>
+      <p:sp>
+        <p:nvSpPr>
+          <p:cNvPr id="67" name="Rectangle 66">
+            <a:extLst>
+              <a:ext uri="{FF2B5EF4-FFF2-40B4-BE49-F238E27FC236}">
+                <a16:creationId xmlns:a16="http://schemas.microsoft.com/office/drawing/2014/main" id="{12FF22A6-43BD-4956-81DF-B2BE5A4EF3C2}"/>
+              </a:ext>
+            </a:extLst>
+          </p:cNvPr>
+          <p:cNvSpPr/>
+          <p:nvPr/>
+        </p:nvSpPr>
+        <p:spPr>
+          <a:xfrm>
+            <a:off x="4592992" y="1777030"/>
+            <a:ext cx="1871263" cy="395705"/>
+          </a:xfrm>
+          <a:prstGeom prst="rect">
+            <a:avLst/>
+          </a:prstGeom>
+          <a:noFill/>
+          <a:ln>
+            <a:solidFill>
+              <a:schemeClr val="tx1"/>
+            </a:solidFill>
+          </a:ln>
+        </p:spPr>
+        <p:style>
+          <a:lnRef idx="2">
+            <a:schemeClr val="accent1">
+              <a:shade val="50000"/>
+            </a:schemeClr>
+          </a:lnRef>
+          <a:fillRef idx="1">
+            <a:schemeClr val="accent1"/>
+          </a:fillRef>
+          <a:effectRef idx="0">
+            <a:schemeClr val="accent1"/>
+          </a:effectRef>
+          <a:fontRef idx="minor">
+            <a:schemeClr val="lt1"/>
+          </a:fontRef>
+        </p:style>
+        <p:txBody>
+          <a:bodyPr rot="0" spcFirstLastPara="0" vert="horz" wrap="square" lIns="91440" tIns="45720" rIns="91440" bIns="45720" numCol="1" spcCol="0" rtlCol="0" fromWordArt="0" anchor="b" anchorCtr="0" forceAA="0" compatLnSpc="1">
+            <a:prstTxWarp prst="textNoShape">
+              <a:avLst/>
+            </a:prstTxWarp>
+            <a:noAutofit/>
+          </a:bodyPr>
+          <a:lstStyle/>
+          <a:p>
+            <a:pPr algn="ctr"/>
+            <a:r>
+              <a:rPr lang="fr-BE" sz="1600" dirty="0" err="1">
+                <a:solidFill>
+                  <a:schemeClr val="tx1"/>
+                </a:solidFill>
+              </a:rPr>
+              <a:t>EventsHandler</a:t>
+            </a:r>
+            <a:endParaRPr lang="en-US" sz="1600" dirty="0">
+              <a:solidFill>
+                <a:schemeClr val="tx1"/>
+              </a:solidFill>
+            </a:endParaRPr>
+          </a:p>
+        </p:txBody>
+      </p:sp>
+      <p:cxnSp>
+        <p:nvCxnSpPr>
+          <p:cNvPr id="68" name="Connecteur droit avec flèche 67">
+            <a:extLst>
+              <a:ext uri="{FF2B5EF4-FFF2-40B4-BE49-F238E27FC236}">
+                <a16:creationId xmlns:a16="http://schemas.microsoft.com/office/drawing/2014/main" id="{C8F24045-02F3-4A2B-AC42-CF582D73E34C}"/>
+              </a:ext>
+            </a:extLst>
+          </p:cNvPr>
+          <p:cNvCxnSpPr>
+            <a:cxnSpLocks/>
+            <a:stCxn id="67" idx="0"/>
+            <a:endCxn id="4" idx="2"/>
+          </p:cNvCxnSpPr>
+          <p:nvPr/>
+        </p:nvCxnSpPr>
+        <p:spPr>
+          <a:xfrm flipH="1" flipV="1">
+            <a:off x="4551010" y="546828"/>
+            <a:ext cx="977614" cy="1230202"/>
+          </a:xfrm>
+          <a:prstGeom prst="straightConnector1">
+            <a:avLst/>
+          </a:prstGeom>
+          <a:ln>
+            <a:solidFill>
+              <a:schemeClr val="tx1"/>
+            </a:solidFill>
+            <a:tailEnd type="triangle"/>
+          </a:ln>
+        </p:spPr>
+        <p:style>
+          <a:lnRef idx="1">
+            <a:schemeClr val="accent1"/>
+          </a:lnRef>
+          <a:fillRef idx="0">
+            <a:schemeClr val="accent1"/>
+          </a:fillRef>
+          <a:effectRef idx="0">
+            <a:schemeClr val="accent1"/>
+          </a:effectRef>
+          <a:fontRef idx="minor">
+            <a:schemeClr val="tx1"/>
+          </a:fontRef>
+        </p:style>
+      </p:cxnSp>
+      <p:sp>
+        <p:nvSpPr>
+          <p:cNvPr id="71" name="Rectangle 70">
+            <a:extLst>
+              <a:ext uri="{FF2B5EF4-FFF2-40B4-BE49-F238E27FC236}">
+                <a16:creationId xmlns:a16="http://schemas.microsoft.com/office/drawing/2014/main" id="{7A2B195E-7059-4BCF-AC30-7ABEB5A2F965}"/>
+              </a:ext>
+            </a:extLst>
+          </p:cNvPr>
+          <p:cNvSpPr/>
+          <p:nvPr/>
+        </p:nvSpPr>
+        <p:spPr>
+          <a:xfrm>
+            <a:off x="6740499" y="1772814"/>
+            <a:ext cx="1871263" cy="395705"/>
+          </a:xfrm>
+          <a:prstGeom prst="rect">
+            <a:avLst/>
+          </a:prstGeom>
+          <a:noFill/>
+          <a:ln>
+            <a:solidFill>
+              <a:schemeClr val="tx1"/>
+            </a:solidFill>
+          </a:ln>
+        </p:spPr>
+        <p:style>
+          <a:lnRef idx="2">
+            <a:schemeClr val="accent1">
+              <a:shade val="50000"/>
+            </a:schemeClr>
+          </a:lnRef>
+          <a:fillRef idx="1">
+            <a:schemeClr val="accent1"/>
+          </a:fillRef>
+          <a:effectRef idx="0">
+            <a:schemeClr val="accent1"/>
+          </a:effectRef>
+          <a:fontRef idx="minor">
+            <a:schemeClr val="lt1"/>
+          </a:fontRef>
+        </p:style>
+        <p:txBody>
+          <a:bodyPr rot="0" spcFirstLastPara="0" vert="horz" wrap="square" lIns="91440" tIns="45720" rIns="91440" bIns="45720" numCol="1" spcCol="0" rtlCol="0" fromWordArt="0" anchor="b" anchorCtr="0" forceAA="0" compatLnSpc="1">
+            <a:prstTxWarp prst="textNoShape">
+              <a:avLst/>
+            </a:prstTxWarp>
+            <a:noAutofit/>
+          </a:bodyPr>
+          <a:lstStyle/>
+          <a:p>
+            <a:pPr algn="ctr"/>
+            <a:r>
+              <a:rPr lang="fr-BE" sz="1600" dirty="0">
+                <a:solidFill>
+                  <a:schemeClr val="tx1"/>
+                </a:solidFill>
+              </a:rPr>
+              <a:t>UI Components</a:t>
+            </a:r>
+            <a:endParaRPr lang="en-US" sz="1600" dirty="0">
+              <a:solidFill>
+                <a:schemeClr val="tx1"/>
+              </a:solidFill>
+            </a:endParaRPr>
+          </a:p>
+        </p:txBody>
+      </p:sp>
+      <p:cxnSp>
+        <p:nvCxnSpPr>
+          <p:cNvPr id="72" name="Connecteur droit avec flèche 71">
+            <a:extLst>
+              <a:ext uri="{FF2B5EF4-FFF2-40B4-BE49-F238E27FC236}">
+                <a16:creationId xmlns:a16="http://schemas.microsoft.com/office/drawing/2014/main" id="{D7300ADC-1F8E-4643-AA3F-50238017064B}"/>
+              </a:ext>
+            </a:extLst>
+          </p:cNvPr>
+          <p:cNvCxnSpPr>
+            <a:cxnSpLocks/>
+            <a:stCxn id="71" idx="0"/>
+            <a:endCxn id="4" idx="2"/>
+          </p:cNvCxnSpPr>
+          <p:nvPr/>
+        </p:nvCxnSpPr>
+        <p:spPr>
+          <a:xfrm flipH="1" flipV="1">
+            <a:off x="4551010" y="546828"/>
+            <a:ext cx="3125121" cy="1225986"/>
+          </a:xfrm>
+          <a:prstGeom prst="straightConnector1">
+            <a:avLst/>
+          </a:prstGeom>
+          <a:ln>
+            <a:solidFill>
+              <a:schemeClr val="tx1"/>
+            </a:solidFill>
+            <a:tailEnd type="triangle"/>
+          </a:ln>
+        </p:spPr>
+        <p:style>
+          <a:lnRef idx="1">
+            <a:schemeClr val="accent1"/>
+          </a:lnRef>
+          <a:fillRef idx="0">
+            <a:schemeClr val="accent1"/>
+          </a:fillRef>
+          <a:effectRef idx="0">
+            <a:schemeClr val="accent1"/>
+          </a:effectRef>
+          <a:fontRef idx="minor">
+            <a:schemeClr val="tx1"/>
+          </a:fontRef>
+        </p:style>
+      </p:cxnSp>
+      <p:sp>
+        <p:nvSpPr>
+          <p:cNvPr id="75" name="Rectangle 74">
+            <a:extLst>
+              <a:ext uri="{FF2B5EF4-FFF2-40B4-BE49-F238E27FC236}">
+                <a16:creationId xmlns:a16="http://schemas.microsoft.com/office/drawing/2014/main" id="{D279841F-A509-4EE5-9D47-8FF583203A38}"/>
+              </a:ext>
+            </a:extLst>
+          </p:cNvPr>
+          <p:cNvSpPr/>
+          <p:nvPr/>
+        </p:nvSpPr>
+        <p:spPr>
+          <a:xfrm>
+            <a:off x="2445485" y="3231147"/>
+            <a:ext cx="1871263" cy="395705"/>
+          </a:xfrm>
+          <a:prstGeom prst="rect">
+            <a:avLst/>
+          </a:prstGeom>
+          <a:noFill/>
+          <a:ln>
+            <a:solidFill>
+              <a:schemeClr val="tx1"/>
+            </a:solidFill>
+          </a:ln>
+        </p:spPr>
+        <p:style>
+          <a:lnRef idx="2">
+            <a:schemeClr val="accent1">
+              <a:shade val="50000"/>
+            </a:schemeClr>
+          </a:lnRef>
+          <a:fillRef idx="1">
+            <a:schemeClr val="accent1"/>
+          </a:fillRef>
+          <a:effectRef idx="0">
+            <a:schemeClr val="accent1"/>
+          </a:effectRef>
+          <a:fontRef idx="minor">
+            <a:schemeClr val="lt1"/>
+          </a:fontRef>
+        </p:style>
+        <p:txBody>
+          <a:bodyPr rot="0" spcFirstLastPara="0" vert="horz" wrap="square" lIns="91440" tIns="45720" rIns="91440" bIns="45720" numCol="1" spcCol="0" rtlCol="0" fromWordArt="0" anchor="b" anchorCtr="0" forceAA="0" compatLnSpc="1">
+            <a:prstTxWarp prst="textNoShape">
+              <a:avLst/>
+            </a:prstTxWarp>
+            <a:noAutofit/>
+          </a:bodyPr>
+          <a:lstStyle/>
+          <a:p>
+            <a:pPr algn="ctr"/>
+            <a:r>
+              <a:rPr lang="en-US" sz="1600" dirty="0">
+                <a:solidFill>
+                  <a:schemeClr val="tx1"/>
+                </a:solidFill>
+              </a:rPr>
+              <a:t>Shell</a:t>
+            </a:r>
+          </a:p>
+        </p:txBody>
+      </p:sp>
+      <p:sp>
+        <p:nvSpPr>
+          <p:cNvPr id="76" name="Rectangle 75">
+            <a:extLst>
+              <a:ext uri="{FF2B5EF4-FFF2-40B4-BE49-F238E27FC236}">
+                <a16:creationId xmlns:a16="http://schemas.microsoft.com/office/drawing/2014/main" id="{EFD6F6DD-7894-4E2F-9879-FAB7A5AD1AC2}"/>
+              </a:ext>
+            </a:extLst>
+          </p:cNvPr>
+          <p:cNvSpPr/>
+          <p:nvPr/>
+        </p:nvSpPr>
+        <p:spPr>
+          <a:xfrm>
+            <a:off x="4592992" y="3258185"/>
+            <a:ext cx="1871263" cy="395705"/>
+          </a:xfrm>
+          <a:prstGeom prst="rect">
+            <a:avLst/>
+          </a:prstGeom>
+          <a:noFill/>
+          <a:ln>
+            <a:solidFill>
+              <a:schemeClr val="tx1"/>
+            </a:solidFill>
+          </a:ln>
+        </p:spPr>
+        <p:style>
+          <a:lnRef idx="2">
+            <a:schemeClr val="accent1">
+              <a:shade val="50000"/>
+            </a:schemeClr>
+          </a:lnRef>
+          <a:fillRef idx="1">
+            <a:schemeClr val="accent1"/>
+          </a:fillRef>
+          <a:effectRef idx="0">
+            <a:schemeClr val="accent1"/>
+          </a:effectRef>
+          <a:fontRef idx="minor">
+            <a:schemeClr val="lt1"/>
+          </a:fontRef>
+        </p:style>
+        <p:txBody>
+          <a:bodyPr rot="0" spcFirstLastPara="0" vert="horz" wrap="square" lIns="91440" tIns="45720" rIns="91440" bIns="45720" numCol="1" spcCol="0" rtlCol="0" fromWordArt="0" anchor="b" anchorCtr="0" forceAA="0" compatLnSpc="1">
+            <a:prstTxWarp prst="textNoShape">
+              <a:avLst/>
+            </a:prstTxWarp>
+            <a:noAutofit/>
+          </a:bodyPr>
+          <a:lstStyle/>
+          <a:p>
+            <a:pPr algn="ctr"/>
+            <a:r>
+              <a:rPr lang="en-US" sz="1600" dirty="0">
+                <a:solidFill>
+                  <a:schemeClr val="tx1"/>
+                </a:solidFill>
+              </a:rPr>
+              <a:t>Authentication</a:t>
+            </a:r>
+          </a:p>
+        </p:txBody>
+      </p:sp>
+      <p:sp>
+        <p:nvSpPr>
+          <p:cNvPr id="77" name="Rectangle 76">
+            <a:extLst>
+              <a:ext uri="{FF2B5EF4-FFF2-40B4-BE49-F238E27FC236}">
+                <a16:creationId xmlns:a16="http://schemas.microsoft.com/office/drawing/2014/main" id="{926BC6F3-D3F9-43ED-857A-E692A46F0EE3}"/>
+              </a:ext>
+            </a:extLst>
+          </p:cNvPr>
+          <p:cNvSpPr/>
+          <p:nvPr/>
+        </p:nvSpPr>
+        <p:spPr>
+          <a:xfrm>
+            <a:off x="6740499" y="3258185"/>
+            <a:ext cx="1871263" cy="395705"/>
+          </a:xfrm>
+          <a:prstGeom prst="rect">
+            <a:avLst/>
+          </a:prstGeom>
+          <a:noFill/>
+          <a:ln>
+            <a:solidFill>
+              <a:schemeClr val="tx1"/>
+            </a:solidFill>
+          </a:ln>
+        </p:spPr>
+        <p:style>
+          <a:lnRef idx="2">
+            <a:schemeClr val="accent1">
+              <a:shade val="50000"/>
+            </a:schemeClr>
+          </a:lnRef>
+          <a:fillRef idx="1">
+            <a:schemeClr val="accent1"/>
+          </a:fillRef>
+          <a:effectRef idx="0">
+            <a:schemeClr val="accent1"/>
+          </a:effectRef>
+          <a:fontRef idx="minor">
+            <a:schemeClr val="lt1"/>
+          </a:fontRef>
+        </p:style>
+        <p:txBody>
+          <a:bodyPr rot="0" spcFirstLastPara="0" vert="horz" wrap="square" lIns="91440" tIns="45720" rIns="91440" bIns="45720" numCol="1" spcCol="0" rtlCol="0" fromWordArt="0" anchor="b" anchorCtr="0" forceAA="0" compatLnSpc="1">
+            <a:prstTxWarp prst="textNoShape">
+              <a:avLst/>
+            </a:prstTxWarp>
+            <a:noAutofit/>
+          </a:bodyPr>
+          <a:lstStyle/>
+          <a:p>
+            <a:pPr algn="ctr"/>
+            <a:r>
+              <a:rPr lang="en-US" sz="1600" dirty="0">
+                <a:solidFill>
+                  <a:schemeClr val="tx1"/>
+                </a:solidFill>
+              </a:rPr>
+              <a:t>User Management</a:t>
+            </a:r>
+          </a:p>
+        </p:txBody>
+      </p:sp>
+      <p:cxnSp>
+        <p:nvCxnSpPr>
+          <p:cNvPr id="79" name="Connecteur droit avec flèche 78">
+            <a:extLst>
+              <a:ext uri="{FF2B5EF4-FFF2-40B4-BE49-F238E27FC236}">
+                <a16:creationId xmlns:a16="http://schemas.microsoft.com/office/drawing/2014/main" id="{4EDC8615-CC7F-4882-8530-EC8268E4E736}"/>
+              </a:ext>
+            </a:extLst>
+          </p:cNvPr>
+          <p:cNvCxnSpPr>
+            <a:cxnSpLocks/>
+            <a:stCxn id="77" idx="0"/>
+            <a:endCxn id="71" idx="2"/>
+          </p:cNvCxnSpPr>
+          <p:nvPr/>
+        </p:nvCxnSpPr>
+        <p:spPr>
+          <a:xfrm flipV="1">
+            <a:off x="7676131" y="2168519"/>
+            <a:ext cx="0" cy="1089666"/>
+          </a:xfrm>
+          <a:prstGeom prst="straightConnector1">
+            <a:avLst/>
+          </a:prstGeom>
+          <a:ln>
+            <a:solidFill>
+              <a:schemeClr val="tx1"/>
+            </a:solidFill>
+            <a:tailEnd type="triangle"/>
+          </a:ln>
+        </p:spPr>
+        <p:style>
+          <a:lnRef idx="1">
+            <a:schemeClr val="accent1"/>
+          </a:lnRef>
+          <a:fillRef idx="0">
+            <a:schemeClr val="accent1"/>
+          </a:fillRef>
+          <a:effectRef idx="0">
+            <a:schemeClr val="accent1"/>
+          </a:effectRef>
+          <a:fontRef idx="minor">
+            <a:schemeClr val="tx1"/>
+          </a:fontRef>
+        </p:style>
+      </p:cxnSp>
+      <p:cxnSp>
+        <p:nvCxnSpPr>
+          <p:cNvPr id="83" name="Connecteur droit avec flèche 82">
+            <a:extLst>
+              <a:ext uri="{FF2B5EF4-FFF2-40B4-BE49-F238E27FC236}">
+                <a16:creationId xmlns:a16="http://schemas.microsoft.com/office/drawing/2014/main" id="{EDF0B823-66B1-4733-82A6-921770B2E26B}"/>
+              </a:ext>
+            </a:extLst>
+          </p:cNvPr>
+          <p:cNvCxnSpPr>
+            <a:cxnSpLocks/>
+            <a:stCxn id="76" idx="0"/>
+            <a:endCxn id="71" idx="2"/>
+          </p:cNvCxnSpPr>
+          <p:nvPr/>
+        </p:nvCxnSpPr>
+        <p:spPr>
+          <a:xfrm flipV="1">
+            <a:off x="5528624" y="2168519"/>
+            <a:ext cx="2147507" cy="1089666"/>
+          </a:xfrm>
+          <a:prstGeom prst="straightConnector1">
+            <a:avLst/>
+          </a:prstGeom>
+          <a:ln>
+            <a:solidFill>
+              <a:schemeClr val="tx1"/>
+            </a:solidFill>
+            <a:tailEnd type="triangle"/>
+          </a:ln>
+        </p:spPr>
+        <p:style>
+          <a:lnRef idx="1">
+            <a:schemeClr val="accent1"/>
+          </a:lnRef>
+          <a:fillRef idx="0">
+            <a:schemeClr val="accent1"/>
+          </a:fillRef>
+          <a:effectRef idx="0">
+            <a:schemeClr val="accent1"/>
+          </a:effectRef>
+          <a:fontRef idx="minor">
+            <a:schemeClr val="tx1"/>
+          </a:fontRef>
+        </p:style>
+      </p:cxnSp>
+      <p:cxnSp>
+        <p:nvCxnSpPr>
+          <p:cNvPr id="86" name="Connecteur droit avec flèche 85">
+            <a:extLst>
+              <a:ext uri="{FF2B5EF4-FFF2-40B4-BE49-F238E27FC236}">
+                <a16:creationId xmlns:a16="http://schemas.microsoft.com/office/drawing/2014/main" id="{A21A3F8C-4FF5-491B-A067-BE4E0448A3B9}"/>
+              </a:ext>
+            </a:extLst>
+          </p:cNvPr>
+          <p:cNvCxnSpPr>
+            <a:cxnSpLocks/>
+            <a:stCxn id="75" idx="0"/>
+            <a:endCxn id="71" idx="2"/>
+          </p:cNvCxnSpPr>
+          <p:nvPr/>
+        </p:nvCxnSpPr>
+        <p:spPr>
+          <a:xfrm flipV="1">
+            <a:off x="3381117" y="2168519"/>
+            <a:ext cx="4295014" cy="1062628"/>
+          </a:xfrm>
+          <a:prstGeom prst="straightConnector1">
+            <a:avLst/>
+          </a:prstGeom>
+          <a:ln>
+            <a:solidFill>
+              <a:schemeClr val="tx1"/>
+            </a:solidFill>
+            <a:tailEnd type="triangle"/>
+          </a:ln>
+        </p:spPr>
+        <p:style>
+          <a:lnRef idx="1">
+            <a:schemeClr val="accent1"/>
+          </a:lnRef>
+          <a:fillRef idx="0">
+            <a:schemeClr val="accent1"/>
+          </a:fillRef>
+          <a:effectRef idx="0">
+            <a:schemeClr val="accent1"/>
+          </a:effectRef>
+          <a:fontRef idx="minor">
+            <a:schemeClr val="tx1"/>
+          </a:fontRef>
+        </p:style>
+      </p:cxnSp>
+      <p:sp>
+        <p:nvSpPr>
+          <p:cNvPr id="89" name="Rectangle 88">
+            <a:extLst>
+              <a:ext uri="{FF2B5EF4-FFF2-40B4-BE49-F238E27FC236}">
+                <a16:creationId xmlns:a16="http://schemas.microsoft.com/office/drawing/2014/main" id="{D762E646-CAD1-4E7D-B7A5-15C4F46A5B68}"/>
+              </a:ext>
+            </a:extLst>
+          </p:cNvPr>
+          <p:cNvSpPr/>
+          <p:nvPr/>
+        </p:nvSpPr>
+        <p:spPr>
+          <a:xfrm>
+            <a:off x="4592992" y="4797152"/>
+            <a:ext cx="1871263" cy="648072"/>
+          </a:xfrm>
+          <a:prstGeom prst="rect">
+            <a:avLst/>
+          </a:prstGeom>
+          <a:noFill/>
+          <a:ln>
+            <a:solidFill>
+              <a:schemeClr val="tx1"/>
+            </a:solidFill>
+          </a:ln>
+        </p:spPr>
+        <p:style>
+          <a:lnRef idx="2">
+            <a:schemeClr val="accent1">
+              <a:shade val="50000"/>
+            </a:schemeClr>
+          </a:lnRef>
+          <a:fillRef idx="1">
+            <a:schemeClr val="accent1"/>
+          </a:fillRef>
+          <a:effectRef idx="0">
+            <a:schemeClr val="accent1"/>
+          </a:effectRef>
+          <a:fontRef idx="minor">
+            <a:schemeClr val="lt1"/>
+          </a:fontRef>
+        </p:style>
+        <p:txBody>
+          <a:bodyPr rot="0" spcFirstLastPara="0" vert="horz" wrap="square" lIns="91440" tIns="45720" rIns="91440" bIns="45720" numCol="1" spcCol="0" rtlCol="0" fromWordArt="0" anchor="b" anchorCtr="0" forceAA="0" compatLnSpc="1">
+            <a:prstTxWarp prst="textNoShape">
+              <a:avLst/>
+            </a:prstTxWarp>
+            <a:noAutofit/>
+          </a:bodyPr>
+          <a:lstStyle/>
+          <a:p>
+            <a:pPr algn="ctr"/>
+            <a:r>
+              <a:rPr lang="en-US" sz="1600" dirty="0">
+                <a:solidFill>
+                  <a:schemeClr val="tx1"/>
+                </a:solidFill>
+              </a:rPr>
+              <a:t>Login password authentication</a:t>
+            </a:r>
+          </a:p>
+        </p:txBody>
+      </p:sp>
+      <p:cxnSp>
+        <p:nvCxnSpPr>
+          <p:cNvPr id="91" name="Connecteur droit avec flèche 90">
+            <a:extLst>
+              <a:ext uri="{FF2B5EF4-FFF2-40B4-BE49-F238E27FC236}">
+                <a16:creationId xmlns:a16="http://schemas.microsoft.com/office/drawing/2014/main" id="{0301A660-8DEB-42D7-AEE6-A3DCE27D682C}"/>
+              </a:ext>
+            </a:extLst>
+          </p:cNvPr>
+          <p:cNvCxnSpPr>
+            <a:cxnSpLocks/>
+            <a:stCxn id="89" idx="0"/>
+            <a:endCxn id="76" idx="2"/>
+          </p:cNvCxnSpPr>
+          <p:nvPr/>
+        </p:nvCxnSpPr>
+        <p:spPr>
+          <a:xfrm flipV="1">
+            <a:off x="5528624" y="3653890"/>
+            <a:ext cx="0" cy="1143262"/>
+          </a:xfrm>
+          <a:prstGeom prst="straightConnector1">
+            <a:avLst/>
+          </a:prstGeom>
+          <a:ln>
+            <a:solidFill>
+              <a:schemeClr val="tx1"/>
+            </a:solidFill>
+            <a:tailEnd type="triangle"/>
+          </a:ln>
+        </p:spPr>
+        <p:style>
+          <a:lnRef idx="1">
+            <a:schemeClr val="accent1"/>
+          </a:lnRef>
+          <a:fillRef idx="0">
+            <a:schemeClr val="accent1"/>
+          </a:fillRef>
+          <a:effectRef idx="0">
+            <a:schemeClr val="accent1"/>
+          </a:effectRef>
+          <a:fontRef idx="minor">
+            <a:schemeClr val="tx1"/>
+          </a:fontRef>
+        </p:style>
+      </p:cxnSp>
+    </p:spTree>
+    <p:extLst>
+      <p:ext uri="{BB962C8B-B14F-4D97-AF65-F5344CB8AC3E}">
+        <p14:creationId xmlns:p14="http://schemas.microsoft.com/office/powerpoint/2010/main" val="3557728585"/>
       </p:ext>
     </p:extLst>
   </p:cSld>

--- a/schemas.pptx
+++ b/schemas.pptx
@@ -307,7 +307,7 @@
           <a:p>
             <a:fld id="{5E979E62-8A79-4040-9CC4-3585F7DC20D6}" type="datetimeFigureOut">
               <a:rPr lang="en-US" smtClean="0"/>
-              <a:t>6/26/2018</a:t>
+              <a:t>7/2/2018</a:t>
             </a:fld>
             <a:endParaRPr lang="en-US"/>
           </a:p>
@@ -475,7 +475,7 @@
           <a:p>
             <a:fld id="{5E979E62-8A79-4040-9CC4-3585F7DC20D6}" type="datetimeFigureOut">
               <a:rPr lang="en-US" smtClean="0"/>
-              <a:t>6/26/2018</a:t>
+              <a:t>7/2/2018</a:t>
             </a:fld>
             <a:endParaRPr lang="en-US"/>
           </a:p>
@@ -653,7 +653,7 @@
           <a:p>
             <a:fld id="{5E979E62-8A79-4040-9CC4-3585F7DC20D6}" type="datetimeFigureOut">
               <a:rPr lang="en-US" smtClean="0"/>
-              <a:t>6/26/2018</a:t>
+              <a:t>7/2/2018</a:t>
             </a:fld>
             <a:endParaRPr lang="en-US"/>
           </a:p>
@@ -821,7 +821,7 @@
           <a:p>
             <a:fld id="{5E979E62-8A79-4040-9CC4-3585F7DC20D6}" type="datetimeFigureOut">
               <a:rPr lang="en-US" smtClean="0"/>
-              <a:t>6/26/2018</a:t>
+              <a:t>7/2/2018</a:t>
             </a:fld>
             <a:endParaRPr lang="en-US"/>
           </a:p>
@@ -1066,7 +1066,7 @@
           <a:p>
             <a:fld id="{5E979E62-8A79-4040-9CC4-3585F7DC20D6}" type="datetimeFigureOut">
               <a:rPr lang="en-US" smtClean="0"/>
-              <a:t>6/26/2018</a:t>
+              <a:t>7/2/2018</a:t>
             </a:fld>
             <a:endParaRPr lang="en-US"/>
           </a:p>
@@ -1351,7 +1351,7 @@
           <a:p>
             <a:fld id="{5E979E62-8A79-4040-9CC4-3585F7DC20D6}" type="datetimeFigureOut">
               <a:rPr lang="en-US" smtClean="0"/>
-              <a:t>6/26/2018</a:t>
+              <a:t>7/2/2018</a:t>
             </a:fld>
             <a:endParaRPr lang="en-US"/>
           </a:p>
@@ -1770,7 +1770,7 @@
           <a:p>
             <a:fld id="{5E979E62-8A79-4040-9CC4-3585F7DC20D6}" type="datetimeFigureOut">
               <a:rPr lang="en-US" smtClean="0"/>
-              <a:t>6/26/2018</a:t>
+              <a:t>7/2/2018</a:t>
             </a:fld>
             <a:endParaRPr lang="en-US"/>
           </a:p>
@@ -1887,7 +1887,7 @@
           <a:p>
             <a:fld id="{5E979E62-8A79-4040-9CC4-3585F7DC20D6}" type="datetimeFigureOut">
               <a:rPr lang="en-US" smtClean="0"/>
-              <a:t>6/26/2018</a:t>
+              <a:t>7/2/2018</a:t>
             </a:fld>
             <a:endParaRPr lang="en-US"/>
           </a:p>
@@ -1982,7 +1982,7 @@
           <a:p>
             <a:fld id="{5E979E62-8A79-4040-9CC4-3585F7DC20D6}" type="datetimeFigureOut">
               <a:rPr lang="en-US" smtClean="0"/>
-              <a:t>6/26/2018</a:t>
+              <a:t>7/2/2018</a:t>
             </a:fld>
             <a:endParaRPr lang="en-US"/>
           </a:p>
@@ -2257,7 +2257,7 @@
           <a:p>
             <a:fld id="{5E979E62-8A79-4040-9CC4-3585F7DC20D6}" type="datetimeFigureOut">
               <a:rPr lang="en-US" smtClean="0"/>
-              <a:t>6/26/2018</a:t>
+              <a:t>7/2/2018</a:t>
             </a:fld>
             <a:endParaRPr lang="en-US"/>
           </a:p>
@@ -2509,7 +2509,7 @@
           <a:p>
             <a:fld id="{5E979E62-8A79-4040-9CC4-3585F7DC20D6}" type="datetimeFigureOut">
               <a:rPr lang="en-US" smtClean="0"/>
-              <a:t>6/26/2018</a:t>
+              <a:t>7/2/2018</a:t>
             </a:fld>
             <a:endParaRPr lang="en-US"/>
           </a:p>
@@ -2720,7 +2720,7 @@
           <a:p>
             <a:fld id="{5E979E62-8A79-4040-9CC4-3585F7DC20D6}" type="datetimeFigureOut">
               <a:rPr lang="en-US" smtClean="0"/>
-              <a:t>6/26/2018</a:t>
+              <a:t>7/2/2018</a:t>
             </a:fld>
             <a:endParaRPr lang="en-US"/>
           </a:p>
@@ -4293,6 +4293,289 @@
           </a:p>
         </p:txBody>
       </p:sp>
+      <p:cxnSp>
+        <p:nvCxnSpPr>
+          <p:cNvPr id="3" name="Connecteur : en angle 2">
+            <a:extLst>
+              <a:ext uri="{FF2B5EF4-FFF2-40B4-BE49-F238E27FC236}">
+                <a16:creationId xmlns:a16="http://schemas.microsoft.com/office/drawing/2014/main" id="{45E54FEB-CADD-4E83-9ECB-D455D3CB1EF5}"/>
+              </a:ext>
+            </a:extLst>
+          </p:cNvPr>
+          <p:cNvCxnSpPr>
+            <a:cxnSpLocks/>
+            <a:stCxn id="7" idx="3"/>
+            <a:endCxn id="7" idx="2"/>
+          </p:cNvCxnSpPr>
+          <p:nvPr/>
+        </p:nvCxnSpPr>
+        <p:spPr>
+          <a:xfrm flipH="1">
+            <a:off x="4673288" y="6180126"/>
+            <a:ext cx="1389516" cy="245361"/>
+          </a:xfrm>
+          <a:prstGeom prst="bentConnector4">
+            <a:avLst>
+              <a:gd name="adj1" fmla="val -16452"/>
+              <a:gd name="adj2" fmla="val 193169"/>
+            </a:avLst>
+          </a:prstGeom>
+          <a:ln>
+            <a:solidFill>
+              <a:schemeClr val="tx1"/>
+            </a:solidFill>
+            <a:tailEnd type="triangle"/>
+          </a:ln>
+        </p:spPr>
+        <p:style>
+          <a:lnRef idx="1">
+            <a:schemeClr val="accent1"/>
+          </a:lnRef>
+          <a:fillRef idx="0">
+            <a:schemeClr val="accent1"/>
+          </a:fillRef>
+          <a:effectRef idx="0">
+            <a:schemeClr val="accent1"/>
+          </a:effectRef>
+          <a:fontRef idx="minor">
+            <a:schemeClr val="tx1"/>
+          </a:fontRef>
+        </p:style>
+      </p:cxnSp>
+      <p:sp>
+        <p:nvSpPr>
+          <p:cNvPr id="23" name="Flowchart: Connector 21">
+            <a:extLst>
+              <a:ext uri="{FF2B5EF4-FFF2-40B4-BE49-F238E27FC236}">
+                <a16:creationId xmlns:a16="http://schemas.microsoft.com/office/drawing/2014/main" id="{7EFB571F-624A-4206-AEA4-A5B9C06C3919}"/>
+              </a:ext>
+            </a:extLst>
+          </p:cNvPr>
+          <p:cNvSpPr>
+            <a:spLocks noChangeAspect="1"/>
+          </p:cNvSpPr>
+          <p:nvPr/>
+        </p:nvSpPr>
+        <p:spPr>
+          <a:xfrm>
+            <a:off x="6197411" y="6425487"/>
+            <a:ext cx="174736" cy="174736"/>
+          </a:xfrm>
+          <a:prstGeom prst="flowChartConnector">
+            <a:avLst/>
+          </a:prstGeom>
+          <a:solidFill>
+            <a:schemeClr val="tx1"/>
+          </a:solidFill>
+          <a:ln>
+            <a:solidFill>
+              <a:schemeClr val="tx1"/>
+            </a:solidFill>
+          </a:ln>
+        </p:spPr>
+        <p:style>
+          <a:lnRef idx="2">
+            <a:schemeClr val="accent1">
+              <a:shade val="50000"/>
+            </a:schemeClr>
+          </a:lnRef>
+          <a:fillRef idx="1">
+            <a:schemeClr val="accent1"/>
+          </a:fillRef>
+          <a:effectRef idx="0">
+            <a:schemeClr val="accent1"/>
+          </a:effectRef>
+          <a:fontRef idx="minor">
+            <a:schemeClr val="lt1"/>
+          </a:fontRef>
+        </p:style>
+        <p:txBody>
+          <a:bodyPr rtlCol="0" anchor="ctr"/>
+          <a:lstStyle>
+            <a:defPPr>
+              <a:defRPr lang="en-US"/>
+            </a:defPPr>
+            <a:lvl1pPr marL="0" algn="l" defTabSz="914400" rtl="0" eaLnBrk="1" latinLnBrk="0" hangingPunct="1">
+              <a:defRPr sz="1800" kern="1200">
+                <a:solidFill>
+                  <a:schemeClr val="lt1"/>
+                </a:solidFill>
+                <a:latin typeface="+mn-lt"/>
+                <a:ea typeface="+mn-ea"/>
+                <a:cs typeface="+mn-cs"/>
+              </a:defRPr>
+            </a:lvl1pPr>
+            <a:lvl2pPr marL="457200" algn="l" defTabSz="914400" rtl="0" eaLnBrk="1" latinLnBrk="0" hangingPunct="1">
+              <a:defRPr sz="1800" kern="1200">
+                <a:solidFill>
+                  <a:schemeClr val="lt1"/>
+                </a:solidFill>
+                <a:latin typeface="+mn-lt"/>
+                <a:ea typeface="+mn-ea"/>
+                <a:cs typeface="+mn-cs"/>
+              </a:defRPr>
+            </a:lvl2pPr>
+            <a:lvl3pPr marL="914400" algn="l" defTabSz="914400" rtl="0" eaLnBrk="1" latinLnBrk="0" hangingPunct="1">
+              <a:defRPr sz="1800" kern="1200">
+                <a:solidFill>
+                  <a:schemeClr val="lt1"/>
+                </a:solidFill>
+                <a:latin typeface="+mn-lt"/>
+                <a:ea typeface="+mn-ea"/>
+                <a:cs typeface="+mn-cs"/>
+              </a:defRPr>
+            </a:lvl3pPr>
+            <a:lvl4pPr marL="1371600" algn="l" defTabSz="914400" rtl="0" eaLnBrk="1" latinLnBrk="0" hangingPunct="1">
+              <a:defRPr sz="1800" kern="1200">
+                <a:solidFill>
+                  <a:schemeClr val="lt1"/>
+                </a:solidFill>
+                <a:latin typeface="+mn-lt"/>
+                <a:ea typeface="+mn-ea"/>
+                <a:cs typeface="+mn-cs"/>
+              </a:defRPr>
+            </a:lvl4pPr>
+            <a:lvl5pPr marL="1828800" algn="l" defTabSz="914400" rtl="0" eaLnBrk="1" latinLnBrk="0" hangingPunct="1">
+              <a:defRPr sz="1800" kern="1200">
+                <a:solidFill>
+                  <a:schemeClr val="lt1"/>
+                </a:solidFill>
+                <a:latin typeface="+mn-lt"/>
+                <a:ea typeface="+mn-ea"/>
+                <a:cs typeface="+mn-cs"/>
+              </a:defRPr>
+            </a:lvl5pPr>
+            <a:lvl6pPr marL="2286000" algn="l" defTabSz="914400" rtl="0" eaLnBrk="1" latinLnBrk="0" hangingPunct="1">
+              <a:defRPr sz="1800" kern="1200">
+                <a:solidFill>
+                  <a:schemeClr val="lt1"/>
+                </a:solidFill>
+                <a:latin typeface="+mn-lt"/>
+                <a:ea typeface="+mn-ea"/>
+                <a:cs typeface="+mn-cs"/>
+              </a:defRPr>
+            </a:lvl6pPr>
+            <a:lvl7pPr marL="2743200" algn="l" defTabSz="914400" rtl="0" eaLnBrk="1" latinLnBrk="0" hangingPunct="1">
+              <a:defRPr sz="1800" kern="1200">
+                <a:solidFill>
+                  <a:schemeClr val="lt1"/>
+                </a:solidFill>
+                <a:latin typeface="+mn-lt"/>
+                <a:ea typeface="+mn-ea"/>
+                <a:cs typeface="+mn-cs"/>
+              </a:defRPr>
+            </a:lvl7pPr>
+            <a:lvl8pPr marL="3200400" algn="l" defTabSz="914400" rtl="0" eaLnBrk="1" latinLnBrk="0" hangingPunct="1">
+              <a:defRPr sz="1800" kern="1200">
+                <a:solidFill>
+                  <a:schemeClr val="lt1"/>
+                </a:solidFill>
+                <a:latin typeface="+mn-lt"/>
+                <a:ea typeface="+mn-ea"/>
+                <a:cs typeface="+mn-cs"/>
+              </a:defRPr>
+            </a:lvl8pPr>
+            <a:lvl9pPr marL="3657600" algn="l" defTabSz="914400" rtl="0" eaLnBrk="1" latinLnBrk="0" hangingPunct="1">
+              <a:defRPr sz="1800" kern="1200">
+                <a:solidFill>
+                  <a:schemeClr val="lt1"/>
+                </a:solidFill>
+                <a:latin typeface="+mn-lt"/>
+                <a:ea typeface="+mn-ea"/>
+                <a:cs typeface="+mn-cs"/>
+              </a:defRPr>
+            </a:lvl9pPr>
+          </a:lstStyle>
+          <a:p>
+            <a:pPr algn="ctr"/>
+            <a:r>
+              <a:rPr lang="fr-BE" sz="1200" b="1" dirty="0"/>
+              <a:t>4</a:t>
+            </a:r>
+            <a:endParaRPr lang="en-US" b="1" dirty="0"/>
+          </a:p>
+        </p:txBody>
+      </p:sp>
+      <p:sp>
+        <p:nvSpPr>
+          <p:cNvPr id="24" name="TextBox 15">
+            <a:extLst>
+              <a:ext uri="{FF2B5EF4-FFF2-40B4-BE49-F238E27FC236}">
+                <a16:creationId xmlns:a16="http://schemas.microsoft.com/office/drawing/2014/main" id="{1965B174-77BA-4F96-BB3F-6AD481454045}"/>
+              </a:ext>
+            </a:extLst>
+          </p:cNvPr>
+          <p:cNvSpPr txBox="1"/>
+          <p:nvPr/>
+        </p:nvSpPr>
+        <p:spPr>
+          <a:xfrm>
+            <a:off x="6383967" y="5949280"/>
+            <a:ext cx="1688652" cy="769441"/>
+          </a:xfrm>
+          <a:prstGeom prst="rect">
+            <a:avLst/>
+          </a:prstGeom>
+          <a:noFill/>
+        </p:spPr>
+        <p:txBody>
+          <a:bodyPr wrap="square" rtlCol="0">
+            <a:spAutoFit/>
+          </a:bodyPr>
+          <a:lstStyle/>
+          <a:p>
+            <a:r>
+              <a:rPr lang="fr-BE" sz="1100" dirty="0"/>
+              <a:t>Use the </a:t>
+            </a:r>
+            <a:r>
+              <a:rPr lang="fr-BE" sz="1100" dirty="0" err="1"/>
+              <a:t>webstorage</a:t>
+            </a:r>
+            <a:r>
+              <a:rPr lang="fr-BE" sz="1100" dirty="0"/>
+              <a:t> JS API to store the </a:t>
+            </a:r>
+            <a:r>
+              <a:rPr lang="fr-BE" sz="1100" dirty="0" err="1"/>
+              <a:t>granted</a:t>
+            </a:r>
+            <a:r>
+              <a:rPr lang="fr-BE" sz="1100" dirty="0"/>
+              <a:t> </a:t>
+            </a:r>
+            <a:r>
+              <a:rPr lang="fr-BE" sz="1100" dirty="0" err="1"/>
+              <a:t>token</a:t>
+            </a:r>
+            <a:r>
+              <a:rPr lang="fr-BE" sz="1100" dirty="0"/>
+              <a:t> and </a:t>
+            </a:r>
+            <a:r>
+              <a:rPr lang="fr-BE" sz="1100" dirty="0" err="1"/>
+              <a:t>periodically</a:t>
+            </a:r>
+            <a:r>
+              <a:rPr lang="fr-BE" sz="1100" dirty="0"/>
+              <a:t> check </a:t>
+            </a:r>
+            <a:r>
+              <a:rPr lang="fr-BE" sz="1100" dirty="0" err="1"/>
+              <a:t>its</a:t>
+            </a:r>
+            <a:r>
+              <a:rPr lang="fr-BE" sz="1100" dirty="0"/>
+              <a:t> </a:t>
+            </a:r>
+            <a:r>
+              <a:rPr lang="fr-BE" sz="1100" dirty="0" err="1"/>
+              <a:t>validity</a:t>
+            </a:r>
+            <a:endParaRPr lang="en-US" sz="1100" dirty="0"/>
+          </a:p>
+        </p:txBody>
+      </p:sp>
     </p:spTree>
     <p:extLst>
       <p:ext uri="{BB962C8B-B14F-4D97-AF65-F5344CB8AC3E}">
@@ -5265,8 +5548,8 @@
         </p:nvSpPr>
         <p:spPr>
           <a:xfrm>
-            <a:off x="6197464" y="4018522"/>
-            <a:ext cx="174736" cy="174736"/>
+            <a:off x="6197463" y="4016415"/>
+            <a:ext cx="176843" cy="176843"/>
           </a:xfrm>
           <a:prstGeom prst="flowChartConnector">
             <a:avLst/>
@@ -5458,6 +5741,287 @@
             <a:r>
               <a:rPr lang="fr-BE" sz="1100" dirty="0" err="1"/>
               <a:t>token</a:t>
+            </a:r>
+            <a:endParaRPr lang="en-US" sz="1100" dirty="0"/>
+          </a:p>
+        </p:txBody>
+      </p:sp>
+      <p:cxnSp>
+        <p:nvCxnSpPr>
+          <p:cNvPr id="3" name="Connecteur : en angle 2">
+            <a:extLst>
+              <a:ext uri="{FF2B5EF4-FFF2-40B4-BE49-F238E27FC236}">
+                <a16:creationId xmlns:a16="http://schemas.microsoft.com/office/drawing/2014/main" id="{923C53FC-578D-4320-9A5C-DC7E2AD4CB70}"/>
+              </a:ext>
+            </a:extLst>
+          </p:cNvPr>
+          <p:cNvCxnSpPr>
+            <a:endCxn id="8" idx="2"/>
+          </p:cNvCxnSpPr>
+          <p:nvPr/>
+        </p:nvCxnSpPr>
+        <p:spPr>
+          <a:xfrm rot="10800000" flipV="1">
+            <a:off x="4673288" y="6180125"/>
+            <a:ext cx="1524176" cy="245361"/>
+          </a:xfrm>
+          <a:prstGeom prst="bentConnector4">
+            <a:avLst>
+              <a:gd name="adj1" fmla="val 4417"/>
+              <a:gd name="adj2" fmla="val 193169"/>
+            </a:avLst>
+          </a:prstGeom>
+          <a:ln>
+            <a:solidFill>
+              <a:schemeClr val="tx1"/>
+            </a:solidFill>
+            <a:tailEnd type="triangle"/>
+          </a:ln>
+        </p:spPr>
+        <p:style>
+          <a:lnRef idx="1">
+            <a:schemeClr val="accent1"/>
+          </a:lnRef>
+          <a:fillRef idx="0">
+            <a:schemeClr val="accent1"/>
+          </a:fillRef>
+          <a:effectRef idx="0">
+            <a:schemeClr val="accent1"/>
+          </a:effectRef>
+          <a:fontRef idx="minor">
+            <a:schemeClr val="tx1"/>
+          </a:fontRef>
+        </p:style>
+      </p:cxnSp>
+      <p:sp>
+        <p:nvSpPr>
+          <p:cNvPr id="20" name="Flowchart: Connector 28">
+            <a:extLst>
+              <a:ext uri="{FF2B5EF4-FFF2-40B4-BE49-F238E27FC236}">
+                <a16:creationId xmlns:a16="http://schemas.microsoft.com/office/drawing/2014/main" id="{7FC15BC4-C301-4850-8025-1AB1A3B46F52}"/>
+              </a:ext>
+            </a:extLst>
+          </p:cNvPr>
+          <p:cNvSpPr>
+            <a:spLocks noChangeAspect="1"/>
+          </p:cNvSpPr>
+          <p:nvPr/>
+        </p:nvSpPr>
+        <p:spPr>
+          <a:xfrm>
+            <a:off x="6020620" y="6552876"/>
+            <a:ext cx="176843" cy="176843"/>
+          </a:xfrm>
+          <a:prstGeom prst="flowChartConnector">
+            <a:avLst/>
+          </a:prstGeom>
+          <a:solidFill>
+            <a:schemeClr val="tx1"/>
+          </a:solidFill>
+          <a:ln>
+            <a:solidFill>
+              <a:schemeClr val="tx1"/>
+            </a:solidFill>
+          </a:ln>
+        </p:spPr>
+        <p:style>
+          <a:lnRef idx="2">
+            <a:schemeClr val="accent1">
+              <a:shade val="50000"/>
+            </a:schemeClr>
+          </a:lnRef>
+          <a:fillRef idx="1">
+            <a:schemeClr val="accent1"/>
+          </a:fillRef>
+          <a:effectRef idx="0">
+            <a:schemeClr val="accent1"/>
+          </a:effectRef>
+          <a:fontRef idx="minor">
+            <a:schemeClr val="lt1"/>
+          </a:fontRef>
+        </p:style>
+        <p:txBody>
+          <a:bodyPr rtlCol="0" anchor="ctr"/>
+          <a:lstStyle>
+            <a:defPPr>
+              <a:defRPr lang="en-US"/>
+            </a:defPPr>
+            <a:lvl1pPr marL="0" algn="l" defTabSz="914400" rtl="0" eaLnBrk="1" latinLnBrk="0" hangingPunct="1">
+              <a:defRPr sz="1800" kern="1200">
+                <a:solidFill>
+                  <a:schemeClr val="lt1"/>
+                </a:solidFill>
+                <a:latin typeface="+mn-lt"/>
+                <a:ea typeface="+mn-ea"/>
+                <a:cs typeface="+mn-cs"/>
+              </a:defRPr>
+            </a:lvl1pPr>
+            <a:lvl2pPr marL="457200" algn="l" defTabSz="914400" rtl="0" eaLnBrk="1" latinLnBrk="0" hangingPunct="1">
+              <a:defRPr sz="1800" kern="1200">
+                <a:solidFill>
+                  <a:schemeClr val="lt1"/>
+                </a:solidFill>
+                <a:latin typeface="+mn-lt"/>
+                <a:ea typeface="+mn-ea"/>
+                <a:cs typeface="+mn-cs"/>
+              </a:defRPr>
+            </a:lvl2pPr>
+            <a:lvl3pPr marL="914400" algn="l" defTabSz="914400" rtl="0" eaLnBrk="1" latinLnBrk="0" hangingPunct="1">
+              <a:defRPr sz="1800" kern="1200">
+                <a:solidFill>
+                  <a:schemeClr val="lt1"/>
+                </a:solidFill>
+                <a:latin typeface="+mn-lt"/>
+                <a:ea typeface="+mn-ea"/>
+                <a:cs typeface="+mn-cs"/>
+              </a:defRPr>
+            </a:lvl3pPr>
+            <a:lvl4pPr marL="1371600" algn="l" defTabSz="914400" rtl="0" eaLnBrk="1" latinLnBrk="0" hangingPunct="1">
+              <a:defRPr sz="1800" kern="1200">
+                <a:solidFill>
+                  <a:schemeClr val="lt1"/>
+                </a:solidFill>
+                <a:latin typeface="+mn-lt"/>
+                <a:ea typeface="+mn-ea"/>
+                <a:cs typeface="+mn-cs"/>
+              </a:defRPr>
+            </a:lvl4pPr>
+            <a:lvl5pPr marL="1828800" algn="l" defTabSz="914400" rtl="0" eaLnBrk="1" latinLnBrk="0" hangingPunct="1">
+              <a:defRPr sz="1800" kern="1200">
+                <a:solidFill>
+                  <a:schemeClr val="lt1"/>
+                </a:solidFill>
+                <a:latin typeface="+mn-lt"/>
+                <a:ea typeface="+mn-ea"/>
+                <a:cs typeface="+mn-cs"/>
+              </a:defRPr>
+            </a:lvl5pPr>
+            <a:lvl6pPr marL="2286000" algn="l" defTabSz="914400" rtl="0" eaLnBrk="1" latinLnBrk="0" hangingPunct="1">
+              <a:defRPr sz="1800" kern="1200">
+                <a:solidFill>
+                  <a:schemeClr val="lt1"/>
+                </a:solidFill>
+                <a:latin typeface="+mn-lt"/>
+                <a:ea typeface="+mn-ea"/>
+                <a:cs typeface="+mn-cs"/>
+              </a:defRPr>
+            </a:lvl6pPr>
+            <a:lvl7pPr marL="2743200" algn="l" defTabSz="914400" rtl="0" eaLnBrk="1" latinLnBrk="0" hangingPunct="1">
+              <a:defRPr sz="1800" kern="1200">
+                <a:solidFill>
+                  <a:schemeClr val="lt1"/>
+                </a:solidFill>
+                <a:latin typeface="+mn-lt"/>
+                <a:ea typeface="+mn-ea"/>
+                <a:cs typeface="+mn-cs"/>
+              </a:defRPr>
+            </a:lvl7pPr>
+            <a:lvl8pPr marL="3200400" algn="l" defTabSz="914400" rtl="0" eaLnBrk="1" latinLnBrk="0" hangingPunct="1">
+              <a:defRPr sz="1800" kern="1200">
+                <a:solidFill>
+                  <a:schemeClr val="lt1"/>
+                </a:solidFill>
+                <a:latin typeface="+mn-lt"/>
+                <a:ea typeface="+mn-ea"/>
+                <a:cs typeface="+mn-cs"/>
+              </a:defRPr>
+            </a:lvl8pPr>
+            <a:lvl9pPr marL="3657600" algn="l" defTabSz="914400" rtl="0" eaLnBrk="1" latinLnBrk="0" hangingPunct="1">
+              <a:defRPr sz="1800" kern="1200">
+                <a:solidFill>
+                  <a:schemeClr val="lt1"/>
+                </a:solidFill>
+                <a:latin typeface="+mn-lt"/>
+                <a:ea typeface="+mn-ea"/>
+                <a:cs typeface="+mn-cs"/>
+              </a:defRPr>
+            </a:lvl9pPr>
+          </a:lstStyle>
+          <a:p>
+            <a:pPr algn="ctr"/>
+            <a:r>
+              <a:rPr lang="fr-BE" sz="1200" b="1" dirty="0"/>
+              <a:t>4</a:t>
+            </a:r>
+            <a:endParaRPr lang="en-US" b="1" dirty="0"/>
+          </a:p>
+        </p:txBody>
+      </p:sp>
+      <p:sp>
+        <p:nvSpPr>
+          <p:cNvPr id="24" name="TextBox 15">
+            <a:extLst>
+              <a:ext uri="{FF2B5EF4-FFF2-40B4-BE49-F238E27FC236}">
+                <a16:creationId xmlns:a16="http://schemas.microsoft.com/office/drawing/2014/main" id="{AA943C59-0A0F-42D4-AA43-56B7CCB664B9}"/>
+              </a:ext>
+            </a:extLst>
+          </p:cNvPr>
+          <p:cNvSpPr txBox="1"/>
+          <p:nvPr/>
+        </p:nvSpPr>
+        <p:spPr>
+          <a:xfrm>
+            <a:off x="6383967" y="5949280"/>
+            <a:ext cx="1688652" cy="769441"/>
+          </a:xfrm>
+          <a:prstGeom prst="rect">
+            <a:avLst/>
+          </a:prstGeom>
+          <a:noFill/>
+        </p:spPr>
+        <p:txBody>
+          <a:bodyPr wrap="square" rtlCol="0">
+            <a:spAutoFit/>
+          </a:bodyPr>
+          <a:lstStyle/>
+          <a:p>
+            <a:r>
+              <a:rPr lang="fr-BE" sz="1100" dirty="0"/>
+              <a:t>Use the </a:t>
+            </a:r>
+            <a:r>
+              <a:rPr lang="fr-BE" sz="1100" dirty="0" err="1"/>
+              <a:t>webstorage</a:t>
+            </a:r>
+            <a:r>
+              <a:rPr lang="fr-BE" sz="1100" dirty="0"/>
+              <a:t> JS API to store the </a:t>
+            </a:r>
+            <a:r>
+              <a:rPr lang="fr-BE" sz="1100" dirty="0" err="1"/>
+              <a:t>granted</a:t>
+            </a:r>
+            <a:r>
+              <a:rPr lang="fr-BE" sz="1100" dirty="0"/>
+              <a:t> </a:t>
+            </a:r>
+            <a:r>
+              <a:rPr lang="fr-BE" sz="1100" dirty="0" err="1"/>
+              <a:t>token</a:t>
+            </a:r>
+            <a:r>
+              <a:rPr lang="fr-BE" sz="1100" dirty="0"/>
+              <a:t> and </a:t>
+            </a:r>
+            <a:r>
+              <a:rPr lang="fr-BE" sz="1100" dirty="0" err="1"/>
+              <a:t>periodically</a:t>
+            </a:r>
+            <a:r>
+              <a:rPr lang="fr-BE" sz="1100" dirty="0"/>
+              <a:t> check </a:t>
+            </a:r>
+            <a:r>
+              <a:rPr lang="fr-BE" sz="1100" dirty="0" err="1"/>
+              <a:t>its</a:t>
+            </a:r>
+            <a:r>
+              <a:rPr lang="fr-BE" sz="1100" dirty="0"/>
+              <a:t> </a:t>
+            </a:r>
+            <a:r>
+              <a:rPr lang="fr-BE" sz="1100" dirty="0" err="1"/>
+              <a:t>validity</a:t>
             </a:r>
             <a:endParaRPr lang="en-US" sz="1100" dirty="0"/>
           </a:p>
@@ -6641,6 +7205,285 @@
           </a:p>
         </p:txBody>
       </p:sp>
+      <p:sp>
+        <p:nvSpPr>
+          <p:cNvPr id="19" name="TextBox 15">
+            <a:extLst>
+              <a:ext uri="{FF2B5EF4-FFF2-40B4-BE49-F238E27FC236}">
+                <a16:creationId xmlns:a16="http://schemas.microsoft.com/office/drawing/2014/main" id="{77465181-41AF-4305-9F1A-F3315141E74C}"/>
+              </a:ext>
+            </a:extLst>
+          </p:cNvPr>
+          <p:cNvSpPr txBox="1"/>
+          <p:nvPr/>
+        </p:nvSpPr>
+        <p:spPr>
+          <a:xfrm>
+            <a:off x="6383967" y="5899919"/>
+            <a:ext cx="1688652" cy="769441"/>
+          </a:xfrm>
+          <a:prstGeom prst="rect">
+            <a:avLst/>
+          </a:prstGeom>
+          <a:noFill/>
+        </p:spPr>
+        <p:txBody>
+          <a:bodyPr wrap="square" rtlCol="0">
+            <a:spAutoFit/>
+          </a:bodyPr>
+          <a:lstStyle/>
+          <a:p>
+            <a:r>
+              <a:rPr lang="fr-BE" sz="1100" dirty="0"/>
+              <a:t>Use the </a:t>
+            </a:r>
+            <a:r>
+              <a:rPr lang="fr-BE" sz="1100" dirty="0" err="1"/>
+              <a:t>webstorage</a:t>
+            </a:r>
+            <a:r>
+              <a:rPr lang="fr-BE" sz="1100" dirty="0"/>
+              <a:t> JS API to store the </a:t>
+            </a:r>
+            <a:r>
+              <a:rPr lang="fr-BE" sz="1100" dirty="0" err="1"/>
+              <a:t>granted</a:t>
+            </a:r>
+            <a:r>
+              <a:rPr lang="fr-BE" sz="1100" dirty="0"/>
+              <a:t> </a:t>
+            </a:r>
+            <a:r>
+              <a:rPr lang="fr-BE" sz="1100" dirty="0" err="1"/>
+              <a:t>token</a:t>
+            </a:r>
+            <a:r>
+              <a:rPr lang="fr-BE" sz="1100" dirty="0"/>
+              <a:t> and </a:t>
+            </a:r>
+            <a:r>
+              <a:rPr lang="fr-BE" sz="1100" dirty="0" err="1"/>
+              <a:t>periodically</a:t>
+            </a:r>
+            <a:r>
+              <a:rPr lang="fr-BE" sz="1100" dirty="0"/>
+              <a:t> check </a:t>
+            </a:r>
+            <a:r>
+              <a:rPr lang="fr-BE" sz="1100" dirty="0" err="1"/>
+              <a:t>its</a:t>
+            </a:r>
+            <a:r>
+              <a:rPr lang="fr-BE" sz="1100" dirty="0"/>
+              <a:t> </a:t>
+            </a:r>
+            <a:r>
+              <a:rPr lang="fr-BE" sz="1100" dirty="0" err="1"/>
+              <a:t>validity</a:t>
+            </a:r>
+            <a:endParaRPr lang="en-US" sz="1100" dirty="0"/>
+          </a:p>
+        </p:txBody>
+      </p:sp>
+      <p:cxnSp>
+        <p:nvCxnSpPr>
+          <p:cNvPr id="20" name="Connecteur : en angle 19">
+            <a:extLst>
+              <a:ext uri="{FF2B5EF4-FFF2-40B4-BE49-F238E27FC236}">
+                <a16:creationId xmlns:a16="http://schemas.microsoft.com/office/drawing/2014/main" id="{A74D432B-B591-4E64-915B-A4FE541180ED}"/>
+              </a:ext>
+            </a:extLst>
+          </p:cNvPr>
+          <p:cNvCxnSpPr/>
+          <p:nvPr/>
+        </p:nvCxnSpPr>
+        <p:spPr>
+          <a:xfrm rot="10800000" flipV="1">
+            <a:off x="4673288" y="6180125"/>
+            <a:ext cx="1524176" cy="245361"/>
+          </a:xfrm>
+          <a:prstGeom prst="bentConnector4">
+            <a:avLst>
+              <a:gd name="adj1" fmla="val 4417"/>
+              <a:gd name="adj2" fmla="val 193169"/>
+            </a:avLst>
+          </a:prstGeom>
+          <a:ln>
+            <a:solidFill>
+              <a:schemeClr val="tx1"/>
+            </a:solidFill>
+            <a:tailEnd type="triangle"/>
+          </a:ln>
+        </p:spPr>
+        <p:style>
+          <a:lnRef idx="1">
+            <a:schemeClr val="accent1"/>
+          </a:lnRef>
+          <a:fillRef idx="0">
+            <a:schemeClr val="accent1"/>
+          </a:fillRef>
+          <a:effectRef idx="0">
+            <a:schemeClr val="accent1"/>
+          </a:effectRef>
+          <a:fontRef idx="minor">
+            <a:schemeClr val="tx1"/>
+          </a:fontRef>
+        </p:style>
+      </p:cxnSp>
+      <p:sp>
+        <p:nvSpPr>
+          <p:cNvPr id="21" name="Flowchart: Connector 28">
+            <a:extLst>
+              <a:ext uri="{FF2B5EF4-FFF2-40B4-BE49-F238E27FC236}">
+                <a16:creationId xmlns:a16="http://schemas.microsoft.com/office/drawing/2014/main" id="{137144F4-EEFC-43B9-B61A-6622563741FA}"/>
+              </a:ext>
+            </a:extLst>
+          </p:cNvPr>
+          <p:cNvSpPr>
+            <a:spLocks noChangeAspect="1"/>
+          </p:cNvSpPr>
+          <p:nvPr/>
+        </p:nvSpPr>
+        <p:spPr>
+          <a:xfrm>
+            <a:off x="6020620" y="6552876"/>
+            <a:ext cx="176843" cy="176843"/>
+          </a:xfrm>
+          <a:prstGeom prst="flowChartConnector">
+            <a:avLst/>
+          </a:prstGeom>
+          <a:solidFill>
+            <a:schemeClr val="tx1"/>
+          </a:solidFill>
+          <a:ln>
+            <a:solidFill>
+              <a:schemeClr val="tx1"/>
+            </a:solidFill>
+          </a:ln>
+        </p:spPr>
+        <p:style>
+          <a:lnRef idx="2">
+            <a:schemeClr val="accent1">
+              <a:shade val="50000"/>
+            </a:schemeClr>
+          </a:lnRef>
+          <a:fillRef idx="1">
+            <a:schemeClr val="accent1"/>
+          </a:fillRef>
+          <a:effectRef idx="0">
+            <a:schemeClr val="accent1"/>
+          </a:effectRef>
+          <a:fontRef idx="minor">
+            <a:schemeClr val="lt1"/>
+          </a:fontRef>
+        </p:style>
+        <p:txBody>
+          <a:bodyPr rtlCol="0" anchor="ctr"/>
+          <a:lstStyle>
+            <a:defPPr>
+              <a:defRPr lang="en-US"/>
+            </a:defPPr>
+            <a:lvl1pPr marL="0" algn="l" defTabSz="914400" rtl="0" eaLnBrk="1" latinLnBrk="0" hangingPunct="1">
+              <a:defRPr sz="1800" kern="1200">
+                <a:solidFill>
+                  <a:schemeClr val="lt1"/>
+                </a:solidFill>
+                <a:latin typeface="+mn-lt"/>
+                <a:ea typeface="+mn-ea"/>
+                <a:cs typeface="+mn-cs"/>
+              </a:defRPr>
+            </a:lvl1pPr>
+            <a:lvl2pPr marL="457200" algn="l" defTabSz="914400" rtl="0" eaLnBrk="1" latinLnBrk="0" hangingPunct="1">
+              <a:defRPr sz="1800" kern="1200">
+                <a:solidFill>
+                  <a:schemeClr val="lt1"/>
+                </a:solidFill>
+                <a:latin typeface="+mn-lt"/>
+                <a:ea typeface="+mn-ea"/>
+                <a:cs typeface="+mn-cs"/>
+              </a:defRPr>
+            </a:lvl2pPr>
+            <a:lvl3pPr marL="914400" algn="l" defTabSz="914400" rtl="0" eaLnBrk="1" latinLnBrk="0" hangingPunct="1">
+              <a:defRPr sz="1800" kern="1200">
+                <a:solidFill>
+                  <a:schemeClr val="lt1"/>
+                </a:solidFill>
+                <a:latin typeface="+mn-lt"/>
+                <a:ea typeface="+mn-ea"/>
+                <a:cs typeface="+mn-cs"/>
+              </a:defRPr>
+            </a:lvl3pPr>
+            <a:lvl4pPr marL="1371600" algn="l" defTabSz="914400" rtl="0" eaLnBrk="1" latinLnBrk="0" hangingPunct="1">
+              <a:defRPr sz="1800" kern="1200">
+                <a:solidFill>
+                  <a:schemeClr val="lt1"/>
+                </a:solidFill>
+                <a:latin typeface="+mn-lt"/>
+                <a:ea typeface="+mn-ea"/>
+                <a:cs typeface="+mn-cs"/>
+              </a:defRPr>
+            </a:lvl4pPr>
+            <a:lvl5pPr marL="1828800" algn="l" defTabSz="914400" rtl="0" eaLnBrk="1" latinLnBrk="0" hangingPunct="1">
+              <a:defRPr sz="1800" kern="1200">
+                <a:solidFill>
+                  <a:schemeClr val="lt1"/>
+                </a:solidFill>
+                <a:latin typeface="+mn-lt"/>
+                <a:ea typeface="+mn-ea"/>
+                <a:cs typeface="+mn-cs"/>
+              </a:defRPr>
+            </a:lvl5pPr>
+            <a:lvl6pPr marL="2286000" algn="l" defTabSz="914400" rtl="0" eaLnBrk="1" latinLnBrk="0" hangingPunct="1">
+              <a:defRPr sz="1800" kern="1200">
+                <a:solidFill>
+                  <a:schemeClr val="lt1"/>
+                </a:solidFill>
+                <a:latin typeface="+mn-lt"/>
+                <a:ea typeface="+mn-ea"/>
+                <a:cs typeface="+mn-cs"/>
+              </a:defRPr>
+            </a:lvl6pPr>
+            <a:lvl7pPr marL="2743200" algn="l" defTabSz="914400" rtl="0" eaLnBrk="1" latinLnBrk="0" hangingPunct="1">
+              <a:defRPr sz="1800" kern="1200">
+                <a:solidFill>
+                  <a:schemeClr val="lt1"/>
+                </a:solidFill>
+                <a:latin typeface="+mn-lt"/>
+                <a:ea typeface="+mn-ea"/>
+                <a:cs typeface="+mn-cs"/>
+              </a:defRPr>
+            </a:lvl7pPr>
+            <a:lvl8pPr marL="3200400" algn="l" defTabSz="914400" rtl="0" eaLnBrk="1" latinLnBrk="0" hangingPunct="1">
+              <a:defRPr sz="1800" kern="1200">
+                <a:solidFill>
+                  <a:schemeClr val="lt1"/>
+                </a:solidFill>
+                <a:latin typeface="+mn-lt"/>
+                <a:ea typeface="+mn-ea"/>
+                <a:cs typeface="+mn-cs"/>
+              </a:defRPr>
+            </a:lvl8pPr>
+            <a:lvl9pPr marL="3657600" algn="l" defTabSz="914400" rtl="0" eaLnBrk="1" latinLnBrk="0" hangingPunct="1">
+              <a:defRPr sz="1800" kern="1200">
+                <a:solidFill>
+                  <a:schemeClr val="lt1"/>
+                </a:solidFill>
+                <a:latin typeface="+mn-lt"/>
+                <a:ea typeface="+mn-ea"/>
+                <a:cs typeface="+mn-cs"/>
+              </a:defRPr>
+            </a:lvl9pPr>
+          </a:lstStyle>
+          <a:p>
+            <a:pPr algn="ctr"/>
+            <a:r>
+              <a:rPr lang="fr-BE" sz="1200" b="1" dirty="0"/>
+              <a:t>4</a:t>
+            </a:r>
+            <a:endParaRPr lang="en-US" b="1" dirty="0"/>
+          </a:p>
+        </p:txBody>
+      </p:sp>
     </p:spTree>
     <p:extLst>
       <p:ext uri="{BB962C8B-B14F-4D97-AF65-F5344CB8AC3E}">
@@ -7889,12 +8732,12 @@
           <a:p>
             <a:pPr algn="ctr"/>
             <a:r>
-              <a:rPr lang="fr-BE" sz="1600" dirty="0" err="1">
+              <a:rPr lang="fr-BE" sz="1600" dirty="0">
                 <a:solidFill>
                   <a:schemeClr val="tx1"/>
                 </a:solidFill>
               </a:rPr>
-              <a:t>EventsHandler</a:t>
+              <a:t>Bus</a:t>
             </a:r>
             <a:endParaRPr lang="en-US" sz="1600" dirty="0">
               <a:solidFill>
@@ -8079,7 +8922,7 @@
         </p:nvSpPr>
         <p:spPr>
           <a:xfrm>
-            <a:off x="2445485" y="3231147"/>
+            <a:off x="3211732" y="3258184"/>
             <a:ext cx="1871263" cy="395705"/>
           </a:xfrm>
           <a:prstGeom prst="rect">
@@ -8143,7 +8986,7 @@
         </p:nvSpPr>
         <p:spPr>
           <a:xfrm>
-            <a:off x="4592992" y="3258185"/>
+            <a:off x="5184652" y="3258185"/>
             <a:ext cx="1871263" cy="395705"/>
           </a:xfrm>
           <a:prstGeom prst="rect">
@@ -8207,7 +9050,7 @@
         </p:nvSpPr>
         <p:spPr>
           <a:xfrm>
-            <a:off x="6740499" y="3258185"/>
+            <a:off x="7208315" y="3258185"/>
             <a:ext cx="1871263" cy="395705"/>
           </a:xfrm>
           <a:prstGeom prst="rect">
@@ -8274,9 +9117,9 @@
           <p:nvPr/>
         </p:nvCxnSpPr>
         <p:spPr>
-          <a:xfrm flipV="1">
+          <a:xfrm flipH="1" flipV="1">
             <a:off x="7676131" y="2168519"/>
-            <a:ext cx="0" cy="1089666"/>
+            <a:ext cx="467816" cy="1089666"/>
           </a:xfrm>
           <a:prstGeom prst="straightConnector1">
             <a:avLst/>
@@ -8321,8 +9164,8 @@
         </p:nvCxnSpPr>
         <p:spPr>
           <a:xfrm flipV="1">
-            <a:off x="5528624" y="2168519"/>
-            <a:ext cx="2147507" cy="1089666"/>
+            <a:off x="6120284" y="2168519"/>
+            <a:ext cx="1555847" cy="1089666"/>
           </a:xfrm>
           <a:prstGeom prst="straightConnector1">
             <a:avLst/>
@@ -8367,8 +9210,8 @@
         </p:nvCxnSpPr>
         <p:spPr>
           <a:xfrm flipV="1">
-            <a:off x="3381117" y="2168519"/>
-            <a:ext cx="4295014" cy="1062628"/>
+            <a:off x="4147364" y="2168519"/>
+            <a:ext cx="3528767" cy="1089665"/>
           </a:xfrm>
           <a:prstGeom prst="straightConnector1">
             <a:avLst/>
@@ -8478,7 +9321,7 @@
         <p:spPr>
           <a:xfrm flipV="1">
             <a:off x="5528624" y="3653890"/>
-            <a:ext cx="0" cy="1143262"/>
+            <a:ext cx="591660" cy="1143262"/>
           </a:xfrm>
           <a:prstGeom prst="straightConnector1">
             <a:avLst/>
